--- a/Doc/AppInfo.pptx
+++ b/Doc/AppInfo.pptx
@@ -6,8 +6,8 @@
   </p:sldMasterIdLst>
   <p:sldIdLst>
     <p:sldId id="256" r:id="rId2"/>
-    <p:sldId id="257" r:id="rId3"/>
-    <p:sldId id="258" r:id="rId4"/>
+    <p:sldId id="259" r:id="rId3"/>
+    <p:sldId id="260" r:id="rId4"/>
   </p:sldIdLst>
   <p:sldSz cx="9144000" cy="6858000" type="screen4x3"/>
   <p:notesSz cx="6858000" cy="9144000"/>
@@ -3221,87 +3221,111 @@
           <a:chExt cx="0" cy="0"/>
         </a:xfrm>
       </p:grpSpPr>
-      <p:sp>
-        <p:nvSpPr>
-          <p:cNvPr id="4" name="TextBox 3"/>
-          <p:cNvSpPr txBox="1"/>
+      <p:cxnSp>
+        <p:nvCxnSpPr>
+          <p:cNvPr id="5" name="Straight Connector 4"/>
+          <p:cNvCxnSpPr/>
           <p:nvPr/>
-        </p:nvSpPr>
-        <p:spPr>
-          <a:xfrm>
-            <a:off x="0" y="620688"/>
-            <a:ext cx="9144000" cy="584775"/>
-          </a:xfrm>
-          <a:prstGeom prst="rect">
+        </p:nvCxnSpPr>
+        <p:spPr>
+          <a:xfrm>
+            <a:off x="2627784" y="2204864"/>
+            <a:ext cx="0" cy="3024336"/>
+          </a:xfrm>
+          <a:prstGeom prst="line">
             <a:avLst/>
           </a:prstGeom>
-          <a:noFill/>
-        </p:spPr>
-        <p:txBody>
-          <a:bodyPr wrap="square" rtlCol="0">
-            <a:spAutoFit/>
-          </a:bodyPr>
-          <a:lstStyle/>
-          <a:p>
-            <a:pPr algn="ctr"/>
-            <a:r>
-              <a:rPr lang="de-DE" sz="3200" b="1" dirty="0" err="1" smtClean="0"/>
-              <a:t>Application</a:t>
-            </a:r>
-            <a:r>
-              <a:rPr lang="de-DE" sz="3200" b="1" dirty="0" smtClean="0"/>
-              <a:t> </a:t>
-            </a:r>
-            <a:r>
-              <a:rPr lang="de-DE" sz="3200" b="1" dirty="0" err="1" smtClean="0"/>
-              <a:t>workflow</a:t>
-            </a:r>
-            <a:endParaRPr lang="en-GB" sz="3200" b="1" dirty="0"/>
-          </a:p>
-        </p:txBody>
-      </p:sp>
-      <p:sp>
-        <p:nvSpPr>
-          <p:cNvPr id="2" name="TextBox 1"/>
-          <p:cNvSpPr txBox="1"/>
+          <a:ln w="15875"/>
+        </p:spPr>
+        <p:style>
+          <a:lnRef idx="1">
+            <a:schemeClr val="accent1"/>
+          </a:lnRef>
+          <a:fillRef idx="0">
+            <a:schemeClr val="accent1"/>
+          </a:fillRef>
+          <a:effectRef idx="0">
+            <a:schemeClr val="accent1"/>
+          </a:effectRef>
+          <a:fontRef idx="minor">
+            <a:schemeClr val="tx1"/>
+          </a:fontRef>
+        </p:style>
+      </p:cxnSp>
+      <p:cxnSp>
+        <p:nvCxnSpPr>
+          <p:cNvPr id="6" name="Straight Connector 5"/>
+          <p:cNvCxnSpPr/>
           <p:nvPr/>
-        </p:nvSpPr>
-        <p:spPr>
-          <a:xfrm>
-            <a:off x="179512" y="2708920"/>
-            <a:ext cx="1080120" cy="646331"/>
-          </a:xfrm>
-          <a:prstGeom prst="rect">
+        </p:nvCxnSpPr>
+        <p:spPr>
+          <a:xfrm>
+            <a:off x="3779912" y="2204864"/>
+            <a:ext cx="0" cy="3024336"/>
+          </a:xfrm>
+          <a:prstGeom prst="line">
             <a:avLst/>
           </a:prstGeom>
-          <a:noFill/>
-        </p:spPr>
-        <p:txBody>
-          <a:bodyPr wrap="square" rtlCol="0">
-            <a:spAutoFit/>
-          </a:bodyPr>
-          <a:lstStyle/>
-          <a:p>
-            <a:r>
-              <a:rPr lang="de-DE" dirty="0" smtClean="0"/>
-              <a:t>Write a Message</a:t>
-            </a:r>
-            <a:endParaRPr lang="en-GB" dirty="0"/>
-          </a:p>
-        </p:txBody>
-      </p:sp>
-      <p:sp>
-        <p:nvSpPr>
-          <p:cNvPr id="3" name="Right Arrow 2"/>
+          <a:ln w="15875"/>
+        </p:spPr>
+        <p:style>
+          <a:lnRef idx="1">
+            <a:schemeClr val="accent1"/>
+          </a:lnRef>
+          <a:fillRef idx="0">
+            <a:schemeClr val="accent1"/>
+          </a:fillRef>
+          <a:effectRef idx="0">
+            <a:schemeClr val="accent1"/>
+          </a:effectRef>
+          <a:fontRef idx="minor">
+            <a:schemeClr val="tx1"/>
+          </a:fontRef>
+        </p:style>
+      </p:cxnSp>
+      <p:cxnSp>
+        <p:nvCxnSpPr>
+          <p:cNvPr id="7" name="Straight Connector 6"/>
+          <p:cNvCxnSpPr/>
+          <p:nvPr/>
+        </p:nvCxnSpPr>
+        <p:spPr>
+          <a:xfrm>
+            <a:off x="4932040" y="2204864"/>
+            <a:ext cx="0" cy="3024336"/>
+          </a:xfrm>
+          <a:prstGeom prst="line">
+            <a:avLst/>
+          </a:prstGeom>
+          <a:ln w="15875"/>
+        </p:spPr>
+        <p:style>
+          <a:lnRef idx="1">
+            <a:schemeClr val="accent1"/>
+          </a:lnRef>
+          <a:fillRef idx="0">
+            <a:schemeClr val="accent1"/>
+          </a:fillRef>
+          <a:effectRef idx="0">
+            <a:schemeClr val="accent1"/>
+          </a:effectRef>
+          <a:fontRef idx="minor">
+            <a:schemeClr val="tx1"/>
+          </a:fontRef>
+        </p:style>
+      </p:cxnSp>
+      <p:sp>
+        <p:nvSpPr>
+          <p:cNvPr id="8" name="Rounded Rectangle 7"/>
           <p:cNvSpPr/>
           <p:nvPr/>
         </p:nvSpPr>
         <p:spPr>
           <a:xfrm>
-            <a:off x="1403648" y="2924944"/>
-            <a:ext cx="648072" cy="288032"/>
-          </a:xfrm>
-          <a:prstGeom prst="rightArrow">
+            <a:off x="2123728" y="1556792"/>
+            <a:ext cx="1008112" cy="574323"/>
+          </a:xfrm>
+          <a:prstGeom prst="roundRect">
             <a:avLst/>
           </a:prstGeom>
         </p:spPr>
@@ -3326,20 +3350,24 @@
           <a:lstStyle/>
           <a:p>
             <a:pPr algn="ctr"/>
-            <a:endParaRPr lang="en-GB"/>
-          </a:p>
-        </p:txBody>
-      </p:sp>
-      <p:sp>
-        <p:nvSpPr>
-          <p:cNvPr id="5" name="Rounded Rectangle 4"/>
+            <a:r>
+              <a:rPr lang="de-DE" sz="1600" dirty="0" smtClean="0"/>
+              <a:t>Sender</a:t>
+            </a:r>
+            <a:endParaRPr lang="en-GB" sz="1600" dirty="0"/>
+          </a:p>
+        </p:txBody>
+      </p:sp>
+      <p:sp>
+        <p:nvSpPr>
+          <p:cNvPr id="10" name="Rounded Rectangle 9"/>
           <p:cNvSpPr/>
           <p:nvPr/>
         </p:nvSpPr>
         <p:spPr>
           <a:xfrm>
-            <a:off x="2195736" y="2781798"/>
-            <a:ext cx="1368152" cy="574323"/>
+            <a:off x="3275856" y="1558533"/>
+            <a:ext cx="1008112" cy="574323"/>
           </a:xfrm>
           <a:prstGeom prst="roundRect">
             <a:avLst/>
@@ -3367,25 +3395,25 @@
           <a:p>
             <a:pPr algn="ctr"/>
             <a:r>
-              <a:rPr lang="de-DE" dirty="0" smtClean="0"/>
-              <a:t>Sender</a:t>
-            </a:r>
-            <a:endParaRPr lang="en-GB" dirty="0"/>
-          </a:p>
-        </p:txBody>
-      </p:sp>
-      <p:sp>
-        <p:nvSpPr>
-          <p:cNvPr id="6" name="Right Arrow 5"/>
+              <a:rPr lang="de-DE" sz="1600" dirty="0" smtClean="0"/>
+              <a:t>Receiver</a:t>
+            </a:r>
+            <a:endParaRPr lang="en-GB" sz="1600" dirty="0"/>
+          </a:p>
+        </p:txBody>
+      </p:sp>
+      <p:sp>
+        <p:nvSpPr>
+          <p:cNvPr id="11" name="Rounded Rectangle 10"/>
           <p:cNvSpPr/>
           <p:nvPr/>
         </p:nvSpPr>
         <p:spPr>
           <a:xfrm>
-            <a:off x="3707904" y="2933328"/>
-            <a:ext cx="648072" cy="288032"/>
-          </a:xfrm>
-          <a:prstGeom prst="rightArrow">
+            <a:off x="4427984" y="1558533"/>
+            <a:ext cx="1008112" cy="574323"/>
+          </a:xfrm>
+          <a:prstGeom prst="roundRect">
             <a:avLst/>
           </a:prstGeom>
         </p:spPr>
@@ -3410,20 +3438,88 @@
           <a:lstStyle/>
           <a:p>
             <a:pPr algn="ctr"/>
-            <a:endParaRPr lang="en-GB"/>
-          </a:p>
-        </p:txBody>
-      </p:sp>
-      <p:sp>
-        <p:nvSpPr>
-          <p:cNvPr id="7" name="TextBox 6"/>
+            <a:r>
+              <a:rPr lang="de-DE" sz="1600" dirty="0" smtClean="0"/>
+              <a:t>File System</a:t>
+            </a:r>
+            <a:endParaRPr lang="en-GB" sz="1600" dirty="0"/>
+          </a:p>
+        </p:txBody>
+      </p:sp>
+      <p:cxnSp>
+        <p:nvCxnSpPr>
+          <p:cNvPr id="12" name="Straight Connector 11"/>
+          <p:cNvCxnSpPr/>
+          <p:nvPr/>
+        </p:nvCxnSpPr>
+        <p:spPr>
+          <a:xfrm>
+            <a:off x="1475656" y="2204864"/>
+            <a:ext cx="0" cy="3024336"/>
+          </a:xfrm>
+          <a:prstGeom prst="line">
+            <a:avLst/>
+          </a:prstGeom>
+          <a:ln w="15875"/>
+        </p:spPr>
+        <p:style>
+          <a:lnRef idx="1">
+            <a:schemeClr val="accent1"/>
+          </a:lnRef>
+          <a:fillRef idx="0">
+            <a:schemeClr val="accent1"/>
+          </a:fillRef>
+          <a:effectRef idx="0">
+            <a:schemeClr val="accent1"/>
+          </a:effectRef>
+          <a:fontRef idx="minor">
+            <a:schemeClr val="tx1"/>
+          </a:fontRef>
+        </p:style>
+      </p:cxnSp>
+      <p:cxnSp>
+        <p:nvCxnSpPr>
+          <p:cNvPr id="15" name="Straight Arrow Connector 14"/>
+          <p:cNvCxnSpPr/>
+          <p:nvPr/>
+        </p:nvCxnSpPr>
+        <p:spPr>
+          <a:xfrm>
+            <a:off x="1547664" y="2492896"/>
+            <a:ext cx="1008112" cy="0"/>
+          </a:xfrm>
+          <a:prstGeom prst="straightConnector1">
+            <a:avLst/>
+          </a:prstGeom>
+          <a:ln>
+            <a:tailEnd type="arrow"/>
+          </a:ln>
+        </p:spPr>
+        <p:style>
+          <a:lnRef idx="1">
+            <a:schemeClr val="accent1"/>
+          </a:lnRef>
+          <a:fillRef idx="0">
+            <a:schemeClr val="accent1"/>
+          </a:fillRef>
+          <a:effectRef idx="0">
+            <a:schemeClr val="accent1"/>
+          </a:effectRef>
+          <a:fontRef idx="minor">
+            <a:schemeClr val="tx1"/>
+          </a:fontRef>
+        </p:style>
+      </p:cxnSp>
+      <p:sp>
+        <p:nvSpPr>
+          <p:cNvPr id="16" name="TextBox 15"/>
           <p:cNvSpPr txBox="1"/>
           <p:nvPr/>
         </p:nvSpPr>
         <p:spPr>
           <a:xfrm>
-            <a:off x="3563888" y="2204864"/>
-            <a:ext cx="1152128" cy="646331"/>
+            <a:off x="179512" y="2420888"/>
+            <a:ext cx="1152128" cy="215444"/>
           </a:xfrm>
           <a:prstGeom prst="rect">
             <a:avLst/>
@@ -3437,79 +3533,60 @@
           <a:lstStyle/>
           <a:p>
             <a:r>
-              <a:rPr lang="de-DE" dirty="0" smtClean="0"/>
-              <a:t>Send </a:t>
-            </a:r>
-            <a:r>
-              <a:rPr lang="de-DE" dirty="0" err="1" smtClean="0"/>
-              <a:t>the</a:t>
-            </a:r>
-            <a:r>
-              <a:rPr lang="de-DE" dirty="0" smtClean="0"/>
-              <a:t> </a:t>
-            </a:r>
-            <a:r>
-              <a:rPr lang="de-DE" dirty="0" err="1" smtClean="0"/>
+              <a:rPr lang="de-DE" sz="800" b="1" dirty="0" smtClean="0"/>
+              <a:t>1) Write a </a:t>
+            </a:r>
+            <a:r>
+              <a:rPr lang="de-DE" sz="800" b="1" dirty="0" err="1" smtClean="0"/>
               <a:t>message</a:t>
             </a:r>
-            <a:endParaRPr lang="en-GB" dirty="0"/>
-          </a:p>
-        </p:txBody>
-      </p:sp>
-      <p:sp>
-        <p:nvSpPr>
-          <p:cNvPr id="8" name="Rounded Rectangle 7"/>
-          <p:cNvSpPr/>
+            <a:endParaRPr lang="en-GB" sz="800" b="1" dirty="0"/>
+          </a:p>
+        </p:txBody>
+      </p:sp>
+      <p:cxnSp>
+        <p:nvCxnSpPr>
+          <p:cNvPr id="17" name="Straight Arrow Connector 16"/>
+          <p:cNvCxnSpPr/>
           <p:nvPr/>
-        </p:nvSpPr>
-        <p:spPr>
-          <a:xfrm>
-            <a:off x="4499992" y="2790182"/>
-            <a:ext cx="1368152" cy="574323"/>
-          </a:xfrm>
-          <a:prstGeom prst="roundRect">
+        </p:nvCxnSpPr>
+        <p:spPr>
+          <a:xfrm>
+            <a:off x="2719595" y="2924944"/>
+            <a:ext cx="1008112" cy="0"/>
+          </a:xfrm>
+          <a:prstGeom prst="straightConnector1">
             <a:avLst/>
           </a:prstGeom>
+          <a:ln>
+            <a:tailEnd type="arrow"/>
+          </a:ln>
         </p:spPr>
         <p:style>
-          <a:lnRef idx="2">
-            <a:schemeClr val="accent1">
-              <a:shade val="50000"/>
-            </a:schemeClr>
+          <a:lnRef idx="1">
+            <a:schemeClr val="accent1"/>
           </a:lnRef>
-          <a:fillRef idx="1">
+          <a:fillRef idx="0">
             <a:schemeClr val="accent1"/>
           </a:fillRef>
           <a:effectRef idx="0">
             <a:schemeClr val="accent1"/>
           </a:effectRef>
           <a:fontRef idx="minor">
-            <a:schemeClr val="lt1"/>
+            <a:schemeClr val="tx1"/>
           </a:fontRef>
         </p:style>
-        <p:txBody>
-          <a:bodyPr rtlCol="0" anchor="ctr"/>
-          <a:lstStyle/>
-          <a:p>
-            <a:pPr algn="ctr"/>
-            <a:r>
-              <a:rPr lang="de-DE" dirty="0" smtClean="0"/>
-              <a:t>Receiver</a:t>
-            </a:r>
-            <a:endParaRPr lang="en-GB" dirty="0"/>
-          </a:p>
-        </p:txBody>
-      </p:sp>
-      <p:sp>
-        <p:nvSpPr>
-          <p:cNvPr id="9" name="TextBox 8"/>
+      </p:cxnSp>
+      <p:sp>
+        <p:nvSpPr>
+          <p:cNvPr id="18" name="TextBox 17"/>
           <p:cNvSpPr txBox="1"/>
           <p:nvPr/>
         </p:nvSpPr>
         <p:spPr>
           <a:xfrm>
-            <a:off x="4479363" y="3501008"/>
-            <a:ext cx="1620180" cy="646331"/>
+            <a:off x="179512" y="2852356"/>
+            <a:ext cx="1152128" cy="215444"/>
           </a:xfrm>
           <a:prstGeom prst="rect">
             <a:avLst/>
@@ -3523,79 +3600,68 @@
           <a:lstStyle/>
           <a:p>
             <a:r>
-              <a:rPr lang="de-DE" dirty="0" err="1" smtClean="0"/>
-              <a:t>Receive</a:t>
-            </a:r>
-            <a:r>
-              <a:rPr lang="de-DE" dirty="0" smtClean="0"/>
+              <a:rPr lang="de-DE" sz="800" b="1" dirty="0" smtClean="0"/>
+              <a:t>2) Send </a:t>
+            </a:r>
+            <a:r>
+              <a:rPr lang="de-DE" sz="800" b="1" dirty="0" err="1" smtClean="0"/>
+              <a:t>the</a:t>
+            </a:r>
+            <a:r>
+              <a:rPr lang="de-DE" sz="800" b="1" dirty="0" smtClean="0"/>
               <a:t> </a:t>
             </a:r>
             <a:r>
-              <a:rPr lang="de-DE" dirty="0" err="1" smtClean="0"/>
-              <a:t>the</a:t>
-            </a:r>
-            <a:r>
-              <a:rPr lang="de-DE" dirty="0" smtClean="0"/>
-              <a:t> </a:t>
-            </a:r>
-            <a:r>
-              <a:rPr lang="de-DE" dirty="0" err="1" smtClean="0"/>
+              <a:rPr lang="de-DE" sz="800" b="1" dirty="0" err="1" smtClean="0"/>
               <a:t>message</a:t>
             </a:r>
-            <a:endParaRPr lang="en-GB" dirty="0"/>
-          </a:p>
-        </p:txBody>
-      </p:sp>
-      <p:sp>
-        <p:nvSpPr>
-          <p:cNvPr id="10" name="Right Arrow 9"/>
-          <p:cNvSpPr/>
+            <a:endParaRPr lang="en-GB" sz="800" b="1" dirty="0"/>
+          </a:p>
+        </p:txBody>
+      </p:sp>
+      <p:cxnSp>
+        <p:nvCxnSpPr>
+          <p:cNvPr id="19" name="Straight Arrow Connector 18"/>
+          <p:cNvCxnSpPr/>
           <p:nvPr/>
-        </p:nvSpPr>
-        <p:spPr>
-          <a:xfrm>
-            <a:off x="6012160" y="2924943"/>
-            <a:ext cx="648072" cy="288032"/>
-          </a:xfrm>
-          <a:prstGeom prst="rightArrow">
+        </p:nvCxnSpPr>
+        <p:spPr>
+          <a:xfrm>
+            <a:off x="3880107" y="3356992"/>
+            <a:ext cx="1008112" cy="0"/>
+          </a:xfrm>
+          <a:prstGeom prst="straightConnector1">
             <a:avLst/>
           </a:prstGeom>
+          <a:ln>
+            <a:tailEnd type="arrow"/>
+          </a:ln>
         </p:spPr>
         <p:style>
-          <a:lnRef idx="2">
-            <a:schemeClr val="accent1">
-              <a:shade val="50000"/>
-            </a:schemeClr>
+          <a:lnRef idx="1">
+            <a:schemeClr val="accent1"/>
           </a:lnRef>
-          <a:fillRef idx="1">
+          <a:fillRef idx="0">
             <a:schemeClr val="accent1"/>
           </a:fillRef>
           <a:effectRef idx="0">
             <a:schemeClr val="accent1"/>
           </a:effectRef>
           <a:fontRef idx="minor">
-            <a:schemeClr val="lt1"/>
+            <a:schemeClr val="tx1"/>
           </a:fontRef>
         </p:style>
-        <p:txBody>
-          <a:bodyPr rtlCol="0" anchor="ctr"/>
-          <a:lstStyle/>
-          <a:p>
-            <a:pPr algn="ctr"/>
-            <a:endParaRPr lang="en-GB"/>
-          </a:p>
-        </p:txBody>
-      </p:sp>
-      <p:sp>
-        <p:nvSpPr>
-          <p:cNvPr id="11" name="TextBox 10"/>
+      </p:cxnSp>
+      <p:sp>
+        <p:nvSpPr>
+          <p:cNvPr id="20" name="TextBox 19"/>
           <p:cNvSpPr txBox="1"/>
           <p:nvPr/>
         </p:nvSpPr>
         <p:spPr>
           <a:xfrm>
-            <a:off x="6804248" y="2607294"/>
-            <a:ext cx="1620180" cy="923330"/>
+            <a:off x="202515" y="3249270"/>
+            <a:ext cx="1152128" cy="215444"/>
           </a:xfrm>
           <a:prstGeom prst="rect">
             <a:avLst/>
@@ -3609,49 +3675,240 @@
           <a:lstStyle/>
           <a:p>
             <a:r>
-              <a:rPr lang="de-DE" dirty="0" err="1" smtClean="0"/>
+              <a:rPr lang="de-DE" sz="800" b="1" dirty="0" smtClean="0"/>
+              <a:t>3) </a:t>
+            </a:r>
+            <a:r>
+              <a:rPr lang="de-DE" sz="800" b="1" dirty="0" err="1" smtClean="0"/>
               <a:t>Persist</a:t>
             </a:r>
             <a:r>
-              <a:rPr lang="de-DE" dirty="0" smtClean="0"/>
+              <a:rPr lang="de-DE" sz="800" b="1" dirty="0" smtClean="0"/>
+              <a:t>  </a:t>
+            </a:r>
+            <a:r>
+              <a:rPr lang="de-DE" sz="800" b="1" dirty="0" err="1" smtClean="0"/>
+              <a:t>the</a:t>
+            </a:r>
+            <a:r>
+              <a:rPr lang="de-DE" sz="800" b="1" dirty="0" smtClean="0"/>
               <a:t> </a:t>
             </a:r>
             <a:r>
-              <a:rPr lang="de-DE" dirty="0" err="1" smtClean="0"/>
-              <a:t>the</a:t>
-            </a:r>
-            <a:r>
-              <a:rPr lang="de-DE" dirty="0" smtClean="0"/>
+              <a:rPr lang="de-DE" sz="800" b="1" dirty="0" err="1" smtClean="0"/>
+              <a:t>message</a:t>
+            </a:r>
+            <a:endParaRPr lang="en-GB" sz="800" b="1" dirty="0"/>
+          </a:p>
+        </p:txBody>
+      </p:sp>
+      <p:cxnSp>
+        <p:nvCxnSpPr>
+          <p:cNvPr id="21" name="Straight Arrow Connector 20"/>
+          <p:cNvCxnSpPr/>
+          <p:nvPr/>
+        </p:nvCxnSpPr>
+        <p:spPr>
+          <a:xfrm>
+            <a:off x="1583668" y="3825334"/>
+            <a:ext cx="3304551" cy="0"/>
+          </a:xfrm>
+          <a:prstGeom prst="straightConnector1">
+            <a:avLst/>
+          </a:prstGeom>
+          <a:ln>
+            <a:tailEnd type="arrow"/>
+          </a:ln>
+        </p:spPr>
+        <p:style>
+          <a:lnRef idx="1">
+            <a:schemeClr val="accent1"/>
+          </a:lnRef>
+          <a:fillRef idx="0">
+            <a:schemeClr val="accent1"/>
+          </a:fillRef>
+          <a:effectRef idx="0">
+            <a:schemeClr val="accent1"/>
+          </a:effectRef>
+          <a:fontRef idx="minor">
+            <a:schemeClr val="tx1"/>
+          </a:fontRef>
+        </p:style>
+      </p:cxnSp>
+      <p:sp>
+        <p:nvSpPr>
+          <p:cNvPr id="22" name="TextBox 21"/>
+          <p:cNvSpPr txBox="1"/>
+          <p:nvPr/>
+        </p:nvSpPr>
+        <p:spPr>
+          <a:xfrm>
+            <a:off x="179512" y="3689867"/>
+            <a:ext cx="1152128" cy="215444"/>
+          </a:xfrm>
+          <a:prstGeom prst="rect">
+            <a:avLst/>
+          </a:prstGeom>
+          <a:noFill/>
+        </p:spPr>
+        <p:txBody>
+          <a:bodyPr wrap="square" rtlCol="0">
+            <a:spAutoFit/>
+          </a:bodyPr>
+          <a:lstStyle/>
+          <a:p>
+            <a:r>
+              <a:rPr lang="de-DE" sz="800" b="1" dirty="0" smtClean="0"/>
+              <a:t>4) Check on </a:t>
+            </a:r>
+            <a:r>
+              <a:rPr lang="de-DE" sz="800" b="1" dirty="0" err="1" smtClean="0"/>
+              <a:t>console</a:t>
+            </a:r>
+            <a:endParaRPr lang="en-GB" sz="800" b="1" dirty="0"/>
+          </a:p>
+        </p:txBody>
+      </p:sp>
+      <p:sp>
+        <p:nvSpPr>
+          <p:cNvPr id="24" name="TextBox 23"/>
+          <p:cNvSpPr txBox="1"/>
+          <p:nvPr/>
+        </p:nvSpPr>
+        <p:spPr>
+          <a:xfrm>
+            <a:off x="0" y="620688"/>
+            <a:ext cx="9144000" cy="584775"/>
+          </a:xfrm>
+          <a:prstGeom prst="rect">
+            <a:avLst/>
+          </a:prstGeom>
+          <a:noFill/>
+        </p:spPr>
+        <p:txBody>
+          <a:bodyPr wrap="square" rtlCol="0">
+            <a:spAutoFit/>
+          </a:bodyPr>
+          <a:lstStyle/>
+          <a:p>
+            <a:pPr algn="ctr"/>
+            <a:r>
+              <a:rPr lang="de-DE" sz="3200" b="1" dirty="0" smtClean="0"/>
+              <a:t>Standard </a:t>
+            </a:r>
+            <a:r>
+              <a:rPr lang="de-DE" sz="3200" b="1" dirty="0" err="1" smtClean="0"/>
+              <a:t>app</a:t>
+            </a:r>
+            <a:r>
+              <a:rPr lang="de-DE" sz="3200" b="1" dirty="0" smtClean="0"/>
               <a:t> </a:t>
             </a:r>
             <a:r>
-              <a:rPr lang="de-DE" dirty="0" err="1" smtClean="0"/>
-              <a:t>message</a:t>
-            </a:r>
-            <a:r>
-              <a:rPr lang="de-DE" dirty="0" smtClean="0"/>
-              <a:t> on </a:t>
-            </a:r>
-            <a:r>
-              <a:rPr lang="de-DE" dirty="0" err="1" smtClean="0"/>
-              <a:t>file</a:t>
-            </a:r>
-            <a:r>
-              <a:rPr lang="de-DE" dirty="0" smtClean="0"/>
-              <a:t> </a:t>
-            </a:r>
-            <a:r>
-              <a:rPr lang="de-DE" dirty="0" err="1" smtClean="0"/>
-              <a:t>system</a:t>
-            </a:r>
-            <a:endParaRPr lang="en-GB" dirty="0"/>
-          </a:p>
-        </p:txBody>
-      </p:sp>
+              <a:rPr lang="de-DE" sz="3200" b="1" dirty="0" err="1" smtClean="0"/>
+              <a:t>workflow</a:t>
+            </a:r>
+            <a:endParaRPr lang="en-GB" sz="3200" b="1" dirty="0"/>
+          </a:p>
+        </p:txBody>
+      </p:sp>
+      <p:sp>
+        <p:nvSpPr>
+          <p:cNvPr id="1033" name="AutoShape 4" descr="Image result for stylized person"/>
+          <p:cNvSpPr>
+            <a:spLocks noChangeAspect="1" noChangeArrowheads="1"/>
+          </p:cNvSpPr>
+          <p:nvPr/>
+        </p:nvSpPr>
+        <p:spPr bwMode="auto">
+          <a:xfrm>
+            <a:off x="0" y="-144463"/>
+            <a:ext cx="304800" cy="304801"/>
+          </a:xfrm>
+          <a:prstGeom prst="rect">
+            <a:avLst/>
+          </a:prstGeom>
+          <a:noFill/>
+          <a:extLst>
+            <a:ext uri="{909E8E84-426E-40DD-AFC4-6F175D3DCCD1}">
+              <a14:hiddenFill xmlns:a14="http://schemas.microsoft.com/office/drawing/2010/main">
+                <a:solidFill>
+                  <a:srgbClr val="FFFFFF"/>
+                </a:solidFill>
+              </a14:hiddenFill>
+            </a:ext>
+          </a:extLst>
+        </p:spPr>
+        <p:txBody>
+          <a:bodyPr vert="horz" wrap="square" lIns="91440" tIns="45720" rIns="91440" bIns="45720" numCol="1" anchor="t" anchorCtr="0" compatLnSpc="1">
+            <a:prstTxWarp prst="textNoShape">
+              <a:avLst/>
+            </a:prstTxWarp>
+          </a:bodyPr>
+          <a:lstStyle/>
+          <a:p>
+            <a:endParaRPr lang="en-GB"/>
+          </a:p>
+        </p:txBody>
+      </p:sp>
+      <p:pic>
+        <p:nvPicPr>
+          <p:cNvPr id="1034" name="Picture 5"/>
+          <p:cNvPicPr>
+            <a:picLocks noChangeAspect="1" noChangeArrowheads="1"/>
+          </p:cNvPicPr>
+          <p:nvPr/>
+        </p:nvPicPr>
+        <p:blipFill>
+          <a:blip r:embed="rId2">
+            <a:extLst>
+              <a:ext uri="{28A0092B-C50C-407E-A947-70E740481C1C}">
+                <a14:useLocalDpi xmlns:a14="http://schemas.microsoft.com/office/drawing/2010/main" val="0"/>
+              </a:ext>
+            </a:extLst>
+          </a:blip>
+          <a:srcRect/>
+          <a:stretch>
+            <a:fillRect/>
+          </a:stretch>
+        </p:blipFill>
+        <p:spPr bwMode="auto">
+          <a:xfrm>
+            <a:off x="1327365" y="1289895"/>
+            <a:ext cx="309562" cy="842961"/>
+          </a:xfrm>
+          <a:prstGeom prst="rect">
+            <a:avLst/>
+          </a:prstGeom>
+          <a:noFill/>
+          <a:ln>
+            <a:noFill/>
+          </a:ln>
+          <a:extLst>
+            <a:ext uri="{909E8E84-426E-40DD-AFC4-6F175D3DCCD1}">
+              <a14:hiddenFill xmlns:a14="http://schemas.microsoft.com/office/drawing/2010/main">
+                <a:solidFill>
+                  <a:schemeClr val="accent1"/>
+                </a:solidFill>
+              </a14:hiddenFill>
+            </a:ext>
+            <a:ext uri="{91240B29-F687-4F45-9708-019B960494DF}">
+              <a14:hiddenLine xmlns:a14="http://schemas.microsoft.com/office/drawing/2010/main" w="9525">
+                <a:solidFill>
+                  <a:schemeClr val="tx1"/>
+                </a:solidFill>
+                <a:miter lim="800000"/>
+                <a:headEnd/>
+                <a:tailEnd/>
+              </a14:hiddenLine>
+            </a:ext>
+          </a:extLst>
+        </p:spPr>
+      </p:pic>
     </p:spTree>
     <p:extLst>
       <p:ext uri="{BB962C8B-B14F-4D97-AF65-F5344CB8AC3E}">
-        <p14:creationId xmlns:p14="http://schemas.microsoft.com/office/powerpoint/2010/main" val="2241205169"/>
+        <p14:creationId xmlns:p14="http://schemas.microsoft.com/office/powerpoint/2010/main" val="3893828713"/>
       </p:ext>
     </p:extLst>
   </p:cSld>
@@ -3685,91 +3942,111 @@
           <a:chExt cx="0" cy="0"/>
         </a:xfrm>
       </p:grpSpPr>
-      <p:sp>
-        <p:nvSpPr>
-          <p:cNvPr id="4" name="TextBox 3"/>
-          <p:cNvSpPr txBox="1"/>
+      <p:cxnSp>
+        <p:nvCxnSpPr>
+          <p:cNvPr id="5" name="Straight Connector 4"/>
+          <p:cNvCxnSpPr/>
           <p:nvPr/>
-        </p:nvSpPr>
-        <p:spPr>
-          <a:xfrm>
-            <a:off x="0" y="620688"/>
-            <a:ext cx="9144000" cy="584775"/>
-          </a:xfrm>
-          <a:prstGeom prst="rect">
+        </p:nvCxnSpPr>
+        <p:spPr>
+          <a:xfrm>
+            <a:off x="2627784" y="2204864"/>
+            <a:ext cx="0" cy="3024336"/>
+          </a:xfrm>
+          <a:prstGeom prst="line">
             <a:avLst/>
           </a:prstGeom>
-          <a:noFill/>
-        </p:spPr>
-        <p:txBody>
-          <a:bodyPr wrap="square" rtlCol="0">
-            <a:spAutoFit/>
-          </a:bodyPr>
-          <a:lstStyle/>
-          <a:p>
-            <a:pPr algn="ctr"/>
-            <a:r>
-              <a:rPr lang="de-DE" sz="3200" b="1" dirty="0" smtClean="0"/>
-              <a:t>Integration </a:t>
-            </a:r>
-            <a:r>
-              <a:rPr lang="de-DE" sz="3200" b="1" dirty="0" err="1" smtClean="0"/>
-              <a:t>testing</a:t>
-            </a:r>
-            <a:r>
-              <a:rPr lang="de-DE" sz="3200" b="1" dirty="0" smtClean="0"/>
-              <a:t> </a:t>
-            </a:r>
-            <a:r>
-              <a:rPr lang="de-DE" sz="3200" b="1" dirty="0" err="1" smtClean="0"/>
-              <a:t>workflow</a:t>
-            </a:r>
-            <a:endParaRPr lang="en-GB" sz="3200" b="1" dirty="0"/>
-          </a:p>
-        </p:txBody>
-      </p:sp>
-      <p:sp>
-        <p:nvSpPr>
-          <p:cNvPr id="2" name="TextBox 1"/>
-          <p:cNvSpPr txBox="1"/>
+          <a:ln w="15875"/>
+        </p:spPr>
+        <p:style>
+          <a:lnRef idx="1">
+            <a:schemeClr val="accent1"/>
+          </a:lnRef>
+          <a:fillRef idx="0">
+            <a:schemeClr val="accent1"/>
+          </a:fillRef>
+          <a:effectRef idx="0">
+            <a:schemeClr val="accent1"/>
+          </a:effectRef>
+          <a:fontRef idx="minor">
+            <a:schemeClr val="tx1"/>
+          </a:fontRef>
+        </p:style>
+      </p:cxnSp>
+      <p:cxnSp>
+        <p:nvCxnSpPr>
+          <p:cNvPr id="6" name="Straight Connector 5"/>
+          <p:cNvCxnSpPr/>
           <p:nvPr/>
-        </p:nvSpPr>
-        <p:spPr>
-          <a:xfrm>
-            <a:off x="1357111" y="2718174"/>
-            <a:ext cx="1080120" cy="646331"/>
-          </a:xfrm>
-          <a:prstGeom prst="rect">
+        </p:nvCxnSpPr>
+        <p:spPr>
+          <a:xfrm>
+            <a:off x="3779912" y="2204864"/>
+            <a:ext cx="0" cy="3024336"/>
+          </a:xfrm>
+          <a:prstGeom prst="line">
             <a:avLst/>
           </a:prstGeom>
-          <a:noFill/>
-        </p:spPr>
-        <p:txBody>
-          <a:bodyPr wrap="square" rtlCol="0">
-            <a:spAutoFit/>
-          </a:bodyPr>
-          <a:lstStyle/>
-          <a:p>
-            <a:r>
-              <a:rPr lang="de-DE" dirty="0" smtClean="0"/>
-              <a:t>Write a Message</a:t>
-            </a:r>
-            <a:endParaRPr lang="en-GB" dirty="0"/>
-          </a:p>
-        </p:txBody>
-      </p:sp>
-      <p:sp>
-        <p:nvSpPr>
-          <p:cNvPr id="3" name="Right Arrow 2"/>
+          <a:ln w="15875"/>
+        </p:spPr>
+        <p:style>
+          <a:lnRef idx="1">
+            <a:schemeClr val="accent1"/>
+          </a:lnRef>
+          <a:fillRef idx="0">
+            <a:schemeClr val="accent1"/>
+          </a:fillRef>
+          <a:effectRef idx="0">
+            <a:schemeClr val="accent1"/>
+          </a:effectRef>
+          <a:fontRef idx="minor">
+            <a:schemeClr val="tx1"/>
+          </a:fontRef>
+        </p:style>
+      </p:cxnSp>
+      <p:cxnSp>
+        <p:nvCxnSpPr>
+          <p:cNvPr id="7" name="Straight Connector 6"/>
+          <p:cNvCxnSpPr/>
+          <p:nvPr/>
+        </p:nvCxnSpPr>
+        <p:spPr>
+          <a:xfrm>
+            <a:off x="4932040" y="2204864"/>
+            <a:ext cx="0" cy="3024336"/>
+          </a:xfrm>
+          <a:prstGeom prst="line">
+            <a:avLst/>
+          </a:prstGeom>
+          <a:ln w="15875"/>
+        </p:spPr>
+        <p:style>
+          <a:lnRef idx="1">
+            <a:schemeClr val="accent1"/>
+          </a:lnRef>
+          <a:fillRef idx="0">
+            <a:schemeClr val="accent1"/>
+          </a:fillRef>
+          <a:effectRef idx="0">
+            <a:schemeClr val="accent1"/>
+          </a:effectRef>
+          <a:fontRef idx="minor">
+            <a:schemeClr val="tx1"/>
+          </a:fontRef>
+        </p:style>
+      </p:cxnSp>
+      <p:sp>
+        <p:nvSpPr>
+          <p:cNvPr id="8" name="Rounded Rectangle 7"/>
           <p:cNvSpPr/>
           <p:nvPr/>
         </p:nvSpPr>
         <p:spPr>
           <a:xfrm>
-            <a:off x="2447764" y="2924944"/>
-            <a:ext cx="648072" cy="288032"/>
-          </a:xfrm>
-          <a:prstGeom prst="rightArrow">
+            <a:off x="2123728" y="1556792"/>
+            <a:ext cx="1008112" cy="574323"/>
+          </a:xfrm>
+          <a:prstGeom prst="roundRect">
             <a:avLst/>
           </a:prstGeom>
         </p:spPr>
@@ -3794,20 +4071,24 @@
           <a:lstStyle/>
           <a:p>
             <a:pPr algn="ctr"/>
-            <a:endParaRPr lang="en-GB"/>
-          </a:p>
-        </p:txBody>
-      </p:sp>
-      <p:sp>
-        <p:nvSpPr>
-          <p:cNvPr id="5" name="Rounded Rectangle 4"/>
+            <a:r>
+              <a:rPr lang="de-DE" sz="1600" dirty="0" smtClean="0"/>
+              <a:t>Sender</a:t>
+            </a:r>
+            <a:endParaRPr lang="en-GB" sz="1600" dirty="0"/>
+          </a:p>
+        </p:txBody>
+      </p:sp>
+      <p:sp>
+        <p:nvSpPr>
+          <p:cNvPr id="10" name="Rounded Rectangle 9"/>
           <p:cNvSpPr/>
           <p:nvPr/>
         </p:nvSpPr>
         <p:spPr>
           <a:xfrm>
-            <a:off x="3239852" y="2781798"/>
-            <a:ext cx="1368152" cy="574323"/>
+            <a:off x="3275856" y="1558533"/>
+            <a:ext cx="1008112" cy="574323"/>
           </a:xfrm>
           <a:prstGeom prst="roundRect">
             <a:avLst/>
@@ -3835,25 +4116,25 @@
           <a:p>
             <a:pPr algn="ctr"/>
             <a:r>
-              <a:rPr lang="de-DE" dirty="0" smtClean="0"/>
-              <a:t>Sender</a:t>
-            </a:r>
-            <a:endParaRPr lang="en-GB" dirty="0"/>
-          </a:p>
-        </p:txBody>
-      </p:sp>
-      <p:sp>
-        <p:nvSpPr>
-          <p:cNvPr id="6" name="Right Arrow 5"/>
+              <a:rPr lang="de-DE" sz="1600" dirty="0" smtClean="0"/>
+              <a:t>Receiver</a:t>
+            </a:r>
+            <a:endParaRPr lang="en-GB" sz="1600" dirty="0"/>
+          </a:p>
+        </p:txBody>
+      </p:sp>
+      <p:sp>
+        <p:nvSpPr>
+          <p:cNvPr id="11" name="Rounded Rectangle 10"/>
           <p:cNvSpPr/>
           <p:nvPr/>
         </p:nvSpPr>
         <p:spPr>
           <a:xfrm>
-            <a:off x="4752020" y="2933328"/>
-            <a:ext cx="648072" cy="288032"/>
-          </a:xfrm>
-          <a:prstGeom prst="rightArrow">
+            <a:off x="4427984" y="1558533"/>
+            <a:ext cx="1008112" cy="574323"/>
+          </a:xfrm>
+          <a:prstGeom prst="roundRect">
             <a:avLst/>
           </a:prstGeom>
         </p:spPr>
@@ -3878,255 +4159,29 @@
           <a:lstStyle/>
           <a:p>
             <a:pPr algn="ctr"/>
-            <a:endParaRPr lang="en-GB"/>
-          </a:p>
-        </p:txBody>
-      </p:sp>
-      <p:sp>
-        <p:nvSpPr>
-          <p:cNvPr id="7" name="TextBox 6"/>
-          <p:cNvSpPr txBox="1"/>
+            <a:r>
+              <a:rPr lang="de-DE" sz="1600" dirty="0" smtClean="0"/>
+              <a:t>File System</a:t>
+            </a:r>
+            <a:endParaRPr lang="en-GB" sz="1600" dirty="0"/>
+          </a:p>
+        </p:txBody>
+      </p:sp>
+      <p:cxnSp>
+        <p:nvCxnSpPr>
+          <p:cNvPr id="12" name="Straight Connector 11"/>
+          <p:cNvCxnSpPr/>
           <p:nvPr/>
-        </p:nvSpPr>
-        <p:spPr>
-          <a:xfrm>
-            <a:off x="4608004" y="2204864"/>
-            <a:ext cx="1152128" cy="646331"/>
-          </a:xfrm>
-          <a:prstGeom prst="rect">
+        </p:nvCxnSpPr>
+        <p:spPr>
+          <a:xfrm>
+            <a:off x="1475656" y="2204864"/>
+            <a:ext cx="0" cy="3024336"/>
+          </a:xfrm>
+          <a:prstGeom prst="line">
             <a:avLst/>
           </a:prstGeom>
-          <a:noFill/>
-        </p:spPr>
-        <p:txBody>
-          <a:bodyPr wrap="square" rtlCol="0">
-            <a:spAutoFit/>
-          </a:bodyPr>
-          <a:lstStyle/>
-          <a:p>
-            <a:r>
-              <a:rPr lang="de-DE" dirty="0" smtClean="0"/>
-              <a:t>Send </a:t>
-            </a:r>
-            <a:r>
-              <a:rPr lang="de-DE" dirty="0" err="1" smtClean="0"/>
-              <a:t>the</a:t>
-            </a:r>
-            <a:r>
-              <a:rPr lang="de-DE" dirty="0" smtClean="0"/>
-              <a:t> </a:t>
-            </a:r>
-            <a:r>
-              <a:rPr lang="de-DE" dirty="0" err="1" smtClean="0"/>
-              <a:t>message</a:t>
-            </a:r>
-            <a:endParaRPr lang="en-GB" dirty="0"/>
-          </a:p>
-        </p:txBody>
-      </p:sp>
-      <p:sp>
-        <p:nvSpPr>
-          <p:cNvPr id="8" name="Rounded Rectangle 7"/>
-          <p:cNvSpPr/>
-          <p:nvPr/>
-        </p:nvSpPr>
-        <p:spPr>
-          <a:xfrm>
-            <a:off x="5544108" y="2790182"/>
-            <a:ext cx="1368152" cy="574323"/>
-          </a:xfrm>
-          <a:prstGeom prst="roundRect">
-            <a:avLst/>
-          </a:prstGeom>
-        </p:spPr>
-        <p:style>
-          <a:lnRef idx="2">
-            <a:schemeClr val="accent1">
-              <a:shade val="50000"/>
-            </a:schemeClr>
-          </a:lnRef>
-          <a:fillRef idx="1">
-            <a:schemeClr val="accent1"/>
-          </a:fillRef>
-          <a:effectRef idx="0">
-            <a:schemeClr val="accent1"/>
-          </a:effectRef>
-          <a:fontRef idx="minor">
-            <a:schemeClr val="lt1"/>
-          </a:fontRef>
-        </p:style>
-        <p:txBody>
-          <a:bodyPr rtlCol="0" anchor="ctr"/>
-          <a:lstStyle/>
-          <a:p>
-            <a:pPr algn="ctr"/>
-            <a:r>
-              <a:rPr lang="de-DE" dirty="0" smtClean="0"/>
-              <a:t>Receiver</a:t>
-            </a:r>
-            <a:endParaRPr lang="en-GB" dirty="0"/>
-          </a:p>
-        </p:txBody>
-      </p:sp>
-      <p:sp>
-        <p:nvSpPr>
-          <p:cNvPr id="9" name="TextBox 8"/>
-          <p:cNvSpPr txBox="1"/>
-          <p:nvPr/>
-        </p:nvSpPr>
-        <p:spPr>
-          <a:xfrm>
-            <a:off x="5523479" y="3501008"/>
-            <a:ext cx="1620180" cy="646331"/>
-          </a:xfrm>
-          <a:prstGeom prst="rect">
-            <a:avLst/>
-          </a:prstGeom>
-          <a:noFill/>
-        </p:spPr>
-        <p:txBody>
-          <a:bodyPr wrap="square" rtlCol="0">
-            <a:spAutoFit/>
-          </a:bodyPr>
-          <a:lstStyle/>
-          <a:p>
-            <a:r>
-              <a:rPr lang="de-DE" dirty="0" err="1" smtClean="0"/>
-              <a:t>Receive</a:t>
-            </a:r>
-            <a:r>
-              <a:rPr lang="de-DE" dirty="0" smtClean="0"/>
-              <a:t> </a:t>
-            </a:r>
-            <a:r>
-              <a:rPr lang="de-DE" dirty="0" err="1" smtClean="0"/>
-              <a:t>the</a:t>
-            </a:r>
-            <a:r>
-              <a:rPr lang="de-DE" dirty="0" smtClean="0"/>
-              <a:t> </a:t>
-            </a:r>
-            <a:r>
-              <a:rPr lang="de-DE" dirty="0" err="1" smtClean="0"/>
-              <a:t>message</a:t>
-            </a:r>
-            <a:endParaRPr lang="en-GB" dirty="0"/>
-          </a:p>
-        </p:txBody>
-      </p:sp>
-      <p:sp>
-        <p:nvSpPr>
-          <p:cNvPr id="10" name="Right Arrow 9"/>
-          <p:cNvSpPr/>
-          <p:nvPr/>
-        </p:nvSpPr>
-        <p:spPr>
-          <a:xfrm>
-            <a:off x="7056276" y="2924943"/>
-            <a:ext cx="648072" cy="288032"/>
-          </a:xfrm>
-          <a:prstGeom prst="rightArrow">
-            <a:avLst/>
-          </a:prstGeom>
-        </p:spPr>
-        <p:style>
-          <a:lnRef idx="2">
-            <a:schemeClr val="accent1">
-              <a:shade val="50000"/>
-            </a:schemeClr>
-          </a:lnRef>
-          <a:fillRef idx="1">
-            <a:schemeClr val="accent1"/>
-          </a:fillRef>
-          <a:effectRef idx="0">
-            <a:schemeClr val="accent1"/>
-          </a:effectRef>
-          <a:fontRef idx="minor">
-            <a:schemeClr val="lt1"/>
-          </a:fontRef>
-        </p:style>
-        <p:txBody>
-          <a:bodyPr rtlCol="0" anchor="ctr"/>
-          <a:lstStyle/>
-          <a:p>
-            <a:pPr algn="ctr"/>
-            <a:endParaRPr lang="en-GB"/>
-          </a:p>
-        </p:txBody>
-      </p:sp>
-      <p:sp>
-        <p:nvSpPr>
-          <p:cNvPr id="11" name="TextBox 10"/>
-          <p:cNvSpPr txBox="1"/>
-          <p:nvPr/>
-        </p:nvSpPr>
-        <p:spPr>
-          <a:xfrm>
-            <a:off x="7848364" y="2607294"/>
-            <a:ext cx="1295636" cy="923330"/>
-          </a:xfrm>
-          <a:prstGeom prst="rect">
-            <a:avLst/>
-          </a:prstGeom>
-          <a:noFill/>
-        </p:spPr>
-        <p:txBody>
-          <a:bodyPr wrap="square" rtlCol="0">
-            <a:spAutoFit/>
-          </a:bodyPr>
-          <a:lstStyle/>
-          <a:p>
-            <a:r>
-              <a:rPr lang="de-DE" dirty="0" smtClean="0"/>
-              <a:t>Do not </a:t>
-            </a:r>
-            <a:r>
-              <a:rPr lang="de-DE" dirty="0" err="1" smtClean="0"/>
-              <a:t>persist</a:t>
-            </a:r>
-            <a:r>
-              <a:rPr lang="de-DE" dirty="0" smtClean="0"/>
-              <a:t> in </a:t>
-            </a:r>
-            <a:r>
-              <a:rPr lang="de-DE" dirty="0" err="1" smtClean="0"/>
-              <a:t>file</a:t>
-            </a:r>
-            <a:r>
-              <a:rPr lang="de-DE" dirty="0" smtClean="0"/>
-              <a:t> </a:t>
-            </a:r>
-            <a:r>
-              <a:rPr lang="de-DE" dirty="0" err="1" smtClean="0"/>
-              <a:t>system</a:t>
-            </a:r>
-            <a:r>
-              <a:rPr lang="de-DE" dirty="0" smtClean="0"/>
-              <a:t>!</a:t>
-            </a:r>
-            <a:endParaRPr lang="en-GB" dirty="0"/>
-          </a:p>
-        </p:txBody>
-      </p:sp>
-      <p:cxnSp>
-        <p:nvCxnSpPr>
-          <p:cNvPr id="15" name="Elbow Connector 14"/>
-          <p:cNvCxnSpPr>
-            <a:endCxn id="8" idx="0"/>
-          </p:cNvCxnSpPr>
-          <p:nvPr/>
-        </p:nvCxnSpPr>
-        <p:spPr>
-          <a:xfrm>
-            <a:off x="1475656" y="1700808"/>
-            <a:ext cx="4752528" cy="1089374"/>
-          </a:xfrm>
-          <a:prstGeom prst="bentConnector2">
-            <a:avLst/>
-          </a:prstGeom>
-          <a:ln>
-            <a:tailEnd type="arrow"/>
-          </a:ln>
+          <a:ln w="15875"/>
         </p:spPr>
         <p:style>
           <a:lnRef idx="1">
@@ -4143,67 +4198,271 @@
           </a:fontRef>
         </p:style>
       </p:cxnSp>
-      <p:sp>
-        <p:nvSpPr>
-          <p:cNvPr id="16" name="Oval 15"/>
-          <p:cNvSpPr/>
-          <p:nvPr/>
-        </p:nvSpPr>
-        <p:spPr>
-          <a:xfrm>
-            <a:off x="0" y="1309119"/>
-            <a:ext cx="1763688" cy="783377"/>
-          </a:xfrm>
-          <a:prstGeom prst="ellipse">
-            <a:avLst/>
-          </a:prstGeom>
-        </p:spPr>
-        <p:style>
-          <a:lnRef idx="2">
-            <a:schemeClr val="accent1">
-              <a:shade val="50000"/>
-            </a:schemeClr>
-          </a:lnRef>
-          <a:fillRef idx="1">
-            <a:schemeClr val="accent1"/>
-          </a:fillRef>
-          <a:effectRef idx="0">
-            <a:schemeClr val="accent1"/>
-          </a:effectRef>
-          <a:fontRef idx="minor">
-            <a:schemeClr val="lt1"/>
-          </a:fontRef>
-        </p:style>
-        <p:txBody>
-          <a:bodyPr rtlCol="0" anchor="ctr"/>
-          <a:lstStyle/>
-          <a:p>
-            <a:pPr algn="ctr"/>
-            <a:r>
-              <a:rPr lang="de-DE" dirty="0" err="1" smtClean="0"/>
-              <a:t>Inject</a:t>
-            </a:r>
-            <a:r>
-              <a:rPr lang="de-DE" dirty="0" smtClean="0"/>
-              <a:t> </a:t>
-            </a:r>
-            <a:r>
-              <a:rPr lang="de-DE" dirty="0" err="1" smtClean="0"/>
-              <a:t>TestDouble</a:t>
-            </a:r>
-            <a:endParaRPr lang="en-GB" dirty="0"/>
-          </a:p>
-        </p:txBody>
-      </p:sp>
       <p:cxnSp>
         <p:nvCxnSpPr>
-          <p:cNvPr id="18" name="Straight Connector 17"/>
+          <p:cNvPr id="17" name="Straight Arrow Connector 16"/>
           <p:cNvCxnSpPr/>
           <p:nvPr/>
         </p:nvCxnSpPr>
         <p:spPr>
+          <a:xfrm>
+            <a:off x="1583667" y="3645024"/>
+            <a:ext cx="2144040" cy="0"/>
+          </a:xfrm>
+          <a:prstGeom prst="straightConnector1">
+            <a:avLst/>
+          </a:prstGeom>
+          <a:ln>
+            <a:tailEnd type="arrow"/>
+          </a:ln>
+        </p:spPr>
+        <p:style>
+          <a:lnRef idx="1">
+            <a:schemeClr val="accent1"/>
+          </a:lnRef>
+          <a:fillRef idx="0">
+            <a:schemeClr val="accent1"/>
+          </a:fillRef>
+          <a:effectRef idx="0">
+            <a:schemeClr val="accent1"/>
+          </a:effectRef>
+          <a:fontRef idx="minor">
+            <a:schemeClr val="tx1"/>
+          </a:fontRef>
+        </p:style>
+      </p:cxnSp>
+      <p:sp>
+        <p:nvSpPr>
+          <p:cNvPr id="18" name="TextBox 17"/>
+          <p:cNvSpPr txBox="1"/>
+          <p:nvPr/>
+        </p:nvSpPr>
+        <p:spPr>
+          <a:xfrm>
+            <a:off x="179512" y="3572436"/>
+            <a:ext cx="1152128" cy="215444"/>
+          </a:xfrm>
+          <a:prstGeom prst="rect">
+            <a:avLst/>
+          </a:prstGeom>
+          <a:noFill/>
+        </p:spPr>
+        <p:txBody>
+          <a:bodyPr wrap="square" rtlCol="0">
+            <a:spAutoFit/>
+          </a:bodyPr>
+          <a:lstStyle/>
+          <a:p>
+            <a:r>
+              <a:rPr lang="de-DE" sz="800" b="1" dirty="0" smtClean="0"/>
+              <a:t>2) Send </a:t>
+            </a:r>
+            <a:r>
+              <a:rPr lang="de-DE" sz="800" b="1" dirty="0" err="1" smtClean="0"/>
+              <a:t>the</a:t>
+            </a:r>
+            <a:r>
+              <a:rPr lang="de-DE" sz="800" b="1" dirty="0" smtClean="0"/>
+              <a:t> </a:t>
+            </a:r>
+            <a:r>
+              <a:rPr lang="de-DE" sz="800" b="1" dirty="0" err="1" smtClean="0"/>
+              <a:t>message</a:t>
+            </a:r>
+            <a:endParaRPr lang="en-GB" sz="800" b="1" dirty="0"/>
+          </a:p>
+        </p:txBody>
+      </p:sp>
+      <p:cxnSp>
+        <p:nvCxnSpPr>
+          <p:cNvPr id="19" name="Straight Arrow Connector 18"/>
+          <p:cNvCxnSpPr/>
+          <p:nvPr/>
+        </p:nvCxnSpPr>
+        <p:spPr>
+          <a:xfrm>
+            <a:off x="3880107" y="4077072"/>
+            <a:ext cx="1008112" cy="0"/>
+          </a:xfrm>
+          <a:prstGeom prst="straightConnector1">
+            <a:avLst/>
+          </a:prstGeom>
+          <a:ln>
+            <a:tailEnd type="arrow"/>
+          </a:ln>
+        </p:spPr>
+        <p:style>
+          <a:lnRef idx="1">
+            <a:schemeClr val="accent1"/>
+          </a:lnRef>
+          <a:fillRef idx="0">
+            <a:schemeClr val="accent1"/>
+          </a:fillRef>
+          <a:effectRef idx="0">
+            <a:schemeClr val="accent1"/>
+          </a:effectRef>
+          <a:fontRef idx="minor">
+            <a:schemeClr val="tx1"/>
+          </a:fontRef>
+        </p:style>
+      </p:cxnSp>
+      <p:sp>
+        <p:nvSpPr>
+          <p:cNvPr id="20" name="TextBox 19"/>
+          <p:cNvSpPr txBox="1"/>
+          <p:nvPr/>
+        </p:nvSpPr>
+        <p:spPr>
+          <a:xfrm>
+            <a:off x="215339" y="3969350"/>
+            <a:ext cx="1152128" cy="215444"/>
+          </a:xfrm>
+          <a:prstGeom prst="rect">
+            <a:avLst/>
+          </a:prstGeom>
+          <a:noFill/>
+        </p:spPr>
+        <p:txBody>
+          <a:bodyPr wrap="square" rtlCol="0">
+            <a:spAutoFit/>
+          </a:bodyPr>
+          <a:lstStyle/>
+          <a:p>
+            <a:r>
+              <a:rPr lang="de-DE" sz="800" b="1" dirty="0" smtClean="0"/>
+              <a:t>3) Write on </a:t>
+            </a:r>
+            <a:r>
+              <a:rPr lang="de-DE" sz="800" b="1" dirty="0" err="1" smtClean="0"/>
+              <a:t>console</a:t>
+            </a:r>
+            <a:endParaRPr lang="en-GB" sz="800" b="1" dirty="0"/>
+          </a:p>
+        </p:txBody>
+      </p:sp>
+      <p:cxnSp>
+        <p:nvCxnSpPr>
+          <p:cNvPr id="21" name="Straight Arrow Connector 20"/>
+          <p:cNvCxnSpPr/>
+          <p:nvPr/>
+        </p:nvCxnSpPr>
+        <p:spPr>
+          <a:xfrm>
+            <a:off x="1583668" y="4545414"/>
+            <a:ext cx="3304551" cy="0"/>
+          </a:xfrm>
+          <a:prstGeom prst="straightConnector1">
+            <a:avLst/>
+          </a:prstGeom>
+          <a:ln>
+            <a:tailEnd type="arrow"/>
+          </a:ln>
+        </p:spPr>
+        <p:style>
+          <a:lnRef idx="1">
+            <a:schemeClr val="accent1"/>
+          </a:lnRef>
+          <a:fillRef idx="0">
+            <a:schemeClr val="accent1"/>
+          </a:fillRef>
+          <a:effectRef idx="0">
+            <a:schemeClr val="accent1"/>
+          </a:effectRef>
+          <a:fontRef idx="minor">
+            <a:schemeClr val="tx1"/>
+          </a:fontRef>
+        </p:style>
+      </p:cxnSp>
+      <p:sp>
+        <p:nvSpPr>
+          <p:cNvPr id="22" name="TextBox 21"/>
+          <p:cNvSpPr txBox="1"/>
+          <p:nvPr/>
+        </p:nvSpPr>
+        <p:spPr>
+          <a:xfrm>
+            <a:off x="179512" y="4409947"/>
+            <a:ext cx="1152128" cy="215444"/>
+          </a:xfrm>
+          <a:prstGeom prst="rect">
+            <a:avLst/>
+          </a:prstGeom>
+          <a:noFill/>
+        </p:spPr>
+        <p:txBody>
+          <a:bodyPr wrap="square" rtlCol="0">
+            <a:spAutoFit/>
+          </a:bodyPr>
+          <a:lstStyle/>
+          <a:p>
+            <a:r>
+              <a:rPr lang="de-DE" sz="800" b="1" dirty="0" smtClean="0"/>
+              <a:t>4) Check on </a:t>
+            </a:r>
+            <a:r>
+              <a:rPr lang="de-DE" sz="800" b="1" dirty="0" err="1" smtClean="0"/>
+              <a:t>console</a:t>
+            </a:r>
+            <a:endParaRPr lang="en-GB" sz="800" b="1" dirty="0"/>
+          </a:p>
+        </p:txBody>
+      </p:sp>
+      <p:sp>
+        <p:nvSpPr>
+          <p:cNvPr id="24" name="TextBox 23"/>
+          <p:cNvSpPr txBox="1"/>
+          <p:nvPr/>
+        </p:nvSpPr>
+        <p:spPr>
+          <a:xfrm>
+            <a:off x="0" y="620688"/>
+            <a:ext cx="9144000" cy="584775"/>
+          </a:xfrm>
+          <a:prstGeom prst="rect">
+            <a:avLst/>
+          </a:prstGeom>
+          <a:noFill/>
+        </p:spPr>
+        <p:txBody>
+          <a:bodyPr wrap="square" rtlCol="0">
+            <a:spAutoFit/>
+          </a:bodyPr>
+          <a:lstStyle/>
+          <a:p>
+            <a:pPr algn="ctr"/>
+            <a:r>
+              <a:rPr lang="de-DE" sz="3200" b="1" dirty="0" smtClean="0"/>
+              <a:t>Receiver Integration </a:t>
+            </a:r>
+            <a:r>
+              <a:rPr lang="de-DE" sz="3200" b="1" dirty="0"/>
+              <a:t>T</a:t>
+            </a:r>
+            <a:r>
+              <a:rPr lang="de-DE" sz="3200" b="1" dirty="0" smtClean="0"/>
+              <a:t>est </a:t>
+            </a:r>
+            <a:r>
+              <a:rPr lang="de-DE" sz="3200" b="1" dirty="0"/>
+              <a:t>W</a:t>
+            </a:r>
+            <a:r>
+              <a:rPr lang="de-DE" sz="3200" b="1" dirty="0" smtClean="0"/>
+              <a:t>orkflow</a:t>
+            </a:r>
+            <a:endParaRPr lang="en-GB" sz="3200" b="1" dirty="0"/>
+          </a:p>
+        </p:txBody>
+      </p:sp>
+      <p:cxnSp>
+        <p:nvCxnSpPr>
+          <p:cNvPr id="23" name="Straight Connector 22"/>
+          <p:cNvCxnSpPr/>
+          <p:nvPr/>
+        </p:nvCxnSpPr>
+        <p:spPr>
           <a:xfrm flipH="1">
-            <a:off x="6984268" y="2492895"/>
+            <a:off x="4548088" y="1269630"/>
             <a:ext cx="792088" cy="1152128"/>
           </a:xfrm>
           <a:prstGeom prst="line">
@@ -4232,13 +4491,13 @@
       </p:cxnSp>
       <p:cxnSp>
         <p:nvCxnSpPr>
-          <p:cNvPr id="19" name="Straight Connector 18"/>
+          <p:cNvPr id="25" name="Straight Connector 24"/>
           <p:cNvCxnSpPr/>
           <p:nvPr/>
         </p:nvCxnSpPr>
         <p:spPr>
           <a:xfrm>
-            <a:off x="6984268" y="2492895"/>
+            <a:off x="4548088" y="1269630"/>
             <a:ext cx="792088" cy="1152128"/>
           </a:xfrm>
           <a:prstGeom prst="line">
@@ -4267,54 +4526,14 @@
       </p:cxnSp>
       <p:sp>
         <p:nvSpPr>
-          <p:cNvPr id="22" name="Down Arrow 21"/>
-          <p:cNvSpPr/>
-          <p:nvPr/>
-        </p:nvSpPr>
-        <p:spPr>
-          <a:xfrm rot="19955709">
-            <a:off x="6778558" y="3460756"/>
-            <a:ext cx="267403" cy="762472"/>
-          </a:xfrm>
-          <a:prstGeom prst="downArrow">
-            <a:avLst/>
-          </a:prstGeom>
-        </p:spPr>
-        <p:style>
-          <a:lnRef idx="2">
-            <a:schemeClr val="accent1">
-              <a:shade val="50000"/>
-            </a:schemeClr>
-          </a:lnRef>
-          <a:fillRef idx="1">
-            <a:schemeClr val="accent1"/>
-          </a:fillRef>
-          <a:effectRef idx="0">
-            <a:schemeClr val="accent1"/>
-          </a:effectRef>
-          <a:fontRef idx="minor">
-            <a:schemeClr val="lt1"/>
-          </a:fontRef>
-        </p:style>
-        <p:txBody>
-          <a:bodyPr rtlCol="0" anchor="ctr"/>
-          <a:lstStyle/>
-          <a:p>
-            <a:pPr algn="ctr"/>
-            <a:endParaRPr lang="en-GB"/>
-          </a:p>
-        </p:txBody>
-      </p:sp>
-      <p:sp>
-        <p:nvSpPr>
-          <p:cNvPr id="23" name="TextBox 22"/>
+          <p:cNvPr id="27" name="TextBox 26"/>
           <p:cNvSpPr txBox="1"/>
           <p:nvPr/>
         </p:nvSpPr>
         <p:spPr>
           <a:xfrm>
-            <a:off x="7177294" y="4241984"/>
-            <a:ext cx="1643177" cy="923330"/>
+            <a:off x="183680" y="2636912"/>
+            <a:ext cx="1152128" cy="215444"/>
           </a:xfrm>
           <a:prstGeom prst="rect">
             <a:avLst/>
@@ -4328,29 +4547,186 @@
           <a:lstStyle/>
           <a:p>
             <a:r>
-              <a:rPr lang="de-DE" dirty="0" smtClean="0"/>
-              <a:t>Write a </a:t>
-            </a:r>
-            <a:r>
-              <a:rPr lang="de-DE" dirty="0" err="1" smtClean="0"/>
-              <a:t>message</a:t>
-            </a:r>
-            <a:r>
-              <a:rPr lang="de-DE" dirty="0" smtClean="0"/>
-              <a:t> on </a:t>
-            </a:r>
-            <a:r>
-              <a:rPr lang="de-DE" dirty="0" err="1" smtClean="0"/>
-              <a:t>cosole</a:t>
-            </a:r>
-            <a:endParaRPr lang="en-GB" dirty="0"/>
-          </a:p>
-        </p:txBody>
-      </p:sp>
+              <a:rPr lang="de-DE" sz="800" b="1" dirty="0" smtClean="0"/>
+              <a:t>0) </a:t>
+            </a:r>
+            <a:r>
+              <a:rPr lang="de-DE" sz="800" b="1" dirty="0" err="1" smtClean="0"/>
+              <a:t>Inject</a:t>
+            </a:r>
+            <a:r>
+              <a:rPr lang="de-DE" sz="800" b="1" dirty="0" smtClean="0"/>
+              <a:t> </a:t>
+            </a:r>
+            <a:r>
+              <a:rPr lang="de-DE" sz="800" b="1" dirty="0" err="1" smtClean="0"/>
+              <a:t>testDouble</a:t>
+            </a:r>
+            <a:endParaRPr lang="en-GB" sz="800" b="1" dirty="0"/>
+          </a:p>
+        </p:txBody>
+      </p:sp>
+      <p:cxnSp>
+        <p:nvCxnSpPr>
+          <p:cNvPr id="28" name="Straight Arrow Connector 27"/>
+          <p:cNvCxnSpPr/>
+          <p:nvPr/>
+        </p:nvCxnSpPr>
+        <p:spPr>
+          <a:xfrm flipV="1">
+            <a:off x="1583668" y="2744634"/>
+            <a:ext cx="2144039" cy="4109"/>
+          </a:xfrm>
+          <a:prstGeom prst="straightConnector1">
+            <a:avLst/>
+          </a:prstGeom>
+          <a:ln>
+            <a:tailEnd type="arrow"/>
+          </a:ln>
+        </p:spPr>
+        <p:style>
+          <a:lnRef idx="1">
+            <a:schemeClr val="accent1"/>
+          </a:lnRef>
+          <a:fillRef idx="0">
+            <a:schemeClr val="accent1"/>
+          </a:fillRef>
+          <a:effectRef idx="0">
+            <a:schemeClr val="accent1"/>
+          </a:effectRef>
+          <a:fontRef idx="minor">
+            <a:schemeClr val="tx1"/>
+          </a:fontRef>
+        </p:style>
+      </p:cxnSp>
+      <p:pic>
+        <p:nvPicPr>
+          <p:cNvPr id="2050" name="Picture 2"/>
+          <p:cNvPicPr>
+            <a:picLocks noChangeAspect="1" noChangeArrowheads="1"/>
+          </p:cNvPicPr>
+          <p:nvPr/>
+        </p:nvPicPr>
+        <p:blipFill>
+          <a:blip r:embed="rId2">
+            <a:extLst>
+              <a:ext uri="{28A0092B-C50C-407E-A947-70E740481C1C}">
+                <a14:useLocalDpi xmlns:a14="http://schemas.microsoft.com/office/drawing/2010/main" val="0"/>
+              </a:ext>
+            </a:extLst>
+          </a:blip>
+          <a:srcRect/>
+          <a:stretch>
+            <a:fillRect/>
+          </a:stretch>
+        </p:blipFill>
+        <p:spPr bwMode="auto">
+          <a:xfrm>
+            <a:off x="1166713" y="1489012"/>
+            <a:ext cx="833909" cy="657908"/>
+          </a:xfrm>
+          <a:prstGeom prst="rect">
+            <a:avLst/>
+          </a:prstGeom>
+          <a:noFill/>
+          <a:ln>
+            <a:noFill/>
+          </a:ln>
+          <a:extLst>
+            <a:ext uri="{909E8E84-426E-40DD-AFC4-6F175D3DCCD1}">
+              <a14:hiddenFill xmlns:a14="http://schemas.microsoft.com/office/drawing/2010/main">
+                <a:solidFill>
+                  <a:schemeClr val="accent1"/>
+                </a:solidFill>
+              </a14:hiddenFill>
+            </a:ext>
+            <a:ext uri="{91240B29-F687-4F45-9708-019B960494DF}">
+              <a14:hiddenLine xmlns:a14="http://schemas.microsoft.com/office/drawing/2010/main" w="9525">
+                <a:solidFill>
+                  <a:schemeClr val="tx1"/>
+                </a:solidFill>
+                <a:miter lim="800000"/>
+                <a:headEnd/>
+                <a:tailEnd/>
+              </a14:hiddenLine>
+            </a:ext>
+          </a:extLst>
+        </p:spPr>
+      </p:pic>
+      <p:cxnSp>
+        <p:nvCxnSpPr>
+          <p:cNvPr id="29" name="Straight Connector 28"/>
+          <p:cNvCxnSpPr/>
+          <p:nvPr/>
+        </p:nvCxnSpPr>
+        <p:spPr>
+          <a:xfrm flipH="1">
+            <a:off x="2259643" y="1256554"/>
+            <a:ext cx="792088" cy="1152128"/>
+          </a:xfrm>
+          <a:prstGeom prst="line">
+            <a:avLst/>
+          </a:prstGeom>
+          <a:ln w="101600">
+            <a:solidFill>
+              <a:srgbClr val="FF0000"/>
+            </a:solidFill>
+          </a:ln>
+        </p:spPr>
+        <p:style>
+          <a:lnRef idx="1">
+            <a:schemeClr val="accent1"/>
+          </a:lnRef>
+          <a:fillRef idx="0">
+            <a:schemeClr val="accent1"/>
+          </a:fillRef>
+          <a:effectRef idx="0">
+            <a:schemeClr val="accent1"/>
+          </a:effectRef>
+          <a:fontRef idx="minor">
+            <a:schemeClr val="tx1"/>
+          </a:fontRef>
+        </p:style>
+      </p:cxnSp>
+      <p:cxnSp>
+        <p:nvCxnSpPr>
+          <p:cNvPr id="30" name="Straight Connector 29"/>
+          <p:cNvCxnSpPr/>
+          <p:nvPr/>
+        </p:nvCxnSpPr>
+        <p:spPr>
+          <a:xfrm>
+            <a:off x="2259643" y="1256554"/>
+            <a:ext cx="792088" cy="1152128"/>
+          </a:xfrm>
+          <a:prstGeom prst="line">
+            <a:avLst/>
+          </a:prstGeom>
+          <a:ln w="101600">
+            <a:solidFill>
+              <a:srgbClr val="FF0000"/>
+            </a:solidFill>
+          </a:ln>
+        </p:spPr>
+        <p:style>
+          <a:lnRef idx="1">
+            <a:schemeClr val="accent1"/>
+          </a:lnRef>
+          <a:fillRef idx="0">
+            <a:schemeClr val="accent1"/>
+          </a:fillRef>
+          <a:effectRef idx="0">
+            <a:schemeClr val="accent1"/>
+          </a:effectRef>
+          <a:fontRef idx="minor">
+            <a:schemeClr val="tx1"/>
+          </a:fontRef>
+        </p:style>
+      </p:cxnSp>
     </p:spTree>
     <p:extLst>
       <p:ext uri="{BB962C8B-B14F-4D97-AF65-F5344CB8AC3E}">
-        <p14:creationId xmlns:p14="http://schemas.microsoft.com/office/powerpoint/2010/main" val="2058221863"/>
+        <p14:creationId xmlns:p14="http://schemas.microsoft.com/office/powerpoint/2010/main" val="1964220648"/>
       </p:ext>
     </p:extLst>
   </p:cSld>

--- a/Doc/AppInfo.pptx
+++ b/Doc/AppInfo.pptx
@@ -6,8 +6,10 @@
   </p:sldMasterIdLst>
   <p:sldIdLst>
     <p:sldId id="256" r:id="rId2"/>
-    <p:sldId id="259" r:id="rId3"/>
-    <p:sldId id="260" r:id="rId4"/>
+    <p:sldId id="261" r:id="rId3"/>
+    <p:sldId id="259" r:id="rId4"/>
+    <p:sldId id="260" r:id="rId5"/>
+    <p:sldId id="262" r:id="rId6"/>
   </p:sldIdLst>
   <p:sldSz cx="9144000" cy="6858000" type="screen4x3"/>
   <p:notesSz cx="6858000" cy="9144000"/>
@@ -3221,21 +3223,397 @@
           <a:chExt cx="0" cy="0"/>
         </a:xfrm>
       </p:grpSpPr>
+      <p:sp>
+        <p:nvSpPr>
+          <p:cNvPr id="4" name="TextBox 3"/>
+          <p:cNvSpPr txBox="1"/>
+          <p:nvPr/>
+        </p:nvSpPr>
+        <p:spPr>
+          <a:xfrm>
+            <a:off x="1763688" y="1628800"/>
+            <a:ext cx="5832648" cy="584775"/>
+          </a:xfrm>
+          <a:prstGeom prst="rect">
+            <a:avLst/>
+          </a:prstGeom>
+          <a:noFill/>
+        </p:spPr>
+        <p:txBody>
+          <a:bodyPr wrap="square" rtlCol="0">
+            <a:spAutoFit/>
+          </a:bodyPr>
+          <a:lstStyle/>
+          <a:p>
+            <a:pPr algn="ctr"/>
+            <a:r>
+              <a:rPr lang="de-DE" sz="3200" b="1" dirty="0" err="1" smtClean="0"/>
+              <a:t>Application</a:t>
+            </a:r>
+            <a:r>
+              <a:rPr lang="de-DE" sz="3200" b="1" dirty="0" smtClean="0"/>
+              <a:t> Design</a:t>
+            </a:r>
+            <a:endParaRPr lang="en-GB" sz="3200" b="1" dirty="0"/>
+          </a:p>
+        </p:txBody>
+      </p:sp>
+      <p:sp>
+        <p:nvSpPr>
+          <p:cNvPr id="2" name="Rectangle 1"/>
+          <p:cNvSpPr/>
+          <p:nvPr/>
+        </p:nvSpPr>
+        <p:spPr>
+          <a:xfrm>
+            <a:off x="3059832" y="4464732"/>
+            <a:ext cx="1728192" cy="360040"/>
+          </a:xfrm>
+          <a:prstGeom prst="rect">
+            <a:avLst/>
+          </a:prstGeom>
+        </p:spPr>
+        <p:style>
+          <a:lnRef idx="2">
+            <a:schemeClr val="accent1">
+              <a:shade val="50000"/>
+            </a:schemeClr>
+          </a:lnRef>
+          <a:fillRef idx="1">
+            <a:schemeClr val="accent1"/>
+          </a:fillRef>
+          <a:effectRef idx="0">
+            <a:schemeClr val="accent1"/>
+          </a:effectRef>
+          <a:fontRef idx="minor">
+            <a:schemeClr val="lt1"/>
+          </a:fontRef>
+        </p:style>
+        <p:txBody>
+          <a:bodyPr rtlCol="0" anchor="ctr"/>
+          <a:lstStyle/>
+          <a:p>
+            <a:pPr algn="ctr"/>
+            <a:r>
+              <a:rPr lang="de-DE" dirty="0" smtClean="0"/>
+              <a:t>Receiver</a:t>
+            </a:r>
+            <a:endParaRPr lang="en-GB" dirty="0"/>
+          </a:p>
+        </p:txBody>
+      </p:sp>
+      <p:sp>
+        <p:nvSpPr>
+          <p:cNvPr id="5" name="Rectangle 4"/>
+          <p:cNvSpPr/>
+          <p:nvPr/>
+        </p:nvSpPr>
+        <p:spPr>
+          <a:xfrm>
+            <a:off x="323528" y="4464732"/>
+            <a:ext cx="1728192" cy="360040"/>
+          </a:xfrm>
+          <a:prstGeom prst="rect">
+            <a:avLst/>
+          </a:prstGeom>
+        </p:spPr>
+        <p:style>
+          <a:lnRef idx="2">
+            <a:schemeClr val="accent1">
+              <a:shade val="50000"/>
+            </a:schemeClr>
+          </a:lnRef>
+          <a:fillRef idx="1">
+            <a:schemeClr val="accent1"/>
+          </a:fillRef>
+          <a:effectRef idx="0">
+            <a:schemeClr val="accent1"/>
+          </a:effectRef>
+          <a:fontRef idx="minor">
+            <a:schemeClr val="lt1"/>
+          </a:fontRef>
+        </p:style>
+        <p:txBody>
+          <a:bodyPr rtlCol="0" anchor="ctr"/>
+          <a:lstStyle/>
+          <a:p>
+            <a:pPr algn="ctr"/>
+            <a:r>
+              <a:rPr lang="de-DE" dirty="0" smtClean="0"/>
+              <a:t>Sender</a:t>
+            </a:r>
+            <a:endParaRPr lang="en-GB" dirty="0"/>
+          </a:p>
+        </p:txBody>
+      </p:sp>
+      <p:sp>
+        <p:nvSpPr>
+          <p:cNvPr id="3" name="Rectangle 2"/>
+          <p:cNvSpPr/>
+          <p:nvPr/>
+        </p:nvSpPr>
+        <p:spPr>
+          <a:xfrm>
+            <a:off x="3051944" y="2636912"/>
+            <a:ext cx="1728192" cy="360040"/>
+          </a:xfrm>
+          <a:prstGeom prst="rect">
+            <a:avLst/>
+          </a:prstGeom>
+        </p:spPr>
+        <p:style>
+          <a:lnRef idx="2">
+            <a:schemeClr val="accent1">
+              <a:shade val="50000"/>
+            </a:schemeClr>
+          </a:lnRef>
+          <a:fillRef idx="1">
+            <a:schemeClr val="accent1"/>
+          </a:fillRef>
+          <a:effectRef idx="0">
+            <a:schemeClr val="accent1"/>
+          </a:effectRef>
+          <a:fontRef idx="minor">
+            <a:schemeClr val="lt1"/>
+          </a:fontRef>
+        </p:style>
+        <p:txBody>
+          <a:bodyPr rtlCol="0" anchor="ctr"/>
+          <a:lstStyle/>
+          <a:p>
+            <a:pPr algn="ctr"/>
+            <a:r>
+              <a:rPr lang="de-DE" dirty="0" err="1" smtClean="0"/>
+              <a:t>IFileWriter</a:t>
+            </a:r>
+            <a:endParaRPr lang="en-GB" dirty="0"/>
+          </a:p>
+        </p:txBody>
+      </p:sp>
       <p:cxnSp>
         <p:nvCxnSpPr>
-          <p:cNvPr id="5" name="Straight Connector 4"/>
-          <p:cNvCxnSpPr/>
+          <p:cNvPr id="7" name="Straight Arrow Connector 6"/>
+          <p:cNvCxnSpPr>
+            <a:stCxn id="3" idx="2"/>
+            <a:endCxn id="10" idx="0"/>
+          </p:cNvCxnSpPr>
           <p:nvPr/>
         </p:nvCxnSpPr>
         <p:spPr>
           <a:xfrm>
-            <a:off x="2627784" y="2204864"/>
-            <a:ext cx="0" cy="3024336"/>
-          </a:xfrm>
-          <a:prstGeom prst="line">
-            <a:avLst/>
-          </a:prstGeom>
-          <a:ln w="15875"/>
+            <a:off x="3916040" y="2996952"/>
+            <a:ext cx="0" cy="792088"/>
+          </a:xfrm>
+          <a:prstGeom prst="straightConnector1">
+            <a:avLst/>
+          </a:prstGeom>
+          <a:ln>
+            <a:tailEnd type="arrow"/>
+          </a:ln>
+        </p:spPr>
+        <p:style>
+          <a:lnRef idx="1">
+            <a:schemeClr val="accent1"/>
+          </a:lnRef>
+          <a:fillRef idx="0">
+            <a:schemeClr val="accent1"/>
+          </a:fillRef>
+          <a:effectRef idx="0">
+            <a:schemeClr val="accent1"/>
+          </a:effectRef>
+          <a:fontRef idx="minor">
+            <a:schemeClr val="tx1"/>
+          </a:fontRef>
+        </p:style>
+      </p:cxnSp>
+      <p:sp>
+        <p:nvSpPr>
+          <p:cNvPr id="10" name="Rectangle 9"/>
+          <p:cNvSpPr/>
+          <p:nvPr/>
+        </p:nvSpPr>
+        <p:spPr>
+          <a:xfrm>
+            <a:off x="3051944" y="3789040"/>
+            <a:ext cx="1728192" cy="360040"/>
+          </a:xfrm>
+          <a:prstGeom prst="rect">
+            <a:avLst/>
+          </a:prstGeom>
+        </p:spPr>
+        <p:style>
+          <a:lnRef idx="2">
+            <a:schemeClr val="accent1">
+              <a:shade val="50000"/>
+            </a:schemeClr>
+          </a:lnRef>
+          <a:fillRef idx="1">
+            <a:schemeClr val="accent1"/>
+          </a:fillRef>
+          <a:effectRef idx="0">
+            <a:schemeClr val="accent1"/>
+          </a:effectRef>
+          <a:fontRef idx="minor">
+            <a:schemeClr val="lt1"/>
+          </a:fontRef>
+        </p:style>
+        <p:txBody>
+          <a:bodyPr rtlCol="0" anchor="ctr"/>
+          <a:lstStyle/>
+          <a:p>
+            <a:pPr algn="ctr"/>
+            <a:r>
+              <a:rPr lang="de-DE" dirty="0" err="1" smtClean="0"/>
+              <a:t>FileWriter</a:t>
+            </a:r>
+            <a:endParaRPr lang="en-GB" dirty="0"/>
+          </a:p>
+        </p:txBody>
+      </p:sp>
+      <p:cxnSp>
+        <p:nvCxnSpPr>
+          <p:cNvPr id="12" name="Straight Arrow Connector 11"/>
+          <p:cNvCxnSpPr>
+            <a:stCxn id="10" idx="2"/>
+            <a:endCxn id="2" idx="0"/>
+          </p:cNvCxnSpPr>
+          <p:nvPr/>
+        </p:nvCxnSpPr>
+        <p:spPr>
+          <a:xfrm>
+            <a:off x="3916040" y="4149080"/>
+            <a:ext cx="7888" cy="315652"/>
+          </a:xfrm>
+          <a:prstGeom prst="straightConnector1">
+            <a:avLst/>
+          </a:prstGeom>
+          <a:ln>
+            <a:tailEnd type="arrow"/>
+          </a:ln>
+        </p:spPr>
+        <p:style>
+          <a:lnRef idx="1">
+            <a:schemeClr val="accent1"/>
+          </a:lnRef>
+          <a:fillRef idx="0">
+            <a:schemeClr val="accent1"/>
+          </a:fillRef>
+          <a:effectRef idx="0">
+            <a:schemeClr val="accent1"/>
+          </a:effectRef>
+          <a:fontRef idx="minor">
+            <a:schemeClr val="tx1"/>
+          </a:fontRef>
+        </p:style>
+      </p:cxnSp>
+      <p:sp>
+        <p:nvSpPr>
+          <p:cNvPr id="15" name="Rectangle 14"/>
+          <p:cNvSpPr/>
+          <p:nvPr/>
+        </p:nvSpPr>
+        <p:spPr>
+          <a:xfrm>
+            <a:off x="5004048" y="3789040"/>
+            <a:ext cx="1728192" cy="360040"/>
+          </a:xfrm>
+          <a:prstGeom prst="rect">
+            <a:avLst/>
+          </a:prstGeom>
+        </p:spPr>
+        <p:style>
+          <a:lnRef idx="2">
+            <a:schemeClr val="accent1">
+              <a:shade val="50000"/>
+            </a:schemeClr>
+          </a:lnRef>
+          <a:fillRef idx="1">
+            <a:schemeClr val="accent1"/>
+          </a:fillRef>
+          <a:effectRef idx="0">
+            <a:schemeClr val="accent1"/>
+          </a:effectRef>
+          <a:fontRef idx="minor">
+            <a:schemeClr val="lt1"/>
+          </a:fontRef>
+        </p:style>
+        <p:txBody>
+          <a:bodyPr rtlCol="0" anchor="ctr"/>
+          <a:lstStyle/>
+          <a:p>
+            <a:pPr algn="ctr"/>
+            <a:r>
+              <a:rPr lang="de-DE" sz="1200" dirty="0" err="1" smtClean="0"/>
+              <a:t>FileManagerSimpleStub</a:t>
+            </a:r>
+            <a:endParaRPr lang="en-GB" sz="1200" dirty="0"/>
+          </a:p>
+        </p:txBody>
+      </p:sp>
+      <p:sp>
+        <p:nvSpPr>
+          <p:cNvPr id="16" name="Rectangle 15"/>
+          <p:cNvSpPr/>
+          <p:nvPr/>
+        </p:nvSpPr>
+        <p:spPr>
+          <a:xfrm>
+            <a:off x="7020272" y="3789040"/>
+            <a:ext cx="1728192" cy="360040"/>
+          </a:xfrm>
+          <a:prstGeom prst="rect">
+            <a:avLst/>
+          </a:prstGeom>
+        </p:spPr>
+        <p:style>
+          <a:lnRef idx="2">
+            <a:schemeClr val="accent1">
+              <a:shade val="50000"/>
+            </a:schemeClr>
+          </a:lnRef>
+          <a:fillRef idx="1">
+            <a:schemeClr val="accent1"/>
+          </a:fillRef>
+          <a:effectRef idx="0">
+            <a:schemeClr val="accent1"/>
+          </a:effectRef>
+          <a:fontRef idx="minor">
+            <a:schemeClr val="lt1"/>
+          </a:fontRef>
+        </p:style>
+        <p:txBody>
+          <a:bodyPr rtlCol="0" anchor="ctr"/>
+          <a:lstStyle/>
+          <a:p>
+            <a:pPr algn="ctr"/>
+            <a:r>
+              <a:rPr lang="de-DE" sz="1200" dirty="0" err="1" smtClean="0"/>
+              <a:t>FileManagerFunnyStub</a:t>
+            </a:r>
+            <a:endParaRPr lang="en-GB" sz="1200" dirty="0"/>
+          </a:p>
+        </p:txBody>
+      </p:sp>
+      <p:cxnSp>
+        <p:nvCxnSpPr>
+          <p:cNvPr id="18" name="Elbow Connector 17"/>
+          <p:cNvCxnSpPr>
+            <a:stCxn id="3" idx="3"/>
+            <a:endCxn id="15" idx="0"/>
+          </p:cNvCxnSpPr>
+          <p:nvPr/>
+        </p:nvCxnSpPr>
+        <p:spPr>
+          <a:xfrm>
+            <a:off x="4780136" y="2816932"/>
+            <a:ext cx="1088008" cy="972108"/>
+          </a:xfrm>
+          <a:prstGeom prst="bentConnector2">
+            <a:avLst/>
+          </a:prstGeom>
+          <a:ln>
+            <a:tailEnd type="arrow"/>
+          </a:ln>
         </p:spPr>
         <p:style>
           <a:lnRef idx="1">
@@ -3254,19 +3632,24 @@
       </p:cxnSp>
       <p:cxnSp>
         <p:nvCxnSpPr>
-          <p:cNvPr id="6" name="Straight Connector 5"/>
-          <p:cNvCxnSpPr/>
+          <p:cNvPr id="20" name="Elbow Connector 19"/>
+          <p:cNvCxnSpPr>
+            <a:stCxn id="3" idx="3"/>
+            <a:endCxn id="16" idx="0"/>
+          </p:cNvCxnSpPr>
           <p:nvPr/>
         </p:nvCxnSpPr>
         <p:spPr>
           <a:xfrm>
-            <a:off x="3779912" y="2204864"/>
-            <a:ext cx="0" cy="3024336"/>
-          </a:xfrm>
-          <a:prstGeom prst="line">
-            <a:avLst/>
-          </a:prstGeom>
-          <a:ln w="15875"/>
+            <a:off x="4780136" y="2816932"/>
+            <a:ext cx="3104232" cy="972108"/>
+          </a:xfrm>
+          <a:prstGeom prst="bentConnector2">
+            <a:avLst/>
+          </a:prstGeom>
+          <a:ln>
+            <a:tailEnd type="arrow"/>
+          </a:ln>
         </p:spPr>
         <p:style>
           <a:lnRef idx="1">
@@ -3285,182 +3668,25 @@
       </p:cxnSp>
       <p:cxnSp>
         <p:nvCxnSpPr>
-          <p:cNvPr id="7" name="Straight Connector 6"/>
-          <p:cNvCxnSpPr/>
+          <p:cNvPr id="22" name="Elbow Connector 21"/>
+          <p:cNvCxnSpPr>
+            <a:stCxn id="15" idx="2"/>
+            <a:endCxn id="2" idx="3"/>
+          </p:cNvCxnSpPr>
           <p:nvPr/>
         </p:nvCxnSpPr>
         <p:spPr>
-          <a:xfrm>
-            <a:off x="4932040" y="2204864"/>
-            <a:ext cx="0" cy="3024336"/>
-          </a:xfrm>
-          <a:prstGeom prst="line">
-            <a:avLst/>
-          </a:prstGeom>
-          <a:ln w="15875"/>
-        </p:spPr>
-        <p:style>
-          <a:lnRef idx="1">
-            <a:schemeClr val="accent1"/>
-          </a:lnRef>
-          <a:fillRef idx="0">
-            <a:schemeClr val="accent1"/>
-          </a:fillRef>
-          <a:effectRef idx="0">
-            <a:schemeClr val="accent1"/>
-          </a:effectRef>
-          <a:fontRef idx="minor">
-            <a:schemeClr val="tx1"/>
-          </a:fontRef>
-        </p:style>
-      </p:cxnSp>
-      <p:sp>
-        <p:nvSpPr>
-          <p:cNvPr id="8" name="Rounded Rectangle 7"/>
-          <p:cNvSpPr/>
-          <p:nvPr/>
-        </p:nvSpPr>
-        <p:spPr>
-          <a:xfrm>
-            <a:off x="2123728" y="1556792"/>
-            <a:ext cx="1008112" cy="574323"/>
-          </a:xfrm>
-          <a:prstGeom prst="roundRect">
-            <a:avLst/>
-          </a:prstGeom>
-        </p:spPr>
-        <p:style>
-          <a:lnRef idx="2">
-            <a:schemeClr val="accent1">
-              <a:shade val="50000"/>
-            </a:schemeClr>
-          </a:lnRef>
-          <a:fillRef idx="1">
-            <a:schemeClr val="accent1"/>
-          </a:fillRef>
-          <a:effectRef idx="0">
-            <a:schemeClr val="accent1"/>
-          </a:effectRef>
-          <a:fontRef idx="minor">
-            <a:schemeClr val="lt1"/>
-          </a:fontRef>
-        </p:style>
-        <p:txBody>
-          <a:bodyPr rtlCol="0" anchor="ctr"/>
-          <a:lstStyle/>
-          <a:p>
-            <a:pPr algn="ctr"/>
-            <a:r>
-              <a:rPr lang="de-DE" sz="1600" dirty="0" smtClean="0"/>
-              <a:t>Sender</a:t>
-            </a:r>
-            <a:endParaRPr lang="en-GB" sz="1600" dirty="0"/>
-          </a:p>
-        </p:txBody>
-      </p:sp>
-      <p:sp>
-        <p:nvSpPr>
-          <p:cNvPr id="10" name="Rounded Rectangle 9"/>
-          <p:cNvSpPr/>
-          <p:nvPr/>
-        </p:nvSpPr>
-        <p:spPr>
-          <a:xfrm>
-            <a:off x="3275856" y="1558533"/>
-            <a:ext cx="1008112" cy="574323"/>
-          </a:xfrm>
-          <a:prstGeom prst="roundRect">
-            <a:avLst/>
-          </a:prstGeom>
-        </p:spPr>
-        <p:style>
-          <a:lnRef idx="2">
-            <a:schemeClr val="accent1">
-              <a:shade val="50000"/>
-            </a:schemeClr>
-          </a:lnRef>
-          <a:fillRef idx="1">
-            <a:schemeClr val="accent1"/>
-          </a:fillRef>
-          <a:effectRef idx="0">
-            <a:schemeClr val="accent1"/>
-          </a:effectRef>
-          <a:fontRef idx="minor">
-            <a:schemeClr val="lt1"/>
-          </a:fontRef>
-        </p:style>
-        <p:txBody>
-          <a:bodyPr rtlCol="0" anchor="ctr"/>
-          <a:lstStyle/>
-          <a:p>
-            <a:pPr algn="ctr"/>
-            <a:r>
-              <a:rPr lang="de-DE" sz="1600" dirty="0" smtClean="0"/>
-              <a:t>Receiver</a:t>
-            </a:r>
-            <a:endParaRPr lang="en-GB" sz="1600" dirty="0"/>
-          </a:p>
-        </p:txBody>
-      </p:sp>
-      <p:sp>
-        <p:nvSpPr>
-          <p:cNvPr id="11" name="Rounded Rectangle 10"/>
-          <p:cNvSpPr/>
-          <p:nvPr/>
-        </p:nvSpPr>
-        <p:spPr>
-          <a:xfrm>
-            <a:off x="4427984" y="1558533"/>
-            <a:ext cx="1008112" cy="574323"/>
-          </a:xfrm>
-          <a:prstGeom prst="roundRect">
-            <a:avLst/>
-          </a:prstGeom>
-        </p:spPr>
-        <p:style>
-          <a:lnRef idx="2">
-            <a:schemeClr val="accent1">
-              <a:shade val="50000"/>
-            </a:schemeClr>
-          </a:lnRef>
-          <a:fillRef idx="1">
-            <a:schemeClr val="accent1"/>
-          </a:fillRef>
-          <a:effectRef idx="0">
-            <a:schemeClr val="accent1"/>
-          </a:effectRef>
-          <a:fontRef idx="minor">
-            <a:schemeClr val="lt1"/>
-          </a:fontRef>
-        </p:style>
-        <p:txBody>
-          <a:bodyPr rtlCol="0" anchor="ctr"/>
-          <a:lstStyle/>
-          <a:p>
-            <a:pPr algn="ctr"/>
-            <a:r>
-              <a:rPr lang="de-DE" sz="1600" dirty="0" smtClean="0"/>
-              <a:t>File System</a:t>
-            </a:r>
-            <a:endParaRPr lang="en-GB" sz="1600" dirty="0"/>
-          </a:p>
-        </p:txBody>
-      </p:sp>
-      <p:cxnSp>
-        <p:nvCxnSpPr>
-          <p:cNvPr id="12" name="Straight Connector 11"/>
-          <p:cNvCxnSpPr/>
-          <p:nvPr/>
-        </p:nvCxnSpPr>
-        <p:spPr>
-          <a:xfrm>
-            <a:off x="1475656" y="2204864"/>
-            <a:ext cx="0" cy="3024336"/>
-          </a:xfrm>
-          <a:prstGeom prst="line">
-            <a:avLst/>
-          </a:prstGeom>
-          <a:ln w="15875"/>
+          <a:xfrm rot="5400000">
+            <a:off x="5080248" y="3856856"/>
+            <a:ext cx="495672" cy="1080120"/>
+          </a:xfrm>
+          <a:prstGeom prst="bentConnector2">
+            <a:avLst/>
+          </a:prstGeom>
+          <a:ln w="12700">
+            <a:prstDash val="sysDot"/>
+            <a:tailEnd type="arrow"/>
+          </a:ln>
         </p:spPr>
         <p:style>
           <a:lnRef idx="1">
@@ -3479,19 +3705,22 @@
       </p:cxnSp>
       <p:cxnSp>
         <p:nvCxnSpPr>
-          <p:cNvPr id="15" name="Straight Arrow Connector 14"/>
-          <p:cNvCxnSpPr/>
+          <p:cNvPr id="24" name="Elbow Connector 23"/>
+          <p:cNvCxnSpPr>
+            <a:stCxn id="16" idx="2"/>
+          </p:cNvCxnSpPr>
           <p:nvPr/>
         </p:nvCxnSpPr>
         <p:spPr>
-          <a:xfrm>
-            <a:off x="1547664" y="2492896"/>
-            <a:ext cx="1008112" cy="0"/>
-          </a:xfrm>
-          <a:prstGeom prst="straightConnector1">
-            <a:avLst/>
-          </a:prstGeom>
-          <a:ln>
+          <a:xfrm rot="5400000">
+            <a:off x="6034354" y="2794738"/>
+            <a:ext cx="495672" cy="3204356"/>
+          </a:xfrm>
+          <a:prstGeom prst="bentConnector2">
+            <a:avLst/>
+          </a:prstGeom>
+          <a:ln w="12700">
+            <a:prstDash val="sysDot"/>
             <a:tailEnd type="arrow"/>
           </a:ln>
         </p:spPr>
@@ -3512,48 +3741,61 @@
       </p:cxnSp>
       <p:sp>
         <p:nvSpPr>
-          <p:cNvPr id="16" name="TextBox 15"/>
-          <p:cNvSpPr txBox="1"/>
+          <p:cNvPr id="26" name="Rectangle 25"/>
+          <p:cNvSpPr/>
           <p:nvPr/>
         </p:nvSpPr>
         <p:spPr>
           <a:xfrm>
-            <a:off x="179512" y="2420888"/>
-            <a:ext cx="1152128" cy="215444"/>
+            <a:off x="6332252" y="2291019"/>
+            <a:ext cx="1728192" cy="360040"/>
           </a:xfrm>
           <a:prstGeom prst="rect">
             <a:avLst/>
           </a:prstGeom>
-          <a:noFill/>
-        </p:spPr>
-        <p:txBody>
-          <a:bodyPr wrap="square" rtlCol="0">
-            <a:spAutoFit/>
-          </a:bodyPr>
-          <a:lstStyle/>
-          <a:p>
-            <a:r>
-              <a:rPr lang="de-DE" sz="800" b="1" dirty="0" smtClean="0"/>
-              <a:t>1) Write a </a:t>
-            </a:r>
-            <a:r>
-              <a:rPr lang="de-DE" sz="800" b="1" dirty="0" err="1" smtClean="0"/>
-              <a:t>message</a:t>
-            </a:r>
-            <a:endParaRPr lang="en-GB" sz="800" b="1" dirty="0"/>
+        </p:spPr>
+        <p:style>
+          <a:lnRef idx="2">
+            <a:schemeClr val="accent1">
+              <a:shade val="50000"/>
+            </a:schemeClr>
+          </a:lnRef>
+          <a:fillRef idx="1">
+            <a:schemeClr val="accent1"/>
+          </a:fillRef>
+          <a:effectRef idx="0">
+            <a:schemeClr val="accent1"/>
+          </a:effectRef>
+          <a:fontRef idx="minor">
+            <a:schemeClr val="lt1"/>
+          </a:fontRef>
+        </p:style>
+        <p:txBody>
+          <a:bodyPr rtlCol="0" anchor="ctr"/>
+          <a:lstStyle/>
+          <a:p>
+            <a:pPr algn="ctr"/>
+            <a:r>
+              <a:rPr lang="de-DE" sz="1200" dirty="0" err="1" smtClean="0"/>
+              <a:t>SetConfiguration</a:t>
+            </a:r>
+            <a:endParaRPr lang="en-GB" sz="1200" dirty="0"/>
           </a:p>
         </p:txBody>
       </p:sp>
       <p:cxnSp>
         <p:nvCxnSpPr>
-          <p:cNvPr id="17" name="Straight Arrow Connector 16"/>
-          <p:cNvCxnSpPr/>
+          <p:cNvPr id="36" name="Straight Arrow Connector 35"/>
+          <p:cNvCxnSpPr>
+            <a:stCxn id="26" idx="2"/>
+            <a:endCxn id="15" idx="0"/>
+          </p:cNvCxnSpPr>
           <p:nvPr/>
         </p:nvCxnSpPr>
         <p:spPr>
-          <a:xfrm>
-            <a:off x="2719595" y="2924944"/>
-            <a:ext cx="1008112" cy="0"/>
+          <a:xfrm flipH="1">
+            <a:off x="5868144" y="2651059"/>
+            <a:ext cx="1328204" cy="1137981"/>
           </a:xfrm>
           <a:prstGeom prst="straightConnector1">
             <a:avLst/>
@@ -3577,58 +3819,19 @@
           </a:fontRef>
         </p:style>
       </p:cxnSp>
-      <p:sp>
-        <p:nvSpPr>
-          <p:cNvPr id="18" name="TextBox 17"/>
-          <p:cNvSpPr txBox="1"/>
-          <p:nvPr/>
-        </p:nvSpPr>
-        <p:spPr>
-          <a:xfrm>
-            <a:off x="179512" y="2852356"/>
-            <a:ext cx="1152128" cy="215444"/>
-          </a:xfrm>
-          <a:prstGeom prst="rect">
-            <a:avLst/>
-          </a:prstGeom>
-          <a:noFill/>
-        </p:spPr>
-        <p:txBody>
-          <a:bodyPr wrap="square" rtlCol="0">
-            <a:spAutoFit/>
-          </a:bodyPr>
-          <a:lstStyle/>
-          <a:p>
-            <a:r>
-              <a:rPr lang="de-DE" sz="800" b="1" dirty="0" smtClean="0"/>
-              <a:t>2) Send </a:t>
-            </a:r>
-            <a:r>
-              <a:rPr lang="de-DE" sz="800" b="1" dirty="0" err="1" smtClean="0"/>
-              <a:t>the</a:t>
-            </a:r>
-            <a:r>
-              <a:rPr lang="de-DE" sz="800" b="1" dirty="0" smtClean="0"/>
-              <a:t> </a:t>
-            </a:r>
-            <a:r>
-              <a:rPr lang="de-DE" sz="800" b="1" dirty="0" err="1" smtClean="0"/>
-              <a:t>message</a:t>
-            </a:r>
-            <a:endParaRPr lang="en-GB" sz="800" b="1" dirty="0"/>
-          </a:p>
-        </p:txBody>
-      </p:sp>
       <p:cxnSp>
         <p:nvCxnSpPr>
-          <p:cNvPr id="19" name="Straight Arrow Connector 18"/>
-          <p:cNvCxnSpPr/>
+          <p:cNvPr id="38" name="Straight Arrow Connector 37"/>
+          <p:cNvCxnSpPr>
+            <a:stCxn id="26" idx="2"/>
+            <a:endCxn id="16" idx="0"/>
+          </p:cNvCxnSpPr>
           <p:nvPr/>
         </p:nvCxnSpPr>
         <p:spPr>
           <a:xfrm>
-            <a:off x="3880107" y="3356992"/>
-            <a:ext cx="1008112" cy="0"/>
+            <a:off x="7196348" y="2651059"/>
+            <a:ext cx="688020" cy="1137981"/>
           </a:xfrm>
           <a:prstGeom prst="straightConnector1">
             <a:avLst/>
@@ -3652,263 +3855,10 @@
           </a:fontRef>
         </p:style>
       </p:cxnSp>
-      <p:sp>
-        <p:nvSpPr>
-          <p:cNvPr id="20" name="TextBox 19"/>
-          <p:cNvSpPr txBox="1"/>
-          <p:nvPr/>
-        </p:nvSpPr>
-        <p:spPr>
-          <a:xfrm>
-            <a:off x="202515" y="3249270"/>
-            <a:ext cx="1152128" cy="215444"/>
-          </a:xfrm>
-          <a:prstGeom prst="rect">
-            <a:avLst/>
-          </a:prstGeom>
-          <a:noFill/>
-        </p:spPr>
-        <p:txBody>
-          <a:bodyPr wrap="square" rtlCol="0">
-            <a:spAutoFit/>
-          </a:bodyPr>
-          <a:lstStyle/>
-          <a:p>
-            <a:r>
-              <a:rPr lang="de-DE" sz="800" b="1" dirty="0" smtClean="0"/>
-              <a:t>3) </a:t>
-            </a:r>
-            <a:r>
-              <a:rPr lang="de-DE" sz="800" b="1" dirty="0" err="1" smtClean="0"/>
-              <a:t>Persist</a:t>
-            </a:r>
-            <a:r>
-              <a:rPr lang="de-DE" sz="800" b="1" dirty="0" smtClean="0"/>
-              <a:t>  </a:t>
-            </a:r>
-            <a:r>
-              <a:rPr lang="de-DE" sz="800" b="1" dirty="0" err="1" smtClean="0"/>
-              <a:t>the</a:t>
-            </a:r>
-            <a:r>
-              <a:rPr lang="de-DE" sz="800" b="1" dirty="0" smtClean="0"/>
-              <a:t> </a:t>
-            </a:r>
-            <a:r>
-              <a:rPr lang="de-DE" sz="800" b="1" dirty="0" err="1" smtClean="0"/>
-              <a:t>message</a:t>
-            </a:r>
-            <a:endParaRPr lang="en-GB" sz="800" b="1" dirty="0"/>
-          </a:p>
-        </p:txBody>
-      </p:sp>
-      <p:cxnSp>
-        <p:nvCxnSpPr>
-          <p:cNvPr id="21" name="Straight Arrow Connector 20"/>
-          <p:cNvCxnSpPr/>
-          <p:nvPr/>
-        </p:nvCxnSpPr>
-        <p:spPr>
-          <a:xfrm>
-            <a:off x="1583668" y="3825334"/>
-            <a:ext cx="3304551" cy="0"/>
-          </a:xfrm>
-          <a:prstGeom prst="straightConnector1">
-            <a:avLst/>
-          </a:prstGeom>
-          <a:ln>
-            <a:tailEnd type="arrow"/>
-          </a:ln>
-        </p:spPr>
-        <p:style>
-          <a:lnRef idx="1">
-            <a:schemeClr val="accent1"/>
-          </a:lnRef>
-          <a:fillRef idx="0">
-            <a:schemeClr val="accent1"/>
-          </a:fillRef>
-          <a:effectRef idx="0">
-            <a:schemeClr val="accent1"/>
-          </a:effectRef>
-          <a:fontRef idx="minor">
-            <a:schemeClr val="tx1"/>
-          </a:fontRef>
-        </p:style>
-      </p:cxnSp>
-      <p:sp>
-        <p:nvSpPr>
-          <p:cNvPr id="22" name="TextBox 21"/>
-          <p:cNvSpPr txBox="1"/>
-          <p:nvPr/>
-        </p:nvSpPr>
-        <p:spPr>
-          <a:xfrm>
-            <a:off x="179512" y="3689867"/>
-            <a:ext cx="1152128" cy="215444"/>
-          </a:xfrm>
-          <a:prstGeom prst="rect">
-            <a:avLst/>
-          </a:prstGeom>
-          <a:noFill/>
-        </p:spPr>
-        <p:txBody>
-          <a:bodyPr wrap="square" rtlCol="0">
-            <a:spAutoFit/>
-          </a:bodyPr>
-          <a:lstStyle/>
-          <a:p>
-            <a:r>
-              <a:rPr lang="de-DE" sz="800" b="1" dirty="0" smtClean="0"/>
-              <a:t>4) Check on </a:t>
-            </a:r>
-            <a:r>
-              <a:rPr lang="de-DE" sz="800" b="1" dirty="0" err="1" smtClean="0"/>
-              <a:t>console</a:t>
-            </a:r>
-            <a:endParaRPr lang="en-GB" sz="800" b="1" dirty="0"/>
-          </a:p>
-        </p:txBody>
-      </p:sp>
-      <p:sp>
-        <p:nvSpPr>
-          <p:cNvPr id="24" name="TextBox 23"/>
-          <p:cNvSpPr txBox="1"/>
-          <p:nvPr/>
-        </p:nvSpPr>
-        <p:spPr>
-          <a:xfrm>
-            <a:off x="0" y="620688"/>
-            <a:ext cx="9144000" cy="584775"/>
-          </a:xfrm>
-          <a:prstGeom prst="rect">
-            <a:avLst/>
-          </a:prstGeom>
-          <a:noFill/>
-        </p:spPr>
-        <p:txBody>
-          <a:bodyPr wrap="square" rtlCol="0">
-            <a:spAutoFit/>
-          </a:bodyPr>
-          <a:lstStyle/>
-          <a:p>
-            <a:pPr algn="ctr"/>
-            <a:r>
-              <a:rPr lang="de-DE" sz="3200" b="1" dirty="0" smtClean="0"/>
-              <a:t>Standard </a:t>
-            </a:r>
-            <a:r>
-              <a:rPr lang="de-DE" sz="3200" b="1" dirty="0" err="1" smtClean="0"/>
-              <a:t>app</a:t>
-            </a:r>
-            <a:r>
-              <a:rPr lang="de-DE" sz="3200" b="1" dirty="0" smtClean="0"/>
-              <a:t> </a:t>
-            </a:r>
-            <a:r>
-              <a:rPr lang="de-DE" sz="3200" b="1" dirty="0" err="1" smtClean="0"/>
-              <a:t>workflow</a:t>
-            </a:r>
-            <a:endParaRPr lang="en-GB" sz="3200" b="1" dirty="0"/>
-          </a:p>
-        </p:txBody>
-      </p:sp>
-      <p:sp>
-        <p:nvSpPr>
-          <p:cNvPr id="1033" name="AutoShape 4" descr="Image result for stylized person"/>
-          <p:cNvSpPr>
-            <a:spLocks noChangeAspect="1" noChangeArrowheads="1"/>
-          </p:cNvSpPr>
-          <p:nvPr/>
-        </p:nvSpPr>
-        <p:spPr bwMode="auto">
-          <a:xfrm>
-            <a:off x="0" y="-144463"/>
-            <a:ext cx="304800" cy="304801"/>
-          </a:xfrm>
-          <a:prstGeom prst="rect">
-            <a:avLst/>
-          </a:prstGeom>
-          <a:noFill/>
-          <a:extLst>
-            <a:ext uri="{909E8E84-426E-40DD-AFC4-6F175D3DCCD1}">
-              <a14:hiddenFill xmlns:a14="http://schemas.microsoft.com/office/drawing/2010/main">
-                <a:solidFill>
-                  <a:srgbClr val="FFFFFF"/>
-                </a:solidFill>
-              </a14:hiddenFill>
-            </a:ext>
-          </a:extLst>
-        </p:spPr>
-        <p:txBody>
-          <a:bodyPr vert="horz" wrap="square" lIns="91440" tIns="45720" rIns="91440" bIns="45720" numCol="1" anchor="t" anchorCtr="0" compatLnSpc="1">
-            <a:prstTxWarp prst="textNoShape">
-              <a:avLst/>
-            </a:prstTxWarp>
-          </a:bodyPr>
-          <a:lstStyle/>
-          <a:p>
-            <a:endParaRPr lang="en-GB"/>
-          </a:p>
-        </p:txBody>
-      </p:sp>
-      <p:pic>
-        <p:nvPicPr>
-          <p:cNvPr id="1034" name="Picture 5"/>
-          <p:cNvPicPr>
-            <a:picLocks noChangeAspect="1" noChangeArrowheads="1"/>
-          </p:cNvPicPr>
-          <p:nvPr/>
-        </p:nvPicPr>
-        <p:blipFill>
-          <a:blip r:embed="rId2">
-            <a:extLst>
-              <a:ext uri="{28A0092B-C50C-407E-A947-70E740481C1C}">
-                <a14:useLocalDpi xmlns:a14="http://schemas.microsoft.com/office/drawing/2010/main" val="0"/>
-              </a:ext>
-            </a:extLst>
-          </a:blip>
-          <a:srcRect/>
-          <a:stretch>
-            <a:fillRect/>
-          </a:stretch>
-        </p:blipFill>
-        <p:spPr bwMode="auto">
-          <a:xfrm>
-            <a:off x="1327365" y="1289895"/>
-            <a:ext cx="309562" cy="842961"/>
-          </a:xfrm>
-          <a:prstGeom prst="rect">
-            <a:avLst/>
-          </a:prstGeom>
-          <a:noFill/>
-          <a:ln>
-            <a:noFill/>
-          </a:ln>
-          <a:extLst>
-            <a:ext uri="{909E8E84-426E-40DD-AFC4-6F175D3DCCD1}">
-              <a14:hiddenFill xmlns:a14="http://schemas.microsoft.com/office/drawing/2010/main">
-                <a:solidFill>
-                  <a:schemeClr val="accent1"/>
-                </a:solidFill>
-              </a14:hiddenFill>
-            </a:ext>
-            <a:ext uri="{91240B29-F687-4F45-9708-019B960494DF}">
-              <a14:hiddenLine xmlns:a14="http://schemas.microsoft.com/office/drawing/2010/main" w="9525">
-                <a:solidFill>
-                  <a:schemeClr val="tx1"/>
-                </a:solidFill>
-                <a:miter lim="800000"/>
-                <a:headEnd/>
-                <a:tailEnd/>
-              </a14:hiddenLine>
-            </a:ext>
-          </a:extLst>
-        </p:spPr>
-      </p:pic>
     </p:spTree>
     <p:extLst>
       <p:ext uri="{BB962C8B-B14F-4D97-AF65-F5344CB8AC3E}">
-        <p14:creationId xmlns:p14="http://schemas.microsoft.com/office/powerpoint/2010/main" val="3893828713"/>
+        <p14:creationId xmlns:p14="http://schemas.microsoft.com/office/powerpoint/2010/main" val="2575230704"/>
       </p:ext>
     </p:extLst>
   </p:cSld>
@@ -4200,6 +4150,727 @@
       </p:cxnSp>
       <p:cxnSp>
         <p:nvCxnSpPr>
+          <p:cNvPr id="15" name="Straight Arrow Connector 14"/>
+          <p:cNvCxnSpPr/>
+          <p:nvPr/>
+        </p:nvCxnSpPr>
+        <p:spPr>
+          <a:xfrm>
+            <a:off x="1547664" y="2492896"/>
+            <a:ext cx="1008112" cy="0"/>
+          </a:xfrm>
+          <a:prstGeom prst="straightConnector1">
+            <a:avLst/>
+          </a:prstGeom>
+          <a:ln>
+            <a:tailEnd type="arrow"/>
+          </a:ln>
+        </p:spPr>
+        <p:style>
+          <a:lnRef idx="1">
+            <a:schemeClr val="accent1"/>
+          </a:lnRef>
+          <a:fillRef idx="0">
+            <a:schemeClr val="accent1"/>
+          </a:fillRef>
+          <a:effectRef idx="0">
+            <a:schemeClr val="accent1"/>
+          </a:effectRef>
+          <a:fontRef idx="minor">
+            <a:schemeClr val="tx1"/>
+          </a:fontRef>
+        </p:style>
+      </p:cxnSp>
+      <p:sp>
+        <p:nvSpPr>
+          <p:cNvPr id="16" name="TextBox 15"/>
+          <p:cNvSpPr txBox="1"/>
+          <p:nvPr/>
+        </p:nvSpPr>
+        <p:spPr>
+          <a:xfrm>
+            <a:off x="179512" y="2420888"/>
+            <a:ext cx="1152128" cy="215444"/>
+          </a:xfrm>
+          <a:prstGeom prst="rect">
+            <a:avLst/>
+          </a:prstGeom>
+          <a:noFill/>
+        </p:spPr>
+        <p:txBody>
+          <a:bodyPr wrap="square" rtlCol="0">
+            <a:spAutoFit/>
+          </a:bodyPr>
+          <a:lstStyle/>
+          <a:p>
+            <a:r>
+              <a:rPr lang="de-DE" sz="800" b="1" dirty="0" smtClean="0"/>
+              <a:t>1) Write a </a:t>
+            </a:r>
+            <a:r>
+              <a:rPr lang="de-DE" sz="800" b="1" dirty="0" err="1" smtClean="0"/>
+              <a:t>message</a:t>
+            </a:r>
+            <a:endParaRPr lang="en-GB" sz="800" b="1" dirty="0"/>
+          </a:p>
+        </p:txBody>
+      </p:sp>
+      <p:cxnSp>
+        <p:nvCxnSpPr>
+          <p:cNvPr id="17" name="Straight Arrow Connector 16"/>
+          <p:cNvCxnSpPr/>
+          <p:nvPr/>
+        </p:nvCxnSpPr>
+        <p:spPr>
+          <a:xfrm>
+            <a:off x="2719595" y="2924944"/>
+            <a:ext cx="1008112" cy="0"/>
+          </a:xfrm>
+          <a:prstGeom prst="straightConnector1">
+            <a:avLst/>
+          </a:prstGeom>
+          <a:ln>
+            <a:tailEnd type="arrow"/>
+          </a:ln>
+        </p:spPr>
+        <p:style>
+          <a:lnRef idx="1">
+            <a:schemeClr val="accent1"/>
+          </a:lnRef>
+          <a:fillRef idx="0">
+            <a:schemeClr val="accent1"/>
+          </a:fillRef>
+          <a:effectRef idx="0">
+            <a:schemeClr val="accent1"/>
+          </a:effectRef>
+          <a:fontRef idx="minor">
+            <a:schemeClr val="tx1"/>
+          </a:fontRef>
+        </p:style>
+      </p:cxnSp>
+      <p:sp>
+        <p:nvSpPr>
+          <p:cNvPr id="18" name="TextBox 17"/>
+          <p:cNvSpPr txBox="1"/>
+          <p:nvPr/>
+        </p:nvSpPr>
+        <p:spPr>
+          <a:xfrm>
+            <a:off x="179512" y="2852356"/>
+            <a:ext cx="1152128" cy="215444"/>
+          </a:xfrm>
+          <a:prstGeom prst="rect">
+            <a:avLst/>
+          </a:prstGeom>
+          <a:noFill/>
+        </p:spPr>
+        <p:txBody>
+          <a:bodyPr wrap="square" rtlCol="0">
+            <a:spAutoFit/>
+          </a:bodyPr>
+          <a:lstStyle/>
+          <a:p>
+            <a:r>
+              <a:rPr lang="de-DE" sz="800" b="1" dirty="0" smtClean="0"/>
+              <a:t>2) Send </a:t>
+            </a:r>
+            <a:r>
+              <a:rPr lang="de-DE" sz="800" b="1" dirty="0" err="1" smtClean="0"/>
+              <a:t>the</a:t>
+            </a:r>
+            <a:r>
+              <a:rPr lang="de-DE" sz="800" b="1" dirty="0" smtClean="0"/>
+              <a:t> </a:t>
+            </a:r>
+            <a:r>
+              <a:rPr lang="de-DE" sz="800" b="1" dirty="0" err="1" smtClean="0"/>
+              <a:t>message</a:t>
+            </a:r>
+            <a:endParaRPr lang="en-GB" sz="800" b="1" dirty="0"/>
+          </a:p>
+        </p:txBody>
+      </p:sp>
+      <p:cxnSp>
+        <p:nvCxnSpPr>
+          <p:cNvPr id="19" name="Straight Arrow Connector 18"/>
+          <p:cNvCxnSpPr/>
+          <p:nvPr/>
+        </p:nvCxnSpPr>
+        <p:spPr>
+          <a:xfrm>
+            <a:off x="3880107" y="3356992"/>
+            <a:ext cx="1008112" cy="0"/>
+          </a:xfrm>
+          <a:prstGeom prst="straightConnector1">
+            <a:avLst/>
+          </a:prstGeom>
+          <a:ln>
+            <a:tailEnd type="arrow"/>
+          </a:ln>
+        </p:spPr>
+        <p:style>
+          <a:lnRef idx="1">
+            <a:schemeClr val="accent1"/>
+          </a:lnRef>
+          <a:fillRef idx="0">
+            <a:schemeClr val="accent1"/>
+          </a:fillRef>
+          <a:effectRef idx="0">
+            <a:schemeClr val="accent1"/>
+          </a:effectRef>
+          <a:fontRef idx="minor">
+            <a:schemeClr val="tx1"/>
+          </a:fontRef>
+        </p:style>
+      </p:cxnSp>
+      <p:sp>
+        <p:nvSpPr>
+          <p:cNvPr id="20" name="TextBox 19"/>
+          <p:cNvSpPr txBox="1"/>
+          <p:nvPr/>
+        </p:nvSpPr>
+        <p:spPr>
+          <a:xfrm>
+            <a:off x="202515" y="3249270"/>
+            <a:ext cx="1152128" cy="215444"/>
+          </a:xfrm>
+          <a:prstGeom prst="rect">
+            <a:avLst/>
+          </a:prstGeom>
+          <a:noFill/>
+        </p:spPr>
+        <p:txBody>
+          <a:bodyPr wrap="square" rtlCol="0">
+            <a:spAutoFit/>
+          </a:bodyPr>
+          <a:lstStyle/>
+          <a:p>
+            <a:r>
+              <a:rPr lang="de-DE" sz="800" b="1" dirty="0" smtClean="0"/>
+              <a:t>3) </a:t>
+            </a:r>
+            <a:r>
+              <a:rPr lang="de-DE" sz="800" b="1" dirty="0" err="1" smtClean="0"/>
+              <a:t>Persist</a:t>
+            </a:r>
+            <a:r>
+              <a:rPr lang="de-DE" sz="800" b="1" dirty="0" smtClean="0"/>
+              <a:t>  </a:t>
+            </a:r>
+            <a:r>
+              <a:rPr lang="de-DE" sz="800" b="1" dirty="0" err="1" smtClean="0"/>
+              <a:t>the</a:t>
+            </a:r>
+            <a:r>
+              <a:rPr lang="de-DE" sz="800" b="1" dirty="0" smtClean="0"/>
+              <a:t> </a:t>
+            </a:r>
+            <a:r>
+              <a:rPr lang="de-DE" sz="800" b="1" dirty="0" err="1" smtClean="0"/>
+              <a:t>message</a:t>
+            </a:r>
+            <a:endParaRPr lang="en-GB" sz="800" b="1" dirty="0"/>
+          </a:p>
+        </p:txBody>
+      </p:sp>
+      <p:cxnSp>
+        <p:nvCxnSpPr>
+          <p:cNvPr id="21" name="Straight Arrow Connector 20"/>
+          <p:cNvCxnSpPr/>
+          <p:nvPr/>
+        </p:nvCxnSpPr>
+        <p:spPr>
+          <a:xfrm>
+            <a:off x="1583668" y="3825334"/>
+            <a:ext cx="3304551" cy="0"/>
+          </a:xfrm>
+          <a:prstGeom prst="straightConnector1">
+            <a:avLst/>
+          </a:prstGeom>
+          <a:ln>
+            <a:tailEnd type="arrow"/>
+          </a:ln>
+        </p:spPr>
+        <p:style>
+          <a:lnRef idx="1">
+            <a:schemeClr val="accent1"/>
+          </a:lnRef>
+          <a:fillRef idx="0">
+            <a:schemeClr val="accent1"/>
+          </a:fillRef>
+          <a:effectRef idx="0">
+            <a:schemeClr val="accent1"/>
+          </a:effectRef>
+          <a:fontRef idx="minor">
+            <a:schemeClr val="tx1"/>
+          </a:fontRef>
+        </p:style>
+      </p:cxnSp>
+      <p:sp>
+        <p:nvSpPr>
+          <p:cNvPr id="22" name="TextBox 21"/>
+          <p:cNvSpPr txBox="1"/>
+          <p:nvPr/>
+        </p:nvSpPr>
+        <p:spPr>
+          <a:xfrm>
+            <a:off x="179512" y="3689867"/>
+            <a:ext cx="1152128" cy="215444"/>
+          </a:xfrm>
+          <a:prstGeom prst="rect">
+            <a:avLst/>
+          </a:prstGeom>
+          <a:noFill/>
+        </p:spPr>
+        <p:txBody>
+          <a:bodyPr wrap="square" rtlCol="0">
+            <a:spAutoFit/>
+          </a:bodyPr>
+          <a:lstStyle/>
+          <a:p>
+            <a:r>
+              <a:rPr lang="de-DE" sz="800" b="1" dirty="0" smtClean="0"/>
+              <a:t>4) Check on </a:t>
+            </a:r>
+            <a:r>
+              <a:rPr lang="de-DE" sz="800" b="1" dirty="0" err="1" smtClean="0"/>
+              <a:t>console</a:t>
+            </a:r>
+            <a:endParaRPr lang="en-GB" sz="800" b="1" dirty="0"/>
+          </a:p>
+        </p:txBody>
+      </p:sp>
+      <p:sp>
+        <p:nvSpPr>
+          <p:cNvPr id="24" name="TextBox 23"/>
+          <p:cNvSpPr txBox="1"/>
+          <p:nvPr/>
+        </p:nvSpPr>
+        <p:spPr>
+          <a:xfrm>
+            <a:off x="0" y="620688"/>
+            <a:ext cx="9144000" cy="584775"/>
+          </a:xfrm>
+          <a:prstGeom prst="rect">
+            <a:avLst/>
+          </a:prstGeom>
+          <a:noFill/>
+        </p:spPr>
+        <p:txBody>
+          <a:bodyPr wrap="square" rtlCol="0">
+            <a:spAutoFit/>
+          </a:bodyPr>
+          <a:lstStyle/>
+          <a:p>
+            <a:pPr algn="ctr"/>
+            <a:r>
+              <a:rPr lang="de-DE" sz="3200" b="1" dirty="0" smtClean="0"/>
+              <a:t>Standard </a:t>
+            </a:r>
+            <a:r>
+              <a:rPr lang="de-DE" sz="3200" b="1" dirty="0" err="1" smtClean="0"/>
+              <a:t>app</a:t>
+            </a:r>
+            <a:r>
+              <a:rPr lang="de-DE" sz="3200" b="1" dirty="0" smtClean="0"/>
+              <a:t> </a:t>
+            </a:r>
+            <a:r>
+              <a:rPr lang="de-DE" sz="3200" b="1" dirty="0" err="1" smtClean="0"/>
+              <a:t>workflow</a:t>
+            </a:r>
+            <a:endParaRPr lang="en-GB" sz="3200" b="1" dirty="0"/>
+          </a:p>
+        </p:txBody>
+      </p:sp>
+      <p:sp>
+        <p:nvSpPr>
+          <p:cNvPr id="1033" name="AutoShape 4" descr="Image result for stylized person"/>
+          <p:cNvSpPr>
+            <a:spLocks noChangeAspect="1" noChangeArrowheads="1"/>
+          </p:cNvSpPr>
+          <p:nvPr/>
+        </p:nvSpPr>
+        <p:spPr bwMode="auto">
+          <a:xfrm>
+            <a:off x="0" y="-144463"/>
+            <a:ext cx="304800" cy="304801"/>
+          </a:xfrm>
+          <a:prstGeom prst="rect">
+            <a:avLst/>
+          </a:prstGeom>
+          <a:noFill/>
+          <a:extLst>
+            <a:ext uri="{909E8E84-426E-40DD-AFC4-6F175D3DCCD1}">
+              <a14:hiddenFill xmlns:a14="http://schemas.microsoft.com/office/drawing/2010/main">
+                <a:solidFill>
+                  <a:srgbClr val="FFFFFF"/>
+                </a:solidFill>
+              </a14:hiddenFill>
+            </a:ext>
+          </a:extLst>
+        </p:spPr>
+        <p:txBody>
+          <a:bodyPr vert="horz" wrap="square" lIns="91440" tIns="45720" rIns="91440" bIns="45720" numCol="1" anchor="t" anchorCtr="0" compatLnSpc="1">
+            <a:prstTxWarp prst="textNoShape">
+              <a:avLst/>
+            </a:prstTxWarp>
+          </a:bodyPr>
+          <a:lstStyle/>
+          <a:p>
+            <a:endParaRPr lang="en-GB"/>
+          </a:p>
+        </p:txBody>
+      </p:sp>
+      <p:pic>
+        <p:nvPicPr>
+          <p:cNvPr id="1034" name="Picture 5"/>
+          <p:cNvPicPr>
+            <a:picLocks noChangeAspect="1" noChangeArrowheads="1"/>
+          </p:cNvPicPr>
+          <p:nvPr/>
+        </p:nvPicPr>
+        <p:blipFill>
+          <a:blip r:embed="rId2">
+            <a:extLst>
+              <a:ext uri="{28A0092B-C50C-407E-A947-70E740481C1C}">
+                <a14:useLocalDpi xmlns:a14="http://schemas.microsoft.com/office/drawing/2010/main" val="0"/>
+              </a:ext>
+            </a:extLst>
+          </a:blip>
+          <a:srcRect/>
+          <a:stretch>
+            <a:fillRect/>
+          </a:stretch>
+        </p:blipFill>
+        <p:spPr bwMode="auto">
+          <a:xfrm>
+            <a:off x="1327365" y="1289895"/>
+            <a:ext cx="309562" cy="842961"/>
+          </a:xfrm>
+          <a:prstGeom prst="rect">
+            <a:avLst/>
+          </a:prstGeom>
+          <a:noFill/>
+          <a:ln>
+            <a:noFill/>
+          </a:ln>
+          <a:extLst>
+            <a:ext uri="{909E8E84-426E-40DD-AFC4-6F175D3DCCD1}">
+              <a14:hiddenFill xmlns:a14="http://schemas.microsoft.com/office/drawing/2010/main">
+                <a:solidFill>
+                  <a:schemeClr val="accent1"/>
+                </a:solidFill>
+              </a14:hiddenFill>
+            </a:ext>
+            <a:ext uri="{91240B29-F687-4F45-9708-019B960494DF}">
+              <a14:hiddenLine xmlns:a14="http://schemas.microsoft.com/office/drawing/2010/main" w="9525">
+                <a:solidFill>
+                  <a:schemeClr val="tx1"/>
+                </a:solidFill>
+                <a:miter lim="800000"/>
+                <a:headEnd/>
+                <a:tailEnd/>
+              </a14:hiddenLine>
+            </a:ext>
+          </a:extLst>
+        </p:spPr>
+      </p:pic>
+    </p:spTree>
+    <p:extLst>
+      <p:ext uri="{BB962C8B-B14F-4D97-AF65-F5344CB8AC3E}">
+        <p14:creationId xmlns:p14="http://schemas.microsoft.com/office/powerpoint/2010/main" val="3893828713"/>
+      </p:ext>
+    </p:extLst>
+  </p:cSld>
+  <p:clrMapOvr>
+    <a:masterClrMapping/>
+  </p:clrMapOvr>
+  <p:timing>
+    <p:tnLst>
+      <p:par>
+        <p:cTn id="1" dur="indefinite" restart="never" nodeType="tmRoot"/>
+      </p:par>
+    </p:tnLst>
+  </p:timing>
+</p:sld>
+</file>
+
+<file path=ppt/slides/slide4.xml><?xml version="1.0" encoding="utf-8"?>
+<p:sld xmlns:a="http://schemas.openxmlformats.org/drawingml/2006/main" xmlns:r="http://schemas.openxmlformats.org/officeDocument/2006/relationships" xmlns:p="http://schemas.openxmlformats.org/presentationml/2006/main">
+  <p:cSld>
+    <p:spTree>
+      <p:nvGrpSpPr>
+        <p:cNvPr id="1" name=""/>
+        <p:cNvGrpSpPr/>
+        <p:nvPr/>
+      </p:nvGrpSpPr>
+      <p:grpSpPr>
+        <a:xfrm>
+          <a:off x="0" y="0"/>
+          <a:ext cx="0" cy="0"/>
+          <a:chOff x="0" y="0"/>
+          <a:chExt cx="0" cy="0"/>
+        </a:xfrm>
+      </p:grpSpPr>
+      <p:cxnSp>
+        <p:nvCxnSpPr>
+          <p:cNvPr id="5" name="Straight Connector 4"/>
+          <p:cNvCxnSpPr/>
+          <p:nvPr/>
+        </p:nvCxnSpPr>
+        <p:spPr>
+          <a:xfrm>
+            <a:off x="2627784" y="2204864"/>
+            <a:ext cx="0" cy="3024336"/>
+          </a:xfrm>
+          <a:prstGeom prst="line">
+            <a:avLst/>
+          </a:prstGeom>
+          <a:ln w="15875"/>
+        </p:spPr>
+        <p:style>
+          <a:lnRef idx="1">
+            <a:schemeClr val="accent1"/>
+          </a:lnRef>
+          <a:fillRef idx="0">
+            <a:schemeClr val="accent1"/>
+          </a:fillRef>
+          <a:effectRef idx="0">
+            <a:schemeClr val="accent1"/>
+          </a:effectRef>
+          <a:fontRef idx="minor">
+            <a:schemeClr val="tx1"/>
+          </a:fontRef>
+        </p:style>
+      </p:cxnSp>
+      <p:cxnSp>
+        <p:nvCxnSpPr>
+          <p:cNvPr id="6" name="Straight Connector 5"/>
+          <p:cNvCxnSpPr/>
+          <p:nvPr/>
+        </p:nvCxnSpPr>
+        <p:spPr>
+          <a:xfrm>
+            <a:off x="3779912" y="2204864"/>
+            <a:ext cx="0" cy="3024336"/>
+          </a:xfrm>
+          <a:prstGeom prst="line">
+            <a:avLst/>
+          </a:prstGeom>
+          <a:ln w="15875"/>
+        </p:spPr>
+        <p:style>
+          <a:lnRef idx="1">
+            <a:schemeClr val="accent1"/>
+          </a:lnRef>
+          <a:fillRef idx="0">
+            <a:schemeClr val="accent1"/>
+          </a:fillRef>
+          <a:effectRef idx="0">
+            <a:schemeClr val="accent1"/>
+          </a:effectRef>
+          <a:fontRef idx="minor">
+            <a:schemeClr val="tx1"/>
+          </a:fontRef>
+        </p:style>
+      </p:cxnSp>
+      <p:cxnSp>
+        <p:nvCxnSpPr>
+          <p:cNvPr id="7" name="Straight Connector 6"/>
+          <p:cNvCxnSpPr/>
+          <p:nvPr/>
+        </p:nvCxnSpPr>
+        <p:spPr>
+          <a:xfrm>
+            <a:off x="4932040" y="2204864"/>
+            <a:ext cx="0" cy="3024336"/>
+          </a:xfrm>
+          <a:prstGeom prst="line">
+            <a:avLst/>
+          </a:prstGeom>
+          <a:ln w="15875"/>
+        </p:spPr>
+        <p:style>
+          <a:lnRef idx="1">
+            <a:schemeClr val="accent1"/>
+          </a:lnRef>
+          <a:fillRef idx="0">
+            <a:schemeClr val="accent1"/>
+          </a:fillRef>
+          <a:effectRef idx="0">
+            <a:schemeClr val="accent1"/>
+          </a:effectRef>
+          <a:fontRef idx="minor">
+            <a:schemeClr val="tx1"/>
+          </a:fontRef>
+        </p:style>
+      </p:cxnSp>
+      <p:sp>
+        <p:nvSpPr>
+          <p:cNvPr id="8" name="Rounded Rectangle 7"/>
+          <p:cNvSpPr/>
+          <p:nvPr/>
+        </p:nvSpPr>
+        <p:spPr>
+          <a:xfrm>
+            <a:off x="2123728" y="1556792"/>
+            <a:ext cx="1008112" cy="574323"/>
+          </a:xfrm>
+          <a:prstGeom prst="roundRect">
+            <a:avLst/>
+          </a:prstGeom>
+        </p:spPr>
+        <p:style>
+          <a:lnRef idx="2">
+            <a:schemeClr val="accent1">
+              <a:shade val="50000"/>
+            </a:schemeClr>
+          </a:lnRef>
+          <a:fillRef idx="1">
+            <a:schemeClr val="accent1"/>
+          </a:fillRef>
+          <a:effectRef idx="0">
+            <a:schemeClr val="accent1"/>
+          </a:effectRef>
+          <a:fontRef idx="minor">
+            <a:schemeClr val="lt1"/>
+          </a:fontRef>
+        </p:style>
+        <p:txBody>
+          <a:bodyPr rtlCol="0" anchor="ctr"/>
+          <a:lstStyle/>
+          <a:p>
+            <a:pPr algn="ctr"/>
+            <a:r>
+              <a:rPr lang="de-DE" sz="1600" dirty="0" smtClean="0"/>
+              <a:t>Sender</a:t>
+            </a:r>
+            <a:endParaRPr lang="en-GB" sz="1600" dirty="0"/>
+          </a:p>
+        </p:txBody>
+      </p:sp>
+      <p:sp>
+        <p:nvSpPr>
+          <p:cNvPr id="10" name="Rounded Rectangle 9"/>
+          <p:cNvSpPr/>
+          <p:nvPr/>
+        </p:nvSpPr>
+        <p:spPr>
+          <a:xfrm>
+            <a:off x="3275856" y="1558533"/>
+            <a:ext cx="1008112" cy="574323"/>
+          </a:xfrm>
+          <a:prstGeom prst="roundRect">
+            <a:avLst/>
+          </a:prstGeom>
+        </p:spPr>
+        <p:style>
+          <a:lnRef idx="2">
+            <a:schemeClr val="accent1">
+              <a:shade val="50000"/>
+            </a:schemeClr>
+          </a:lnRef>
+          <a:fillRef idx="1">
+            <a:schemeClr val="accent1"/>
+          </a:fillRef>
+          <a:effectRef idx="0">
+            <a:schemeClr val="accent1"/>
+          </a:effectRef>
+          <a:fontRef idx="minor">
+            <a:schemeClr val="lt1"/>
+          </a:fontRef>
+        </p:style>
+        <p:txBody>
+          <a:bodyPr rtlCol="0" anchor="ctr"/>
+          <a:lstStyle/>
+          <a:p>
+            <a:pPr algn="ctr"/>
+            <a:r>
+              <a:rPr lang="de-DE" sz="1600" dirty="0" smtClean="0"/>
+              <a:t>Receiver</a:t>
+            </a:r>
+            <a:endParaRPr lang="en-GB" sz="1600" dirty="0"/>
+          </a:p>
+        </p:txBody>
+      </p:sp>
+      <p:sp>
+        <p:nvSpPr>
+          <p:cNvPr id="11" name="Rounded Rectangle 10"/>
+          <p:cNvSpPr/>
+          <p:nvPr/>
+        </p:nvSpPr>
+        <p:spPr>
+          <a:xfrm>
+            <a:off x="4427984" y="1558533"/>
+            <a:ext cx="1008112" cy="574323"/>
+          </a:xfrm>
+          <a:prstGeom prst="roundRect">
+            <a:avLst/>
+          </a:prstGeom>
+        </p:spPr>
+        <p:style>
+          <a:lnRef idx="2">
+            <a:schemeClr val="accent1">
+              <a:shade val="50000"/>
+            </a:schemeClr>
+          </a:lnRef>
+          <a:fillRef idx="1">
+            <a:schemeClr val="accent1"/>
+          </a:fillRef>
+          <a:effectRef idx="0">
+            <a:schemeClr val="accent1"/>
+          </a:effectRef>
+          <a:fontRef idx="minor">
+            <a:schemeClr val="lt1"/>
+          </a:fontRef>
+        </p:style>
+        <p:txBody>
+          <a:bodyPr rtlCol="0" anchor="ctr"/>
+          <a:lstStyle/>
+          <a:p>
+            <a:pPr algn="ctr"/>
+            <a:r>
+              <a:rPr lang="de-DE" sz="1600" dirty="0" smtClean="0"/>
+              <a:t>File System</a:t>
+            </a:r>
+            <a:endParaRPr lang="en-GB" sz="1600" dirty="0"/>
+          </a:p>
+        </p:txBody>
+      </p:sp>
+      <p:cxnSp>
+        <p:nvCxnSpPr>
+          <p:cNvPr id="12" name="Straight Connector 11"/>
+          <p:cNvCxnSpPr/>
+          <p:nvPr/>
+        </p:nvCxnSpPr>
+        <p:spPr>
+          <a:xfrm>
+            <a:off x="1475656" y="2204864"/>
+            <a:ext cx="0" cy="3024336"/>
+          </a:xfrm>
+          <a:prstGeom prst="line">
+            <a:avLst/>
+          </a:prstGeom>
+          <a:ln w="15875"/>
+        </p:spPr>
+        <p:style>
+          <a:lnRef idx="1">
+            <a:schemeClr val="accent1"/>
+          </a:lnRef>
+          <a:fillRef idx="0">
+            <a:schemeClr val="accent1"/>
+          </a:fillRef>
+          <a:effectRef idx="0">
+            <a:schemeClr val="accent1"/>
+          </a:effectRef>
+          <a:fontRef idx="minor">
+            <a:schemeClr val="tx1"/>
+          </a:fontRef>
+        </p:style>
+      </p:cxnSp>
+      <p:cxnSp>
+        <p:nvCxnSpPr>
           <p:cNvPr id="17" name="Straight Arrow Connector 16"/>
           <p:cNvCxnSpPr/>
           <p:nvPr/>
@@ -4727,6 +5398,232 @@
     <p:extLst>
       <p:ext uri="{BB962C8B-B14F-4D97-AF65-F5344CB8AC3E}">
         <p14:creationId xmlns:p14="http://schemas.microsoft.com/office/powerpoint/2010/main" val="1964220648"/>
+      </p:ext>
+    </p:extLst>
+  </p:cSld>
+  <p:clrMapOvr>
+    <a:masterClrMapping/>
+  </p:clrMapOvr>
+  <p:timing>
+    <p:tnLst>
+      <p:par>
+        <p:cTn id="1" dur="indefinite" restart="never" nodeType="tmRoot"/>
+      </p:par>
+    </p:tnLst>
+  </p:timing>
+</p:sld>
+</file>
+
+<file path=ppt/slides/slide5.xml><?xml version="1.0" encoding="utf-8"?>
+<p:sld xmlns:a="http://schemas.openxmlformats.org/drawingml/2006/main" xmlns:r="http://schemas.openxmlformats.org/officeDocument/2006/relationships" xmlns:p="http://schemas.openxmlformats.org/presentationml/2006/main">
+  <p:cSld>
+    <p:spTree>
+      <p:nvGrpSpPr>
+        <p:cNvPr id="1" name=""/>
+        <p:cNvGrpSpPr/>
+        <p:nvPr/>
+      </p:nvGrpSpPr>
+      <p:grpSpPr>
+        <a:xfrm>
+          <a:off x="0" y="0"/>
+          <a:ext cx="0" cy="0"/>
+          <a:chOff x="0" y="0"/>
+          <a:chExt cx="0" cy="0"/>
+        </a:xfrm>
+      </p:grpSpPr>
+      <p:sp>
+        <p:nvSpPr>
+          <p:cNvPr id="4" name="TextBox 3"/>
+          <p:cNvSpPr txBox="1"/>
+          <p:nvPr/>
+        </p:nvSpPr>
+        <p:spPr>
+          <a:xfrm>
+            <a:off x="1763605" y="332656"/>
+            <a:ext cx="5832648" cy="584775"/>
+          </a:xfrm>
+          <a:prstGeom prst="rect">
+            <a:avLst/>
+          </a:prstGeom>
+          <a:noFill/>
+        </p:spPr>
+        <p:txBody>
+          <a:bodyPr wrap="square" rtlCol="0">
+            <a:spAutoFit/>
+          </a:bodyPr>
+          <a:lstStyle/>
+          <a:p>
+            <a:pPr algn="ctr"/>
+            <a:r>
+              <a:rPr lang="de-DE" sz="3200" b="1" dirty="0" err="1" smtClean="0"/>
+              <a:t>Risks</a:t>
+            </a:r>
+            <a:r>
+              <a:rPr lang="de-DE" sz="3200" b="1" dirty="0" smtClean="0"/>
+              <a:t> </a:t>
+            </a:r>
+            <a:r>
+              <a:rPr lang="de-DE" sz="3200" b="1" dirty="0" err="1" smtClean="0"/>
+              <a:t>associated</a:t>
+            </a:r>
+            <a:endParaRPr lang="en-GB" sz="3200" b="1" dirty="0"/>
+          </a:p>
+        </p:txBody>
+      </p:sp>
+      <p:sp>
+        <p:nvSpPr>
+          <p:cNvPr id="6" name="TextBox 5"/>
+          <p:cNvSpPr txBox="1"/>
+          <p:nvPr/>
+        </p:nvSpPr>
+        <p:spPr>
+          <a:xfrm>
+            <a:off x="1115616" y="1052736"/>
+            <a:ext cx="6696744" cy="1754326"/>
+          </a:xfrm>
+          <a:prstGeom prst="rect">
+            <a:avLst/>
+          </a:prstGeom>
+          <a:noFill/>
+        </p:spPr>
+        <p:txBody>
+          <a:bodyPr wrap="square" rtlCol="0">
+            <a:spAutoFit/>
+          </a:bodyPr>
+          <a:lstStyle/>
+          <a:p>
+            <a:r>
+              <a:rPr lang="en-US" dirty="0" smtClean="0"/>
+              <a:t>Abstracting everything with interfaces and injecting plugin with an </a:t>
+            </a:r>
+            <a:r>
+              <a:rPr lang="en-US" dirty="0" err="1" smtClean="0"/>
+              <a:t>IoC</a:t>
+            </a:r>
+            <a:r>
+              <a:rPr lang="en-US" dirty="0" smtClean="0"/>
+              <a:t> framework at runtime using a configuration file could impact the performance of the application.</a:t>
+            </a:r>
+          </a:p>
+          <a:p>
+            <a:r>
+              <a:rPr lang="en-US" dirty="0" smtClean="0">
+                <a:solidFill>
+                  <a:srgbClr val="00B050"/>
+                </a:solidFill>
+              </a:rPr>
+              <a:t>-&gt; Solution: </a:t>
+            </a:r>
+          </a:p>
+          <a:p>
+            <a:pPr marL="285750" indent="-285750">
+              <a:buFont typeface="Arial" panose="020B0604020202020204" pitchFamily="34" charset="0"/>
+              <a:buChar char="•"/>
+            </a:pPr>
+            <a:r>
+              <a:rPr lang="en-US" dirty="0" smtClean="0">
+                <a:solidFill>
+                  <a:srgbClr val="00B050"/>
+                </a:solidFill>
+              </a:rPr>
+              <a:t>implementing a default for production that inject via code</a:t>
+            </a:r>
+          </a:p>
+          <a:p>
+            <a:pPr marL="285750" indent="-285750">
+              <a:buFont typeface="Arial" panose="020B0604020202020204" pitchFamily="34" charset="0"/>
+              <a:buChar char="•"/>
+            </a:pPr>
+            <a:r>
+              <a:rPr lang="en-US" dirty="0" smtClean="0">
+                <a:solidFill>
+                  <a:srgbClr val="00B050"/>
+                </a:solidFill>
+              </a:rPr>
+              <a:t>Change </a:t>
+            </a:r>
+            <a:r>
+              <a:rPr lang="en-US" dirty="0" err="1" smtClean="0">
+                <a:solidFill>
+                  <a:srgbClr val="00B050"/>
+                </a:solidFill>
+              </a:rPr>
+              <a:t>IoC</a:t>
+            </a:r>
+            <a:r>
+              <a:rPr lang="en-US" dirty="0" smtClean="0">
+                <a:solidFill>
+                  <a:srgbClr val="00B050"/>
+                </a:solidFill>
+              </a:rPr>
+              <a:t> with a more performant framework</a:t>
+            </a:r>
+            <a:endParaRPr lang="en-US" dirty="0">
+              <a:solidFill>
+                <a:srgbClr val="00B050"/>
+              </a:solidFill>
+            </a:endParaRPr>
+          </a:p>
+        </p:txBody>
+      </p:sp>
+      <p:pic>
+        <p:nvPicPr>
+          <p:cNvPr id="3074" name="Picture 2"/>
+          <p:cNvPicPr>
+            <a:picLocks noChangeAspect="1" noChangeArrowheads="1"/>
+          </p:cNvPicPr>
+          <p:nvPr/>
+        </p:nvPicPr>
+        <p:blipFill>
+          <a:blip r:embed="rId2">
+            <a:extLst>
+              <a:ext uri="{28A0092B-C50C-407E-A947-70E740481C1C}">
+                <a14:useLocalDpi xmlns:a14="http://schemas.microsoft.com/office/drawing/2010/main" val="0"/>
+              </a:ext>
+            </a:extLst>
+          </a:blip>
+          <a:srcRect/>
+          <a:stretch>
+            <a:fillRect/>
+          </a:stretch>
+        </p:blipFill>
+        <p:spPr bwMode="auto">
+          <a:xfrm>
+            <a:off x="1540306" y="2996952"/>
+            <a:ext cx="6010275" cy="3581400"/>
+          </a:xfrm>
+          <a:prstGeom prst="rect">
+            <a:avLst/>
+          </a:prstGeom>
+          <a:noFill/>
+          <a:ln>
+            <a:noFill/>
+          </a:ln>
+          <a:extLst>
+            <a:ext uri="{909E8E84-426E-40DD-AFC4-6F175D3DCCD1}">
+              <a14:hiddenFill xmlns:a14="http://schemas.microsoft.com/office/drawing/2010/main">
+                <a:solidFill>
+                  <a:schemeClr val="accent1"/>
+                </a:solidFill>
+              </a14:hiddenFill>
+            </a:ext>
+            <a:ext uri="{91240B29-F687-4F45-9708-019B960494DF}">
+              <a14:hiddenLine xmlns:a14="http://schemas.microsoft.com/office/drawing/2010/main" w="9525">
+                <a:solidFill>
+                  <a:schemeClr val="tx1"/>
+                </a:solidFill>
+                <a:miter lim="800000"/>
+                <a:headEnd/>
+                <a:tailEnd/>
+              </a14:hiddenLine>
+            </a:ext>
+          </a:extLst>
+        </p:spPr>
+      </p:pic>
+    </p:spTree>
+    <p:extLst>
+      <p:ext uri="{BB962C8B-B14F-4D97-AF65-F5344CB8AC3E}">
+        <p14:creationId xmlns:p14="http://schemas.microsoft.com/office/powerpoint/2010/main" val="2810972621"/>
       </p:ext>
     </p:extLst>
   </p:cSld>

--- a/Doc/AppInfo.pptx
+++ b/Doc/AppInfo.pptx
@@ -5479,7 +5479,7 @@
         <p:spPr>
           <a:xfrm>
             <a:off x="1115616" y="1052736"/>
-            <a:ext cx="6696744" cy="1754326"/>
+            <a:ext cx="6696744" cy="2031325"/>
           </a:xfrm>
           <a:prstGeom prst="rect">
             <a:avLst/>
@@ -5521,12 +5521,36 @@
               <a:buChar char="•"/>
             </a:pPr>
             <a:r>
+              <a:rPr lang="en-US" smtClean="0">
+                <a:solidFill>
+                  <a:srgbClr val="00B050"/>
+                </a:solidFill>
+              </a:rPr>
+              <a:t>implementing </a:t>
+            </a:r>
+            <a:r>
+              <a:rPr lang="en-US" smtClean="0">
+                <a:solidFill>
+                  <a:srgbClr val="00B050"/>
+                </a:solidFill>
+              </a:rPr>
+              <a:t>a default </a:t>
+            </a:r>
+            <a:r>
+              <a:rPr lang="en-US" smtClean="0">
+                <a:solidFill>
+                  <a:srgbClr val="00B050"/>
+                </a:solidFill>
+              </a:rPr>
+              <a:t>mechanism for </a:t>
+            </a:r>
+            <a:r>
               <a:rPr lang="en-US" dirty="0" smtClean="0">
                 <a:solidFill>
                   <a:srgbClr val="00B050"/>
                 </a:solidFill>
               </a:rPr>
-              <a:t>implementing a default for production that inject via code</a:t>
+              <a:t>production that inject via code</a:t>
             </a:r>
           </a:p>
           <a:p>

--- a/Doc/AppInfo.pptx
+++ b/Doc/AppInfo.pptx
@@ -292,7 +292,7 @@
           <a:p>
             <a:fld id="{882B4400-920F-4BBC-B8AE-CD8E61F190EB}" type="datetimeFigureOut">
               <a:rPr lang="en-GB" smtClean="0"/>
-              <a:t>20/03/2017</a:t>
+              <a:t>21/03/2017</a:t>
             </a:fld>
             <a:endParaRPr lang="en-GB"/>
           </a:p>
@@ -462,7 +462,7 @@
           <a:p>
             <a:fld id="{882B4400-920F-4BBC-B8AE-CD8E61F190EB}" type="datetimeFigureOut">
               <a:rPr lang="en-GB" smtClean="0"/>
-              <a:t>20/03/2017</a:t>
+              <a:t>21/03/2017</a:t>
             </a:fld>
             <a:endParaRPr lang="en-GB"/>
           </a:p>
@@ -642,7 +642,7 @@
           <a:p>
             <a:fld id="{882B4400-920F-4BBC-B8AE-CD8E61F190EB}" type="datetimeFigureOut">
               <a:rPr lang="en-GB" smtClean="0"/>
-              <a:t>20/03/2017</a:t>
+              <a:t>21/03/2017</a:t>
             </a:fld>
             <a:endParaRPr lang="en-GB"/>
           </a:p>
@@ -812,7 +812,7 @@
           <a:p>
             <a:fld id="{882B4400-920F-4BBC-B8AE-CD8E61F190EB}" type="datetimeFigureOut">
               <a:rPr lang="en-GB" smtClean="0"/>
-              <a:t>20/03/2017</a:t>
+              <a:t>21/03/2017</a:t>
             </a:fld>
             <a:endParaRPr lang="en-GB"/>
           </a:p>
@@ -1058,7 +1058,7 @@
           <a:p>
             <a:fld id="{882B4400-920F-4BBC-B8AE-CD8E61F190EB}" type="datetimeFigureOut">
               <a:rPr lang="en-GB" smtClean="0"/>
-              <a:t>20/03/2017</a:t>
+              <a:t>21/03/2017</a:t>
             </a:fld>
             <a:endParaRPr lang="en-GB"/>
           </a:p>
@@ -1346,7 +1346,7 @@
           <a:p>
             <a:fld id="{882B4400-920F-4BBC-B8AE-CD8E61F190EB}" type="datetimeFigureOut">
               <a:rPr lang="en-GB" smtClean="0"/>
-              <a:t>20/03/2017</a:t>
+              <a:t>21/03/2017</a:t>
             </a:fld>
             <a:endParaRPr lang="en-GB"/>
           </a:p>
@@ -1768,7 +1768,7 @@
           <a:p>
             <a:fld id="{882B4400-920F-4BBC-B8AE-CD8E61F190EB}" type="datetimeFigureOut">
               <a:rPr lang="en-GB" smtClean="0"/>
-              <a:t>20/03/2017</a:t>
+              <a:t>21/03/2017</a:t>
             </a:fld>
             <a:endParaRPr lang="en-GB"/>
           </a:p>
@@ -1886,7 +1886,7 @@
           <a:p>
             <a:fld id="{882B4400-920F-4BBC-B8AE-CD8E61F190EB}" type="datetimeFigureOut">
               <a:rPr lang="en-GB" smtClean="0"/>
-              <a:t>20/03/2017</a:t>
+              <a:t>21/03/2017</a:t>
             </a:fld>
             <a:endParaRPr lang="en-GB"/>
           </a:p>
@@ -1981,7 +1981,7 @@
           <a:p>
             <a:fld id="{882B4400-920F-4BBC-B8AE-CD8E61F190EB}" type="datetimeFigureOut">
               <a:rPr lang="en-GB" smtClean="0"/>
-              <a:t>20/03/2017</a:t>
+              <a:t>21/03/2017</a:t>
             </a:fld>
             <a:endParaRPr lang="en-GB"/>
           </a:p>
@@ -2258,7 +2258,7 @@
           <a:p>
             <a:fld id="{882B4400-920F-4BBC-B8AE-CD8E61F190EB}" type="datetimeFigureOut">
               <a:rPr lang="en-GB" smtClean="0"/>
-              <a:t>20/03/2017</a:t>
+              <a:t>21/03/2017</a:t>
             </a:fld>
             <a:endParaRPr lang="en-GB"/>
           </a:p>
@@ -2511,7 +2511,7 @@
           <a:p>
             <a:fld id="{882B4400-920F-4BBC-B8AE-CD8E61F190EB}" type="datetimeFigureOut">
               <a:rPr lang="en-GB" smtClean="0"/>
-              <a:t>20/03/2017</a:t>
+              <a:t>21/03/2017</a:t>
             </a:fld>
             <a:endParaRPr lang="en-GB"/>
           </a:p>
@@ -2724,7 +2724,7 @@
           <a:p>
             <a:fld id="{882B4400-920F-4BBC-B8AE-CD8E61F190EB}" type="datetimeFigureOut">
               <a:rPr lang="en-GB" smtClean="0"/>
-              <a:t>20/03/2017</a:t>
+              <a:t>21/03/2017</a:t>
             </a:fld>
             <a:endParaRPr lang="en-GB"/>
           </a:p>
@@ -4621,7 +4621,7 @@
         </p:nvCxnSpPr>
         <p:spPr>
           <a:xfrm>
-            <a:off x="2627784" y="2204864"/>
+            <a:off x="3728815" y="2204864"/>
             <a:ext cx="0" cy="3024336"/>
           </a:xfrm>
           <a:prstGeom prst="line">
@@ -4652,7 +4652,7 @@
         </p:nvCxnSpPr>
         <p:spPr>
           <a:xfrm>
-            <a:off x="3779912" y="2204864"/>
+            <a:off x="4880943" y="2204864"/>
             <a:ext cx="0" cy="3024336"/>
           </a:xfrm>
           <a:prstGeom prst="line">
@@ -4683,7 +4683,7 @@
         </p:nvCxnSpPr>
         <p:spPr>
           <a:xfrm>
-            <a:off x="4932040" y="2204864"/>
+            <a:off x="6033071" y="2204864"/>
             <a:ext cx="0" cy="3024336"/>
           </a:xfrm>
           <a:prstGeom prst="line">
@@ -4714,7 +4714,7 @@
         </p:nvSpPr>
         <p:spPr>
           <a:xfrm>
-            <a:off x="2123728" y="1556792"/>
+            <a:off x="3224759" y="1556792"/>
             <a:ext cx="1008112" cy="574323"/>
           </a:xfrm>
           <a:prstGeom prst="roundRect">
@@ -4758,7 +4758,7 @@
         </p:nvSpPr>
         <p:spPr>
           <a:xfrm>
-            <a:off x="3275856" y="1558533"/>
+            <a:off x="4376887" y="1558533"/>
             <a:ext cx="1008112" cy="574323"/>
           </a:xfrm>
           <a:prstGeom prst="roundRect">
@@ -4802,7 +4802,7 @@
         </p:nvSpPr>
         <p:spPr>
           <a:xfrm>
-            <a:off x="4427984" y="1558533"/>
+            <a:off x="5529015" y="1558533"/>
             <a:ext cx="1008112" cy="574323"/>
           </a:xfrm>
           <a:prstGeom prst="roundRect">
@@ -4846,7 +4846,7 @@
         </p:nvCxnSpPr>
         <p:spPr>
           <a:xfrm>
-            <a:off x="1475656" y="2204864"/>
+            <a:off x="2576687" y="2204864"/>
             <a:ext cx="0" cy="3024336"/>
           </a:xfrm>
           <a:prstGeom prst="line">
@@ -4877,7 +4877,7 @@
         </p:nvCxnSpPr>
         <p:spPr>
           <a:xfrm>
-            <a:off x="1583667" y="3645024"/>
+            <a:off x="2684698" y="3645024"/>
             <a:ext cx="2144040" cy="0"/>
           </a:xfrm>
           <a:prstGeom prst="straightConnector1">
@@ -4952,7 +4952,7 @@
         </p:nvCxnSpPr>
         <p:spPr>
           <a:xfrm>
-            <a:off x="3880107" y="4077072"/>
+            <a:off x="4981138" y="4077072"/>
             <a:ext cx="1008112" cy="0"/>
           </a:xfrm>
           <a:prstGeom prst="straightConnector1">
@@ -5019,8 +5019,8 @@
         </p:nvCxnSpPr>
         <p:spPr>
           <a:xfrm>
-            <a:off x="1583668" y="4545414"/>
-            <a:ext cx="3304551" cy="0"/>
+            <a:off x="1482146" y="4545414"/>
+            <a:ext cx="4507104" cy="0"/>
           </a:xfrm>
           <a:prstGeom prst="straightConnector1">
             <a:avLst/>
@@ -5133,7 +5133,7 @@
         </p:nvCxnSpPr>
         <p:spPr>
           <a:xfrm flipH="1">
-            <a:off x="4548088" y="1269630"/>
+            <a:off x="5844232" y="1269630"/>
             <a:ext cx="792088" cy="1152128"/>
           </a:xfrm>
           <a:prstGeom prst="line">
@@ -5168,7 +5168,7 @@
         </p:nvCxnSpPr>
         <p:spPr>
           <a:xfrm>
-            <a:off x="4548088" y="1269630"/>
+            <a:off x="5844232" y="1269630"/>
             <a:ext cx="792088" cy="1152128"/>
           </a:xfrm>
           <a:prstGeom prst="line">
@@ -5245,7 +5245,7 @@
         </p:nvCxnSpPr>
         <p:spPr>
           <a:xfrm flipV="1">
-            <a:off x="1583668" y="2744634"/>
+            <a:off x="2684699" y="2744634"/>
             <a:ext cx="2144039" cy="4109"/>
           </a:xfrm>
           <a:prstGeom prst="straightConnector1">
@@ -5293,7 +5293,7 @@
         </p:blipFill>
         <p:spPr bwMode="auto">
           <a:xfrm>
-            <a:off x="1166713" y="1489012"/>
+            <a:off x="2267744" y="1489012"/>
             <a:ext cx="833909" cy="657908"/>
           </a:xfrm>
           <a:prstGeom prst="rect">
@@ -5332,7 +5332,7 @@
         </p:nvCxnSpPr>
         <p:spPr>
           <a:xfrm flipH="1">
-            <a:off x="2259643" y="1256554"/>
+            <a:off x="3555787" y="1256554"/>
             <a:ext cx="792088" cy="1152128"/>
           </a:xfrm>
           <a:prstGeom prst="line">
@@ -5367,7 +5367,7 @@
         </p:nvCxnSpPr>
         <p:spPr>
           <a:xfrm>
-            <a:off x="2259643" y="1256554"/>
+            <a:off x="3555787" y="1256554"/>
             <a:ext cx="792088" cy="1152128"/>
           </a:xfrm>
           <a:prstGeom prst="line">
@@ -5394,6 +5394,91 @@
           </a:fontRef>
         </p:style>
       </p:cxnSp>
+      <p:cxnSp>
+        <p:nvCxnSpPr>
+          <p:cNvPr id="26" name="Straight Connector 25"/>
+          <p:cNvCxnSpPr/>
+          <p:nvPr/>
+        </p:nvCxnSpPr>
+        <p:spPr>
+          <a:xfrm>
+            <a:off x="1475656" y="2204864"/>
+            <a:ext cx="0" cy="3024336"/>
+          </a:xfrm>
+          <a:prstGeom prst="line">
+            <a:avLst/>
+          </a:prstGeom>
+          <a:ln w="15875"/>
+        </p:spPr>
+        <p:style>
+          <a:lnRef idx="1">
+            <a:schemeClr val="accent1"/>
+          </a:lnRef>
+          <a:fillRef idx="0">
+            <a:schemeClr val="accent1"/>
+          </a:fillRef>
+          <a:effectRef idx="0">
+            <a:schemeClr val="accent1"/>
+          </a:effectRef>
+          <a:fontRef idx="minor">
+            <a:schemeClr val="tx1"/>
+          </a:fontRef>
+        </p:style>
+      </p:cxnSp>
+      <p:pic>
+        <p:nvPicPr>
+          <p:cNvPr id="31" name="Picture 5"/>
+          <p:cNvPicPr>
+            <a:picLocks noChangeAspect="1" noChangeArrowheads="1"/>
+          </p:cNvPicPr>
+          <p:nvPr/>
+        </p:nvPicPr>
+        <p:blipFill>
+          <a:blip r:embed="rId3">
+            <a:extLst>
+              <a:ext uri="{28A0092B-C50C-407E-A947-70E740481C1C}">
+                <a14:useLocalDpi xmlns:a14="http://schemas.microsoft.com/office/drawing/2010/main" val="0"/>
+              </a:ext>
+            </a:extLst>
+          </a:blip>
+          <a:srcRect/>
+          <a:stretch>
+            <a:fillRect/>
+          </a:stretch>
+        </p:blipFill>
+        <p:spPr bwMode="auto">
+          <a:xfrm>
+            <a:off x="1327365" y="1289895"/>
+            <a:ext cx="309562" cy="842961"/>
+          </a:xfrm>
+          <a:prstGeom prst="rect">
+            <a:avLst/>
+          </a:prstGeom>
+          <a:noFill/>
+          <a:ln>
+            <a:noFill/>
+          </a:ln>
+          <a:extLst>
+            <a:ext uri="{909E8E84-426E-40DD-AFC4-6F175D3DCCD1}">
+              <a14:hiddenFill xmlns:a14="http://schemas.microsoft.com/office/drawing/2010/main">
+                <a:solidFill>
+                  <a:schemeClr val="accent1"/>
+                </a:solidFill>
+              </a14:hiddenFill>
+            </a:ext>
+            <a:ext uri="{91240B29-F687-4F45-9708-019B960494DF}">
+              <a14:hiddenLine xmlns:a14="http://schemas.microsoft.com/office/drawing/2010/main" w="9525">
+                <a:solidFill>
+                  <a:schemeClr val="tx1"/>
+                </a:solidFill>
+                <a:miter lim="800000"/>
+                <a:headEnd/>
+                <a:tailEnd/>
+              </a14:hiddenLine>
+            </a:ext>
+          </a:extLst>
+        </p:spPr>
+      </p:pic>
     </p:spTree>
     <p:extLst>
       <p:ext uri="{BB962C8B-B14F-4D97-AF65-F5344CB8AC3E}">
@@ -5526,23 +5611,7 @@
                   <a:srgbClr val="00B050"/>
                 </a:solidFill>
               </a:rPr>
-              <a:t>implementing </a:t>
-            </a:r>
-            <a:r>
-              <a:rPr lang="en-US" smtClean="0">
-                <a:solidFill>
-                  <a:srgbClr val="00B050"/>
-                </a:solidFill>
-              </a:rPr>
-              <a:t>a default </a:t>
-            </a:r>
-            <a:r>
-              <a:rPr lang="en-US" smtClean="0">
-                <a:solidFill>
-                  <a:srgbClr val="00B050"/>
-                </a:solidFill>
-              </a:rPr>
-              <a:t>mechanism for </a:t>
+              <a:t>implementing a default mechanism for </a:t>
             </a:r>
             <a:r>
               <a:rPr lang="en-US" dirty="0" smtClean="0">
@@ -5592,7 +5661,7 @@
       </p:sp>
       <p:pic>
         <p:nvPicPr>
-          <p:cNvPr id="3074" name="Picture 2"/>
+          <p:cNvPr id="1026" name="Picture 2"/>
           <p:cNvPicPr>
             <a:picLocks noChangeAspect="1" noChangeArrowheads="1"/>
           </p:cNvPicPr>
@@ -5613,8 +5682,8 @@
         </p:blipFill>
         <p:spPr bwMode="auto">
           <a:xfrm>
-            <a:off x="1540306" y="2996952"/>
-            <a:ext cx="6010275" cy="3581400"/>
+            <a:off x="1547664" y="3080530"/>
+            <a:ext cx="5991225" cy="3581400"/>
           </a:xfrm>
           <a:prstGeom prst="rect">
             <a:avLst/>

--- a/Doc/AppInfo.pptx
+++ b/Doc/AppInfo.pptx
@@ -6,9 +6,9 @@
   </p:sldMasterIdLst>
   <p:sldIdLst>
     <p:sldId id="256" r:id="rId2"/>
-    <p:sldId id="261" r:id="rId3"/>
-    <p:sldId id="259" r:id="rId4"/>
-    <p:sldId id="260" r:id="rId5"/>
+    <p:sldId id="259" r:id="rId3"/>
+    <p:sldId id="260" r:id="rId4"/>
+    <p:sldId id="263" r:id="rId5"/>
     <p:sldId id="262" r:id="rId6"/>
   </p:sldIdLst>
   <p:sldSz cx="9144000" cy="6858000" type="screen4x3"/>
@@ -3124,7 +3124,7 @@
             <a:pPr algn="ctr"/>
             <a:r>
               <a:rPr lang="de-DE" sz="3200" b="1" dirty="0" err="1" smtClean="0"/>
-              <a:t>TestDouble</a:t>
+              <a:t>TestDoubles</a:t>
             </a:r>
             <a:r>
               <a:rPr lang="de-DE" sz="3200" b="1" dirty="0" smtClean="0"/>
@@ -3163,24 +3163,24 @@
               <a:t> </a:t>
             </a:r>
             <a:r>
+              <a:rPr lang="de-DE" sz="3200" b="1" dirty="0" err="1"/>
+              <a:t>integration</a:t>
+            </a:r>
+            <a:r>
+              <a:rPr lang="de-DE" sz="3200" b="1" dirty="0"/>
+              <a:t> </a:t>
+            </a:r>
+            <a:r>
+              <a:rPr lang="de-DE" sz="3200" b="1" dirty="0" err="1" smtClean="0"/>
+              <a:t>testing</a:t>
+            </a:r>
+            <a:r>
+              <a:rPr lang="en-GB" sz="3200" b="1" dirty="0" smtClean="0"/>
+              <a:t> at </a:t>
+            </a:r>
+            <a:r>
               <a:rPr lang="de-DE" sz="3200" b="1" dirty="0" err="1" smtClean="0"/>
               <a:t>runtime</a:t>
-            </a:r>
-            <a:r>
-              <a:rPr lang="de-DE" sz="3200" b="1" dirty="0" smtClean="0"/>
-              <a:t> </a:t>
-            </a:r>
-            <a:r>
-              <a:rPr lang="de-DE" sz="3200" b="1" dirty="0" err="1" smtClean="0"/>
-              <a:t>integration</a:t>
-            </a:r>
-            <a:r>
-              <a:rPr lang="de-DE" sz="3200" b="1" dirty="0" smtClean="0"/>
-              <a:t> </a:t>
-            </a:r>
-            <a:r>
-              <a:rPr lang="de-DE" sz="3200" b="1" dirty="0" err="1" smtClean="0"/>
-              <a:t>testing</a:t>
             </a:r>
             <a:endParaRPr lang="en-GB" sz="3200" b="1" dirty="0"/>
           </a:p>
@@ -3223,397 +3223,21 @@
           <a:chExt cx="0" cy="0"/>
         </a:xfrm>
       </p:grpSpPr>
-      <p:sp>
-        <p:nvSpPr>
-          <p:cNvPr id="4" name="TextBox 3"/>
-          <p:cNvSpPr txBox="1"/>
+      <p:cxnSp>
+        <p:nvCxnSpPr>
+          <p:cNvPr id="5" name="Straight Connector 4"/>
+          <p:cNvCxnSpPr/>
           <p:nvPr/>
-        </p:nvSpPr>
-        <p:spPr>
-          <a:xfrm>
-            <a:off x="1763688" y="1628800"/>
-            <a:ext cx="5832648" cy="584775"/>
-          </a:xfrm>
-          <a:prstGeom prst="rect">
+        </p:nvCxnSpPr>
+        <p:spPr>
+          <a:xfrm>
+            <a:off x="2627784" y="2204864"/>
+            <a:ext cx="0" cy="3024336"/>
+          </a:xfrm>
+          <a:prstGeom prst="line">
             <a:avLst/>
           </a:prstGeom>
-          <a:noFill/>
-        </p:spPr>
-        <p:txBody>
-          <a:bodyPr wrap="square" rtlCol="0">
-            <a:spAutoFit/>
-          </a:bodyPr>
-          <a:lstStyle/>
-          <a:p>
-            <a:pPr algn="ctr"/>
-            <a:r>
-              <a:rPr lang="de-DE" sz="3200" b="1" dirty="0" err="1" smtClean="0"/>
-              <a:t>Application</a:t>
-            </a:r>
-            <a:r>
-              <a:rPr lang="de-DE" sz="3200" b="1" dirty="0" smtClean="0"/>
-              <a:t> Design</a:t>
-            </a:r>
-            <a:endParaRPr lang="en-GB" sz="3200" b="1" dirty="0"/>
-          </a:p>
-        </p:txBody>
-      </p:sp>
-      <p:sp>
-        <p:nvSpPr>
-          <p:cNvPr id="2" name="Rectangle 1"/>
-          <p:cNvSpPr/>
-          <p:nvPr/>
-        </p:nvSpPr>
-        <p:spPr>
-          <a:xfrm>
-            <a:off x="3059832" y="4464732"/>
-            <a:ext cx="1728192" cy="360040"/>
-          </a:xfrm>
-          <a:prstGeom prst="rect">
-            <a:avLst/>
-          </a:prstGeom>
-        </p:spPr>
-        <p:style>
-          <a:lnRef idx="2">
-            <a:schemeClr val="accent1">
-              <a:shade val="50000"/>
-            </a:schemeClr>
-          </a:lnRef>
-          <a:fillRef idx="1">
-            <a:schemeClr val="accent1"/>
-          </a:fillRef>
-          <a:effectRef idx="0">
-            <a:schemeClr val="accent1"/>
-          </a:effectRef>
-          <a:fontRef idx="minor">
-            <a:schemeClr val="lt1"/>
-          </a:fontRef>
-        </p:style>
-        <p:txBody>
-          <a:bodyPr rtlCol="0" anchor="ctr"/>
-          <a:lstStyle/>
-          <a:p>
-            <a:pPr algn="ctr"/>
-            <a:r>
-              <a:rPr lang="de-DE" dirty="0" smtClean="0"/>
-              <a:t>Receiver</a:t>
-            </a:r>
-            <a:endParaRPr lang="en-GB" dirty="0"/>
-          </a:p>
-        </p:txBody>
-      </p:sp>
-      <p:sp>
-        <p:nvSpPr>
-          <p:cNvPr id="5" name="Rectangle 4"/>
-          <p:cNvSpPr/>
-          <p:nvPr/>
-        </p:nvSpPr>
-        <p:spPr>
-          <a:xfrm>
-            <a:off x="323528" y="4464732"/>
-            <a:ext cx="1728192" cy="360040"/>
-          </a:xfrm>
-          <a:prstGeom prst="rect">
-            <a:avLst/>
-          </a:prstGeom>
-        </p:spPr>
-        <p:style>
-          <a:lnRef idx="2">
-            <a:schemeClr val="accent1">
-              <a:shade val="50000"/>
-            </a:schemeClr>
-          </a:lnRef>
-          <a:fillRef idx="1">
-            <a:schemeClr val="accent1"/>
-          </a:fillRef>
-          <a:effectRef idx="0">
-            <a:schemeClr val="accent1"/>
-          </a:effectRef>
-          <a:fontRef idx="minor">
-            <a:schemeClr val="lt1"/>
-          </a:fontRef>
-        </p:style>
-        <p:txBody>
-          <a:bodyPr rtlCol="0" anchor="ctr"/>
-          <a:lstStyle/>
-          <a:p>
-            <a:pPr algn="ctr"/>
-            <a:r>
-              <a:rPr lang="de-DE" dirty="0" smtClean="0"/>
-              <a:t>Sender</a:t>
-            </a:r>
-            <a:endParaRPr lang="en-GB" dirty="0"/>
-          </a:p>
-        </p:txBody>
-      </p:sp>
-      <p:sp>
-        <p:nvSpPr>
-          <p:cNvPr id="3" name="Rectangle 2"/>
-          <p:cNvSpPr/>
-          <p:nvPr/>
-        </p:nvSpPr>
-        <p:spPr>
-          <a:xfrm>
-            <a:off x="3051944" y="2636912"/>
-            <a:ext cx="1728192" cy="360040"/>
-          </a:xfrm>
-          <a:prstGeom prst="rect">
-            <a:avLst/>
-          </a:prstGeom>
-        </p:spPr>
-        <p:style>
-          <a:lnRef idx="2">
-            <a:schemeClr val="accent1">
-              <a:shade val="50000"/>
-            </a:schemeClr>
-          </a:lnRef>
-          <a:fillRef idx="1">
-            <a:schemeClr val="accent1"/>
-          </a:fillRef>
-          <a:effectRef idx="0">
-            <a:schemeClr val="accent1"/>
-          </a:effectRef>
-          <a:fontRef idx="minor">
-            <a:schemeClr val="lt1"/>
-          </a:fontRef>
-        </p:style>
-        <p:txBody>
-          <a:bodyPr rtlCol="0" anchor="ctr"/>
-          <a:lstStyle/>
-          <a:p>
-            <a:pPr algn="ctr"/>
-            <a:r>
-              <a:rPr lang="de-DE" dirty="0" err="1" smtClean="0"/>
-              <a:t>IFileWriter</a:t>
-            </a:r>
-            <a:endParaRPr lang="en-GB" dirty="0"/>
-          </a:p>
-        </p:txBody>
-      </p:sp>
-      <p:cxnSp>
-        <p:nvCxnSpPr>
-          <p:cNvPr id="7" name="Straight Arrow Connector 6"/>
-          <p:cNvCxnSpPr>
-            <a:stCxn id="3" idx="2"/>
-            <a:endCxn id="10" idx="0"/>
-          </p:cNvCxnSpPr>
-          <p:nvPr/>
-        </p:nvCxnSpPr>
-        <p:spPr>
-          <a:xfrm>
-            <a:off x="3916040" y="2996952"/>
-            <a:ext cx="0" cy="792088"/>
-          </a:xfrm>
-          <a:prstGeom prst="straightConnector1">
-            <a:avLst/>
-          </a:prstGeom>
-          <a:ln>
-            <a:tailEnd type="arrow"/>
-          </a:ln>
-        </p:spPr>
-        <p:style>
-          <a:lnRef idx="1">
-            <a:schemeClr val="accent1"/>
-          </a:lnRef>
-          <a:fillRef idx="0">
-            <a:schemeClr val="accent1"/>
-          </a:fillRef>
-          <a:effectRef idx="0">
-            <a:schemeClr val="accent1"/>
-          </a:effectRef>
-          <a:fontRef idx="minor">
-            <a:schemeClr val="tx1"/>
-          </a:fontRef>
-        </p:style>
-      </p:cxnSp>
-      <p:sp>
-        <p:nvSpPr>
-          <p:cNvPr id="10" name="Rectangle 9"/>
-          <p:cNvSpPr/>
-          <p:nvPr/>
-        </p:nvSpPr>
-        <p:spPr>
-          <a:xfrm>
-            <a:off x="3051944" y="3789040"/>
-            <a:ext cx="1728192" cy="360040"/>
-          </a:xfrm>
-          <a:prstGeom prst="rect">
-            <a:avLst/>
-          </a:prstGeom>
-        </p:spPr>
-        <p:style>
-          <a:lnRef idx="2">
-            <a:schemeClr val="accent1">
-              <a:shade val="50000"/>
-            </a:schemeClr>
-          </a:lnRef>
-          <a:fillRef idx="1">
-            <a:schemeClr val="accent1"/>
-          </a:fillRef>
-          <a:effectRef idx="0">
-            <a:schemeClr val="accent1"/>
-          </a:effectRef>
-          <a:fontRef idx="minor">
-            <a:schemeClr val="lt1"/>
-          </a:fontRef>
-        </p:style>
-        <p:txBody>
-          <a:bodyPr rtlCol="0" anchor="ctr"/>
-          <a:lstStyle/>
-          <a:p>
-            <a:pPr algn="ctr"/>
-            <a:r>
-              <a:rPr lang="de-DE" dirty="0" err="1" smtClean="0"/>
-              <a:t>FileWriter</a:t>
-            </a:r>
-            <a:endParaRPr lang="en-GB" dirty="0"/>
-          </a:p>
-        </p:txBody>
-      </p:sp>
-      <p:cxnSp>
-        <p:nvCxnSpPr>
-          <p:cNvPr id="12" name="Straight Arrow Connector 11"/>
-          <p:cNvCxnSpPr>
-            <a:stCxn id="10" idx="2"/>
-            <a:endCxn id="2" idx="0"/>
-          </p:cNvCxnSpPr>
-          <p:nvPr/>
-        </p:nvCxnSpPr>
-        <p:spPr>
-          <a:xfrm>
-            <a:off x="3916040" y="4149080"/>
-            <a:ext cx="7888" cy="315652"/>
-          </a:xfrm>
-          <a:prstGeom prst="straightConnector1">
-            <a:avLst/>
-          </a:prstGeom>
-          <a:ln>
-            <a:tailEnd type="arrow"/>
-          </a:ln>
-        </p:spPr>
-        <p:style>
-          <a:lnRef idx="1">
-            <a:schemeClr val="accent1"/>
-          </a:lnRef>
-          <a:fillRef idx="0">
-            <a:schemeClr val="accent1"/>
-          </a:fillRef>
-          <a:effectRef idx="0">
-            <a:schemeClr val="accent1"/>
-          </a:effectRef>
-          <a:fontRef idx="minor">
-            <a:schemeClr val="tx1"/>
-          </a:fontRef>
-        </p:style>
-      </p:cxnSp>
-      <p:sp>
-        <p:nvSpPr>
-          <p:cNvPr id="15" name="Rectangle 14"/>
-          <p:cNvSpPr/>
-          <p:nvPr/>
-        </p:nvSpPr>
-        <p:spPr>
-          <a:xfrm>
-            <a:off x="5004048" y="3789040"/>
-            <a:ext cx="1728192" cy="360040"/>
-          </a:xfrm>
-          <a:prstGeom prst="rect">
-            <a:avLst/>
-          </a:prstGeom>
-        </p:spPr>
-        <p:style>
-          <a:lnRef idx="2">
-            <a:schemeClr val="accent1">
-              <a:shade val="50000"/>
-            </a:schemeClr>
-          </a:lnRef>
-          <a:fillRef idx="1">
-            <a:schemeClr val="accent1"/>
-          </a:fillRef>
-          <a:effectRef idx="0">
-            <a:schemeClr val="accent1"/>
-          </a:effectRef>
-          <a:fontRef idx="minor">
-            <a:schemeClr val="lt1"/>
-          </a:fontRef>
-        </p:style>
-        <p:txBody>
-          <a:bodyPr rtlCol="0" anchor="ctr"/>
-          <a:lstStyle/>
-          <a:p>
-            <a:pPr algn="ctr"/>
-            <a:r>
-              <a:rPr lang="de-DE" sz="1200" dirty="0" err="1" smtClean="0"/>
-              <a:t>FileManagerSimpleStub</a:t>
-            </a:r>
-            <a:endParaRPr lang="en-GB" sz="1200" dirty="0"/>
-          </a:p>
-        </p:txBody>
-      </p:sp>
-      <p:sp>
-        <p:nvSpPr>
-          <p:cNvPr id="16" name="Rectangle 15"/>
-          <p:cNvSpPr/>
-          <p:nvPr/>
-        </p:nvSpPr>
-        <p:spPr>
-          <a:xfrm>
-            <a:off x="7020272" y="3789040"/>
-            <a:ext cx="1728192" cy="360040"/>
-          </a:xfrm>
-          <a:prstGeom prst="rect">
-            <a:avLst/>
-          </a:prstGeom>
-        </p:spPr>
-        <p:style>
-          <a:lnRef idx="2">
-            <a:schemeClr val="accent1">
-              <a:shade val="50000"/>
-            </a:schemeClr>
-          </a:lnRef>
-          <a:fillRef idx="1">
-            <a:schemeClr val="accent1"/>
-          </a:fillRef>
-          <a:effectRef idx="0">
-            <a:schemeClr val="accent1"/>
-          </a:effectRef>
-          <a:fontRef idx="minor">
-            <a:schemeClr val="lt1"/>
-          </a:fontRef>
-        </p:style>
-        <p:txBody>
-          <a:bodyPr rtlCol="0" anchor="ctr"/>
-          <a:lstStyle/>
-          <a:p>
-            <a:pPr algn="ctr"/>
-            <a:r>
-              <a:rPr lang="de-DE" sz="1200" dirty="0" err="1" smtClean="0"/>
-              <a:t>FileManagerFunnyStub</a:t>
-            </a:r>
-            <a:endParaRPr lang="en-GB" sz="1200" dirty="0"/>
-          </a:p>
-        </p:txBody>
-      </p:sp>
-      <p:cxnSp>
-        <p:nvCxnSpPr>
-          <p:cNvPr id="18" name="Elbow Connector 17"/>
-          <p:cNvCxnSpPr>
-            <a:stCxn id="3" idx="3"/>
-            <a:endCxn id="15" idx="0"/>
-          </p:cNvCxnSpPr>
-          <p:nvPr/>
-        </p:nvCxnSpPr>
-        <p:spPr>
-          <a:xfrm>
-            <a:off x="4780136" y="2816932"/>
-            <a:ext cx="1088008" cy="972108"/>
-          </a:xfrm>
-          <a:prstGeom prst="bentConnector2">
-            <a:avLst/>
-          </a:prstGeom>
-          <a:ln>
-            <a:tailEnd type="arrow"/>
-          </a:ln>
+          <a:ln w="15875"/>
         </p:spPr>
         <p:style>
           <a:lnRef idx="1">
@@ -3632,24 +3256,19 @@
       </p:cxnSp>
       <p:cxnSp>
         <p:nvCxnSpPr>
-          <p:cNvPr id="20" name="Elbow Connector 19"/>
-          <p:cNvCxnSpPr>
-            <a:stCxn id="3" idx="3"/>
-            <a:endCxn id="16" idx="0"/>
-          </p:cNvCxnSpPr>
+          <p:cNvPr id="6" name="Straight Connector 5"/>
+          <p:cNvCxnSpPr/>
           <p:nvPr/>
         </p:nvCxnSpPr>
         <p:spPr>
           <a:xfrm>
-            <a:off x="4780136" y="2816932"/>
-            <a:ext cx="3104232" cy="972108"/>
-          </a:xfrm>
-          <a:prstGeom prst="bentConnector2">
+            <a:off x="3779912" y="2204864"/>
+            <a:ext cx="0" cy="3024336"/>
+          </a:xfrm>
+          <a:prstGeom prst="line">
             <a:avLst/>
           </a:prstGeom>
-          <a:ln>
-            <a:tailEnd type="arrow"/>
-          </a:ln>
+          <a:ln w="15875"/>
         </p:spPr>
         <p:style>
           <a:lnRef idx="1">
@@ -3668,25 +3287,182 @@
       </p:cxnSp>
       <p:cxnSp>
         <p:nvCxnSpPr>
-          <p:cNvPr id="22" name="Elbow Connector 21"/>
-          <p:cNvCxnSpPr>
-            <a:stCxn id="15" idx="2"/>
-            <a:endCxn id="2" idx="3"/>
-          </p:cNvCxnSpPr>
+          <p:cNvPr id="7" name="Straight Connector 6"/>
+          <p:cNvCxnSpPr/>
           <p:nvPr/>
         </p:nvCxnSpPr>
         <p:spPr>
-          <a:xfrm rot="5400000">
-            <a:off x="5080248" y="3856856"/>
-            <a:ext cx="495672" cy="1080120"/>
-          </a:xfrm>
-          <a:prstGeom prst="bentConnector2">
+          <a:xfrm>
+            <a:off x="4932040" y="2204864"/>
+            <a:ext cx="0" cy="3024336"/>
+          </a:xfrm>
+          <a:prstGeom prst="line">
             <a:avLst/>
           </a:prstGeom>
-          <a:ln w="12700">
-            <a:prstDash val="sysDot"/>
-            <a:tailEnd type="arrow"/>
-          </a:ln>
+          <a:ln w="15875"/>
+        </p:spPr>
+        <p:style>
+          <a:lnRef idx="1">
+            <a:schemeClr val="accent1"/>
+          </a:lnRef>
+          <a:fillRef idx="0">
+            <a:schemeClr val="accent1"/>
+          </a:fillRef>
+          <a:effectRef idx="0">
+            <a:schemeClr val="accent1"/>
+          </a:effectRef>
+          <a:fontRef idx="minor">
+            <a:schemeClr val="tx1"/>
+          </a:fontRef>
+        </p:style>
+      </p:cxnSp>
+      <p:sp>
+        <p:nvSpPr>
+          <p:cNvPr id="8" name="Rounded Rectangle 7"/>
+          <p:cNvSpPr/>
+          <p:nvPr/>
+        </p:nvSpPr>
+        <p:spPr>
+          <a:xfrm>
+            <a:off x="2123728" y="1556792"/>
+            <a:ext cx="1008112" cy="574323"/>
+          </a:xfrm>
+          <a:prstGeom prst="roundRect">
+            <a:avLst/>
+          </a:prstGeom>
+        </p:spPr>
+        <p:style>
+          <a:lnRef idx="2">
+            <a:schemeClr val="accent1">
+              <a:shade val="50000"/>
+            </a:schemeClr>
+          </a:lnRef>
+          <a:fillRef idx="1">
+            <a:schemeClr val="accent1"/>
+          </a:fillRef>
+          <a:effectRef idx="0">
+            <a:schemeClr val="accent1"/>
+          </a:effectRef>
+          <a:fontRef idx="minor">
+            <a:schemeClr val="lt1"/>
+          </a:fontRef>
+        </p:style>
+        <p:txBody>
+          <a:bodyPr rtlCol="0" anchor="ctr"/>
+          <a:lstStyle/>
+          <a:p>
+            <a:pPr algn="ctr"/>
+            <a:r>
+              <a:rPr lang="de-DE" sz="1600" dirty="0" smtClean="0"/>
+              <a:t>Sender</a:t>
+            </a:r>
+            <a:endParaRPr lang="en-GB" sz="1600" dirty="0"/>
+          </a:p>
+        </p:txBody>
+      </p:sp>
+      <p:sp>
+        <p:nvSpPr>
+          <p:cNvPr id="10" name="Rounded Rectangle 9"/>
+          <p:cNvSpPr/>
+          <p:nvPr/>
+        </p:nvSpPr>
+        <p:spPr>
+          <a:xfrm>
+            <a:off x="3275856" y="1558533"/>
+            <a:ext cx="1008112" cy="574323"/>
+          </a:xfrm>
+          <a:prstGeom prst="roundRect">
+            <a:avLst/>
+          </a:prstGeom>
+        </p:spPr>
+        <p:style>
+          <a:lnRef idx="2">
+            <a:schemeClr val="accent1">
+              <a:shade val="50000"/>
+            </a:schemeClr>
+          </a:lnRef>
+          <a:fillRef idx="1">
+            <a:schemeClr val="accent1"/>
+          </a:fillRef>
+          <a:effectRef idx="0">
+            <a:schemeClr val="accent1"/>
+          </a:effectRef>
+          <a:fontRef idx="minor">
+            <a:schemeClr val="lt1"/>
+          </a:fontRef>
+        </p:style>
+        <p:txBody>
+          <a:bodyPr rtlCol="0" anchor="ctr"/>
+          <a:lstStyle/>
+          <a:p>
+            <a:pPr algn="ctr"/>
+            <a:r>
+              <a:rPr lang="de-DE" sz="1600" dirty="0" smtClean="0"/>
+              <a:t>Receiver</a:t>
+            </a:r>
+            <a:endParaRPr lang="en-GB" sz="1600" dirty="0"/>
+          </a:p>
+        </p:txBody>
+      </p:sp>
+      <p:sp>
+        <p:nvSpPr>
+          <p:cNvPr id="11" name="Rounded Rectangle 10"/>
+          <p:cNvSpPr/>
+          <p:nvPr/>
+        </p:nvSpPr>
+        <p:spPr>
+          <a:xfrm>
+            <a:off x="4427984" y="1558533"/>
+            <a:ext cx="1008112" cy="574323"/>
+          </a:xfrm>
+          <a:prstGeom prst="roundRect">
+            <a:avLst/>
+          </a:prstGeom>
+        </p:spPr>
+        <p:style>
+          <a:lnRef idx="2">
+            <a:schemeClr val="accent1">
+              <a:shade val="50000"/>
+            </a:schemeClr>
+          </a:lnRef>
+          <a:fillRef idx="1">
+            <a:schemeClr val="accent1"/>
+          </a:fillRef>
+          <a:effectRef idx="0">
+            <a:schemeClr val="accent1"/>
+          </a:effectRef>
+          <a:fontRef idx="minor">
+            <a:schemeClr val="lt1"/>
+          </a:fontRef>
+        </p:style>
+        <p:txBody>
+          <a:bodyPr rtlCol="0" anchor="ctr"/>
+          <a:lstStyle/>
+          <a:p>
+            <a:pPr algn="ctr"/>
+            <a:r>
+              <a:rPr lang="de-DE" sz="1600" dirty="0" smtClean="0"/>
+              <a:t>File System</a:t>
+            </a:r>
+            <a:endParaRPr lang="en-GB" sz="1600" dirty="0"/>
+          </a:p>
+        </p:txBody>
+      </p:sp>
+      <p:cxnSp>
+        <p:nvCxnSpPr>
+          <p:cNvPr id="12" name="Straight Connector 11"/>
+          <p:cNvCxnSpPr/>
+          <p:nvPr/>
+        </p:nvCxnSpPr>
+        <p:spPr>
+          <a:xfrm>
+            <a:off x="1475656" y="2204864"/>
+            <a:ext cx="0" cy="3024336"/>
+          </a:xfrm>
+          <a:prstGeom prst="line">
+            <a:avLst/>
+          </a:prstGeom>
+          <a:ln w="15875"/>
         </p:spPr>
         <p:style>
           <a:lnRef idx="1">
@@ -3705,22 +3481,19 @@
       </p:cxnSp>
       <p:cxnSp>
         <p:nvCxnSpPr>
-          <p:cNvPr id="24" name="Elbow Connector 23"/>
-          <p:cNvCxnSpPr>
-            <a:stCxn id="16" idx="2"/>
-          </p:cNvCxnSpPr>
+          <p:cNvPr id="15" name="Straight Arrow Connector 14"/>
+          <p:cNvCxnSpPr/>
           <p:nvPr/>
         </p:nvCxnSpPr>
         <p:spPr>
-          <a:xfrm rot="5400000">
-            <a:off x="6034354" y="2794738"/>
-            <a:ext cx="495672" cy="3204356"/>
-          </a:xfrm>
-          <a:prstGeom prst="bentConnector2">
+          <a:xfrm>
+            <a:off x="1547664" y="2492896"/>
+            <a:ext cx="1008112" cy="0"/>
+          </a:xfrm>
+          <a:prstGeom prst="straightConnector1">
             <a:avLst/>
           </a:prstGeom>
-          <a:ln w="12700">
-            <a:prstDash val="sysDot"/>
+          <a:ln>
             <a:tailEnd type="arrow"/>
           </a:ln>
         </p:spPr>
@@ -3741,61 +3514,48 @@
       </p:cxnSp>
       <p:sp>
         <p:nvSpPr>
-          <p:cNvPr id="26" name="Rectangle 25"/>
-          <p:cNvSpPr/>
+          <p:cNvPr id="16" name="TextBox 15"/>
+          <p:cNvSpPr txBox="1"/>
           <p:nvPr/>
         </p:nvSpPr>
         <p:spPr>
           <a:xfrm>
-            <a:off x="6332252" y="2291019"/>
-            <a:ext cx="1728192" cy="360040"/>
+            <a:off x="179512" y="2420888"/>
+            <a:ext cx="1152128" cy="215444"/>
           </a:xfrm>
           <a:prstGeom prst="rect">
             <a:avLst/>
           </a:prstGeom>
-        </p:spPr>
-        <p:style>
-          <a:lnRef idx="2">
-            <a:schemeClr val="accent1">
-              <a:shade val="50000"/>
-            </a:schemeClr>
-          </a:lnRef>
-          <a:fillRef idx="1">
-            <a:schemeClr val="accent1"/>
-          </a:fillRef>
-          <a:effectRef idx="0">
-            <a:schemeClr val="accent1"/>
-          </a:effectRef>
-          <a:fontRef idx="minor">
-            <a:schemeClr val="lt1"/>
-          </a:fontRef>
-        </p:style>
-        <p:txBody>
-          <a:bodyPr rtlCol="0" anchor="ctr"/>
-          <a:lstStyle/>
-          <a:p>
-            <a:pPr algn="ctr"/>
-            <a:r>
-              <a:rPr lang="de-DE" sz="1200" dirty="0" err="1" smtClean="0"/>
-              <a:t>SetConfiguration</a:t>
-            </a:r>
-            <a:endParaRPr lang="en-GB" sz="1200" dirty="0"/>
+          <a:noFill/>
+        </p:spPr>
+        <p:txBody>
+          <a:bodyPr wrap="square" rtlCol="0">
+            <a:spAutoFit/>
+          </a:bodyPr>
+          <a:lstStyle/>
+          <a:p>
+            <a:r>
+              <a:rPr lang="de-DE" sz="800" b="1" dirty="0" smtClean="0"/>
+              <a:t>1) Write a </a:t>
+            </a:r>
+            <a:r>
+              <a:rPr lang="de-DE" sz="800" b="1" dirty="0" err="1" smtClean="0"/>
+              <a:t>message</a:t>
+            </a:r>
+            <a:endParaRPr lang="en-GB" sz="800" b="1" dirty="0"/>
           </a:p>
         </p:txBody>
       </p:sp>
       <p:cxnSp>
         <p:nvCxnSpPr>
-          <p:cNvPr id="36" name="Straight Arrow Connector 35"/>
-          <p:cNvCxnSpPr>
-            <a:stCxn id="26" idx="2"/>
-            <a:endCxn id="15" idx="0"/>
-          </p:cNvCxnSpPr>
+          <p:cNvPr id="17" name="Straight Arrow Connector 16"/>
+          <p:cNvCxnSpPr/>
           <p:nvPr/>
         </p:nvCxnSpPr>
         <p:spPr>
-          <a:xfrm flipH="1">
-            <a:off x="5868144" y="2651059"/>
-            <a:ext cx="1328204" cy="1137981"/>
+          <a:xfrm>
+            <a:off x="2719595" y="2924944"/>
+            <a:ext cx="1008112" cy="0"/>
           </a:xfrm>
           <a:prstGeom prst="straightConnector1">
             <a:avLst/>
@@ -3819,19 +3579,58 @@
           </a:fontRef>
         </p:style>
       </p:cxnSp>
+      <p:sp>
+        <p:nvSpPr>
+          <p:cNvPr id="18" name="TextBox 17"/>
+          <p:cNvSpPr txBox="1"/>
+          <p:nvPr/>
+        </p:nvSpPr>
+        <p:spPr>
+          <a:xfrm>
+            <a:off x="179512" y="2852356"/>
+            <a:ext cx="1152128" cy="215444"/>
+          </a:xfrm>
+          <a:prstGeom prst="rect">
+            <a:avLst/>
+          </a:prstGeom>
+          <a:noFill/>
+        </p:spPr>
+        <p:txBody>
+          <a:bodyPr wrap="square" rtlCol="0">
+            <a:spAutoFit/>
+          </a:bodyPr>
+          <a:lstStyle/>
+          <a:p>
+            <a:r>
+              <a:rPr lang="de-DE" sz="800" b="1" dirty="0" smtClean="0"/>
+              <a:t>2) Send </a:t>
+            </a:r>
+            <a:r>
+              <a:rPr lang="de-DE" sz="800" b="1" dirty="0" err="1" smtClean="0"/>
+              <a:t>the</a:t>
+            </a:r>
+            <a:r>
+              <a:rPr lang="de-DE" sz="800" b="1" dirty="0" smtClean="0"/>
+              <a:t> </a:t>
+            </a:r>
+            <a:r>
+              <a:rPr lang="de-DE" sz="800" b="1" dirty="0" err="1" smtClean="0"/>
+              <a:t>message</a:t>
+            </a:r>
+            <a:endParaRPr lang="en-GB" sz="800" b="1" dirty="0"/>
+          </a:p>
+        </p:txBody>
+      </p:sp>
       <p:cxnSp>
         <p:nvCxnSpPr>
-          <p:cNvPr id="38" name="Straight Arrow Connector 37"/>
-          <p:cNvCxnSpPr>
-            <a:stCxn id="26" idx="2"/>
-            <a:endCxn id="16" idx="0"/>
-          </p:cNvCxnSpPr>
+          <p:cNvPr id="19" name="Straight Arrow Connector 18"/>
+          <p:cNvCxnSpPr/>
           <p:nvPr/>
         </p:nvCxnSpPr>
         <p:spPr>
           <a:xfrm>
-            <a:off x="7196348" y="2651059"/>
-            <a:ext cx="688020" cy="1137981"/>
+            <a:off x="3880107" y="3356992"/>
+            <a:ext cx="1008112" cy="0"/>
           </a:xfrm>
           <a:prstGeom prst="straightConnector1">
             <a:avLst/>
@@ -3855,10 +3654,263 @@
           </a:fontRef>
         </p:style>
       </p:cxnSp>
+      <p:sp>
+        <p:nvSpPr>
+          <p:cNvPr id="20" name="TextBox 19"/>
+          <p:cNvSpPr txBox="1"/>
+          <p:nvPr/>
+        </p:nvSpPr>
+        <p:spPr>
+          <a:xfrm>
+            <a:off x="202515" y="3249270"/>
+            <a:ext cx="1152128" cy="215444"/>
+          </a:xfrm>
+          <a:prstGeom prst="rect">
+            <a:avLst/>
+          </a:prstGeom>
+          <a:noFill/>
+        </p:spPr>
+        <p:txBody>
+          <a:bodyPr wrap="square" rtlCol="0">
+            <a:spAutoFit/>
+          </a:bodyPr>
+          <a:lstStyle/>
+          <a:p>
+            <a:r>
+              <a:rPr lang="de-DE" sz="800" b="1" dirty="0" smtClean="0"/>
+              <a:t>3) </a:t>
+            </a:r>
+            <a:r>
+              <a:rPr lang="de-DE" sz="800" b="1" dirty="0" err="1" smtClean="0"/>
+              <a:t>Persist</a:t>
+            </a:r>
+            <a:r>
+              <a:rPr lang="de-DE" sz="800" b="1" dirty="0" smtClean="0"/>
+              <a:t>  </a:t>
+            </a:r>
+            <a:r>
+              <a:rPr lang="de-DE" sz="800" b="1" dirty="0" err="1" smtClean="0"/>
+              <a:t>the</a:t>
+            </a:r>
+            <a:r>
+              <a:rPr lang="de-DE" sz="800" b="1" dirty="0" smtClean="0"/>
+              <a:t> </a:t>
+            </a:r>
+            <a:r>
+              <a:rPr lang="de-DE" sz="800" b="1" dirty="0" err="1" smtClean="0"/>
+              <a:t>message</a:t>
+            </a:r>
+            <a:endParaRPr lang="en-GB" sz="800" b="1" dirty="0"/>
+          </a:p>
+        </p:txBody>
+      </p:sp>
+      <p:cxnSp>
+        <p:nvCxnSpPr>
+          <p:cNvPr id="21" name="Straight Arrow Connector 20"/>
+          <p:cNvCxnSpPr/>
+          <p:nvPr/>
+        </p:nvCxnSpPr>
+        <p:spPr>
+          <a:xfrm>
+            <a:off x="1583668" y="3825334"/>
+            <a:ext cx="3304551" cy="0"/>
+          </a:xfrm>
+          <a:prstGeom prst="straightConnector1">
+            <a:avLst/>
+          </a:prstGeom>
+          <a:ln>
+            <a:tailEnd type="arrow"/>
+          </a:ln>
+        </p:spPr>
+        <p:style>
+          <a:lnRef idx="1">
+            <a:schemeClr val="accent1"/>
+          </a:lnRef>
+          <a:fillRef idx="0">
+            <a:schemeClr val="accent1"/>
+          </a:fillRef>
+          <a:effectRef idx="0">
+            <a:schemeClr val="accent1"/>
+          </a:effectRef>
+          <a:fontRef idx="minor">
+            <a:schemeClr val="tx1"/>
+          </a:fontRef>
+        </p:style>
+      </p:cxnSp>
+      <p:sp>
+        <p:nvSpPr>
+          <p:cNvPr id="22" name="TextBox 21"/>
+          <p:cNvSpPr txBox="1"/>
+          <p:nvPr/>
+        </p:nvSpPr>
+        <p:spPr>
+          <a:xfrm>
+            <a:off x="179512" y="3689867"/>
+            <a:ext cx="1152128" cy="215444"/>
+          </a:xfrm>
+          <a:prstGeom prst="rect">
+            <a:avLst/>
+          </a:prstGeom>
+          <a:noFill/>
+        </p:spPr>
+        <p:txBody>
+          <a:bodyPr wrap="square" rtlCol="0">
+            <a:spAutoFit/>
+          </a:bodyPr>
+          <a:lstStyle/>
+          <a:p>
+            <a:r>
+              <a:rPr lang="de-DE" sz="800" b="1" dirty="0" smtClean="0"/>
+              <a:t>4) Check on </a:t>
+            </a:r>
+            <a:r>
+              <a:rPr lang="de-DE" sz="800" b="1" dirty="0" err="1" smtClean="0"/>
+              <a:t>console</a:t>
+            </a:r>
+            <a:endParaRPr lang="en-GB" sz="800" b="1" dirty="0"/>
+          </a:p>
+        </p:txBody>
+      </p:sp>
+      <p:sp>
+        <p:nvSpPr>
+          <p:cNvPr id="24" name="TextBox 23"/>
+          <p:cNvSpPr txBox="1"/>
+          <p:nvPr/>
+        </p:nvSpPr>
+        <p:spPr>
+          <a:xfrm>
+            <a:off x="0" y="620688"/>
+            <a:ext cx="9144000" cy="584775"/>
+          </a:xfrm>
+          <a:prstGeom prst="rect">
+            <a:avLst/>
+          </a:prstGeom>
+          <a:noFill/>
+        </p:spPr>
+        <p:txBody>
+          <a:bodyPr wrap="square" rtlCol="0">
+            <a:spAutoFit/>
+          </a:bodyPr>
+          <a:lstStyle/>
+          <a:p>
+            <a:pPr algn="ctr"/>
+            <a:r>
+              <a:rPr lang="de-DE" sz="3200" b="1" dirty="0" smtClean="0"/>
+              <a:t>Standard </a:t>
+            </a:r>
+            <a:r>
+              <a:rPr lang="de-DE" sz="3200" b="1" dirty="0" err="1" smtClean="0"/>
+              <a:t>app</a:t>
+            </a:r>
+            <a:r>
+              <a:rPr lang="de-DE" sz="3200" b="1" dirty="0" smtClean="0"/>
+              <a:t> </a:t>
+            </a:r>
+            <a:r>
+              <a:rPr lang="de-DE" sz="3200" b="1" dirty="0" err="1" smtClean="0"/>
+              <a:t>workflow</a:t>
+            </a:r>
+            <a:endParaRPr lang="en-GB" sz="3200" b="1" dirty="0"/>
+          </a:p>
+        </p:txBody>
+      </p:sp>
+      <p:sp>
+        <p:nvSpPr>
+          <p:cNvPr id="1033" name="AutoShape 4" descr="Image result for stylized person"/>
+          <p:cNvSpPr>
+            <a:spLocks noChangeAspect="1" noChangeArrowheads="1"/>
+          </p:cNvSpPr>
+          <p:nvPr/>
+        </p:nvSpPr>
+        <p:spPr bwMode="auto">
+          <a:xfrm>
+            <a:off x="0" y="-144463"/>
+            <a:ext cx="304800" cy="304801"/>
+          </a:xfrm>
+          <a:prstGeom prst="rect">
+            <a:avLst/>
+          </a:prstGeom>
+          <a:noFill/>
+          <a:extLst>
+            <a:ext uri="{909E8E84-426E-40DD-AFC4-6F175D3DCCD1}">
+              <a14:hiddenFill xmlns:a14="http://schemas.microsoft.com/office/drawing/2010/main">
+                <a:solidFill>
+                  <a:srgbClr val="FFFFFF"/>
+                </a:solidFill>
+              </a14:hiddenFill>
+            </a:ext>
+          </a:extLst>
+        </p:spPr>
+        <p:txBody>
+          <a:bodyPr vert="horz" wrap="square" lIns="91440" tIns="45720" rIns="91440" bIns="45720" numCol="1" anchor="t" anchorCtr="0" compatLnSpc="1">
+            <a:prstTxWarp prst="textNoShape">
+              <a:avLst/>
+            </a:prstTxWarp>
+          </a:bodyPr>
+          <a:lstStyle/>
+          <a:p>
+            <a:endParaRPr lang="en-GB"/>
+          </a:p>
+        </p:txBody>
+      </p:sp>
+      <p:pic>
+        <p:nvPicPr>
+          <p:cNvPr id="1034" name="Picture 5"/>
+          <p:cNvPicPr>
+            <a:picLocks noChangeAspect="1" noChangeArrowheads="1"/>
+          </p:cNvPicPr>
+          <p:nvPr/>
+        </p:nvPicPr>
+        <p:blipFill>
+          <a:blip r:embed="rId2">
+            <a:extLst>
+              <a:ext uri="{28A0092B-C50C-407E-A947-70E740481C1C}">
+                <a14:useLocalDpi xmlns:a14="http://schemas.microsoft.com/office/drawing/2010/main" val="0"/>
+              </a:ext>
+            </a:extLst>
+          </a:blip>
+          <a:srcRect/>
+          <a:stretch>
+            <a:fillRect/>
+          </a:stretch>
+        </p:blipFill>
+        <p:spPr bwMode="auto">
+          <a:xfrm>
+            <a:off x="1327365" y="1289895"/>
+            <a:ext cx="309562" cy="842961"/>
+          </a:xfrm>
+          <a:prstGeom prst="rect">
+            <a:avLst/>
+          </a:prstGeom>
+          <a:noFill/>
+          <a:ln>
+            <a:noFill/>
+          </a:ln>
+          <a:extLst>
+            <a:ext uri="{909E8E84-426E-40DD-AFC4-6F175D3DCCD1}">
+              <a14:hiddenFill xmlns:a14="http://schemas.microsoft.com/office/drawing/2010/main">
+                <a:solidFill>
+                  <a:schemeClr val="accent1"/>
+                </a:solidFill>
+              </a14:hiddenFill>
+            </a:ext>
+            <a:ext uri="{91240B29-F687-4F45-9708-019B960494DF}">
+              <a14:hiddenLine xmlns:a14="http://schemas.microsoft.com/office/drawing/2010/main" w="9525">
+                <a:solidFill>
+                  <a:schemeClr val="tx1"/>
+                </a:solidFill>
+                <a:miter lim="800000"/>
+                <a:headEnd/>
+                <a:tailEnd/>
+              </a14:hiddenLine>
+            </a:ext>
+          </a:extLst>
+        </p:spPr>
+      </p:pic>
     </p:spTree>
     <p:extLst>
       <p:ext uri="{BB962C8B-B14F-4D97-AF65-F5344CB8AC3E}">
-        <p14:creationId xmlns:p14="http://schemas.microsoft.com/office/powerpoint/2010/main" val="2575230704"/>
+        <p14:creationId xmlns:p14="http://schemas.microsoft.com/office/powerpoint/2010/main" val="3893828713"/>
       </p:ext>
     </p:extLst>
   </p:cSld>
@@ -3900,7 +3952,7 @@
         </p:nvCxnSpPr>
         <p:spPr>
           <a:xfrm>
-            <a:off x="2627784" y="2204864"/>
+            <a:off x="3728815" y="2204864"/>
             <a:ext cx="0" cy="3024336"/>
           </a:xfrm>
           <a:prstGeom prst="line">
@@ -3931,7 +3983,7 @@
         </p:nvCxnSpPr>
         <p:spPr>
           <a:xfrm>
-            <a:off x="3779912" y="2204864"/>
+            <a:off x="4880943" y="2204864"/>
             <a:ext cx="0" cy="3024336"/>
           </a:xfrm>
           <a:prstGeom prst="line">
@@ -3962,7 +4014,7 @@
         </p:nvCxnSpPr>
         <p:spPr>
           <a:xfrm>
-            <a:off x="4932040" y="2204864"/>
+            <a:off x="6033071" y="2204864"/>
             <a:ext cx="0" cy="3024336"/>
           </a:xfrm>
           <a:prstGeom prst="line">
@@ -3993,7 +4045,7 @@
         </p:nvSpPr>
         <p:spPr>
           <a:xfrm>
-            <a:off x="2123728" y="1556792"/>
+            <a:off x="3224759" y="1556792"/>
             <a:ext cx="1008112" cy="574323"/>
           </a:xfrm>
           <a:prstGeom prst="roundRect">
@@ -4037,7 +4089,7 @@
         </p:nvSpPr>
         <p:spPr>
           <a:xfrm>
-            <a:off x="3275856" y="1558533"/>
+            <a:off x="4376887" y="1558533"/>
             <a:ext cx="1008112" cy="574323"/>
           </a:xfrm>
           <a:prstGeom prst="roundRect">
@@ -4081,7 +4133,7 @@
         </p:nvSpPr>
         <p:spPr>
           <a:xfrm>
-            <a:off x="4427984" y="1558533"/>
+            <a:off x="5529015" y="1558533"/>
             <a:ext cx="1008112" cy="574323"/>
           </a:xfrm>
           <a:prstGeom prst="roundRect">
@@ -4125,7 +4177,7 @@
         </p:nvCxnSpPr>
         <p:spPr>
           <a:xfrm>
-            <a:off x="1475656" y="2204864"/>
+            <a:off x="2576687" y="2204864"/>
             <a:ext cx="0" cy="3024336"/>
           </a:xfrm>
           <a:prstGeom prst="line">
@@ -4150,14 +4202,14 @@
       </p:cxnSp>
       <p:cxnSp>
         <p:nvCxnSpPr>
-          <p:cNvPr id="15" name="Straight Arrow Connector 14"/>
+          <p:cNvPr id="17" name="Straight Arrow Connector 16"/>
           <p:cNvCxnSpPr/>
           <p:nvPr/>
         </p:nvCxnSpPr>
         <p:spPr>
           <a:xfrm>
-            <a:off x="1547664" y="2492896"/>
-            <a:ext cx="1008112" cy="0"/>
+            <a:off x="2684698" y="3645024"/>
+            <a:ext cx="2144040" cy="0"/>
           </a:xfrm>
           <a:prstGeom prst="straightConnector1">
             <a:avLst/>
@@ -4183,13 +4235,13 @@
       </p:cxnSp>
       <p:sp>
         <p:nvSpPr>
-          <p:cNvPr id="16" name="TextBox 15"/>
+          <p:cNvPr id="18" name="TextBox 17"/>
           <p:cNvSpPr txBox="1"/>
           <p:nvPr/>
         </p:nvSpPr>
         <p:spPr>
           <a:xfrm>
-            <a:off x="179512" y="2420888"/>
+            <a:off x="179512" y="3572436"/>
             <a:ext cx="1152128" cy="215444"/>
           </a:xfrm>
           <a:prstGeom prst="rect">
@@ -4205,7 +4257,15 @@
           <a:p>
             <a:r>
               <a:rPr lang="de-DE" sz="800" b="1" dirty="0" smtClean="0"/>
-              <a:t>1) Write a </a:t>
+              <a:t>2) Send </a:t>
+            </a:r>
+            <a:r>
+              <a:rPr lang="de-DE" sz="800" b="1" dirty="0" err="1" smtClean="0"/>
+              <a:t>the</a:t>
+            </a:r>
+            <a:r>
+              <a:rPr lang="de-DE" sz="800" b="1" dirty="0" smtClean="0"/>
+              <a:t> </a:t>
             </a:r>
             <a:r>
               <a:rPr lang="de-DE" sz="800" b="1" dirty="0" err="1" smtClean="0"/>
@@ -4217,13 +4277,13 @@
       </p:sp>
       <p:cxnSp>
         <p:nvCxnSpPr>
-          <p:cNvPr id="17" name="Straight Arrow Connector 16"/>
+          <p:cNvPr id="19" name="Straight Arrow Connector 18"/>
           <p:cNvCxnSpPr/>
           <p:nvPr/>
         </p:nvCxnSpPr>
         <p:spPr>
           <a:xfrm>
-            <a:off x="2719595" y="2924944"/>
+            <a:off x="4981138" y="4077072"/>
             <a:ext cx="1008112" cy="0"/>
           </a:xfrm>
           <a:prstGeom prst="straightConnector1">
@@ -4250,13 +4310,13 @@
       </p:cxnSp>
       <p:sp>
         <p:nvSpPr>
-          <p:cNvPr id="18" name="TextBox 17"/>
+          <p:cNvPr id="20" name="TextBox 19"/>
           <p:cNvSpPr txBox="1"/>
           <p:nvPr/>
         </p:nvSpPr>
         <p:spPr>
           <a:xfrm>
-            <a:off x="179512" y="2852356"/>
+            <a:off x="215339" y="3969350"/>
             <a:ext cx="1152128" cy="215444"/>
           </a:xfrm>
           <a:prstGeom prst="rect">
@@ -4272,19 +4332,11 @@
           <a:p>
             <a:r>
               <a:rPr lang="de-DE" sz="800" b="1" dirty="0" smtClean="0"/>
-              <a:t>2) Send </a:t>
+              <a:t>3) Write on </a:t>
             </a:r>
             <a:r>
               <a:rPr lang="de-DE" sz="800" b="1" dirty="0" err="1" smtClean="0"/>
-              <a:t>the</a:t>
-            </a:r>
-            <a:r>
-              <a:rPr lang="de-DE" sz="800" b="1" dirty="0" smtClean="0"/>
-              <a:t> </a:t>
-            </a:r>
-            <a:r>
-              <a:rPr lang="de-DE" sz="800" b="1" dirty="0" err="1" smtClean="0"/>
-              <a:t>message</a:t>
+              <a:t>console</a:t>
             </a:r>
             <a:endParaRPr lang="en-GB" sz="800" b="1" dirty="0"/>
           </a:p>
@@ -4292,14 +4344,14 @@
       </p:sp>
       <p:cxnSp>
         <p:nvCxnSpPr>
-          <p:cNvPr id="19" name="Straight Arrow Connector 18"/>
+          <p:cNvPr id="21" name="Straight Arrow Connector 20"/>
           <p:cNvCxnSpPr/>
           <p:nvPr/>
         </p:nvCxnSpPr>
         <p:spPr>
           <a:xfrm>
-            <a:off x="3880107" y="3356992"/>
-            <a:ext cx="1008112" cy="0"/>
+            <a:off x="1482146" y="4545414"/>
+            <a:ext cx="4507104" cy="0"/>
           </a:xfrm>
           <a:prstGeom prst="straightConnector1">
             <a:avLst/>
@@ -4325,13 +4377,13 @@
       </p:cxnSp>
       <p:sp>
         <p:nvSpPr>
-          <p:cNvPr id="20" name="TextBox 19"/>
+          <p:cNvPr id="22" name="TextBox 21"/>
           <p:cNvSpPr txBox="1"/>
           <p:nvPr/>
         </p:nvSpPr>
         <p:spPr>
           <a:xfrm>
-            <a:off x="202515" y="3249270"/>
+            <a:off x="179512" y="4409947"/>
             <a:ext cx="1152128" cy="215444"/>
           </a:xfrm>
           <a:prstGeom prst="rect">
@@ -4347,42 +4399,185 @@
           <a:p>
             <a:r>
               <a:rPr lang="de-DE" sz="800" b="1" dirty="0" smtClean="0"/>
-              <a:t>3) </a:t>
+              <a:t>4) Check on </a:t>
             </a:r>
             <a:r>
               <a:rPr lang="de-DE" sz="800" b="1" dirty="0" err="1" smtClean="0"/>
-              <a:t>Persist</a:t>
-            </a:r>
-            <a:r>
-              <a:rPr lang="de-DE" sz="800" b="1" dirty="0" smtClean="0"/>
-              <a:t>  </a:t>
-            </a:r>
-            <a:r>
-              <a:rPr lang="de-DE" sz="800" b="1" dirty="0" err="1" smtClean="0"/>
-              <a:t>the</a:t>
-            </a:r>
-            <a:r>
-              <a:rPr lang="de-DE" sz="800" b="1" dirty="0" smtClean="0"/>
-              <a:t> </a:t>
-            </a:r>
-            <a:r>
-              <a:rPr lang="de-DE" sz="800" b="1" dirty="0" err="1" smtClean="0"/>
-              <a:t>message</a:t>
+              <a:t>console</a:t>
             </a:r>
             <a:endParaRPr lang="en-GB" sz="800" b="1" dirty="0"/>
+          </a:p>
+        </p:txBody>
+      </p:sp>
+      <p:sp>
+        <p:nvSpPr>
+          <p:cNvPr id="24" name="TextBox 23"/>
+          <p:cNvSpPr txBox="1"/>
+          <p:nvPr/>
+        </p:nvSpPr>
+        <p:spPr>
+          <a:xfrm>
+            <a:off x="0" y="620688"/>
+            <a:ext cx="9144000" cy="584775"/>
+          </a:xfrm>
+          <a:prstGeom prst="rect">
+            <a:avLst/>
+          </a:prstGeom>
+          <a:noFill/>
+        </p:spPr>
+        <p:txBody>
+          <a:bodyPr wrap="square" rtlCol="0">
+            <a:spAutoFit/>
+          </a:bodyPr>
+          <a:lstStyle/>
+          <a:p>
+            <a:pPr algn="ctr"/>
+            <a:r>
+              <a:rPr lang="de-DE" sz="3200" b="1" dirty="0" smtClean="0"/>
+              <a:t>Receiver Integration </a:t>
+            </a:r>
+            <a:r>
+              <a:rPr lang="de-DE" sz="3200" b="1" dirty="0"/>
+              <a:t>T</a:t>
+            </a:r>
+            <a:r>
+              <a:rPr lang="de-DE" sz="3200" b="1" dirty="0" smtClean="0"/>
+              <a:t>est </a:t>
+            </a:r>
+            <a:r>
+              <a:rPr lang="de-DE" sz="3200" b="1" dirty="0"/>
+              <a:t>W</a:t>
+            </a:r>
+            <a:r>
+              <a:rPr lang="de-DE" sz="3200" b="1" dirty="0" smtClean="0"/>
+              <a:t>orkflow</a:t>
+            </a:r>
+            <a:endParaRPr lang="en-GB" sz="3200" b="1" dirty="0"/>
           </a:p>
         </p:txBody>
       </p:sp>
       <p:cxnSp>
         <p:nvCxnSpPr>
-          <p:cNvPr id="21" name="Straight Arrow Connector 20"/>
+          <p:cNvPr id="23" name="Straight Connector 22"/>
           <p:cNvCxnSpPr/>
           <p:nvPr/>
         </p:nvCxnSpPr>
         <p:spPr>
-          <a:xfrm>
-            <a:off x="1583668" y="3825334"/>
-            <a:ext cx="3304551" cy="0"/>
+          <a:xfrm flipH="1">
+            <a:off x="5844232" y="1269630"/>
+            <a:ext cx="792088" cy="1152128"/>
+          </a:xfrm>
+          <a:prstGeom prst="line">
+            <a:avLst/>
+          </a:prstGeom>
+          <a:ln w="101600">
+            <a:solidFill>
+              <a:srgbClr val="FF0000"/>
+            </a:solidFill>
+          </a:ln>
+        </p:spPr>
+        <p:style>
+          <a:lnRef idx="1">
+            <a:schemeClr val="accent1"/>
+          </a:lnRef>
+          <a:fillRef idx="0">
+            <a:schemeClr val="accent1"/>
+          </a:fillRef>
+          <a:effectRef idx="0">
+            <a:schemeClr val="accent1"/>
+          </a:effectRef>
+          <a:fontRef idx="minor">
+            <a:schemeClr val="tx1"/>
+          </a:fontRef>
+        </p:style>
+      </p:cxnSp>
+      <p:cxnSp>
+        <p:nvCxnSpPr>
+          <p:cNvPr id="25" name="Straight Connector 24"/>
+          <p:cNvCxnSpPr/>
+          <p:nvPr/>
+        </p:nvCxnSpPr>
+        <p:spPr>
+          <a:xfrm>
+            <a:off x="5844232" y="1269630"/>
+            <a:ext cx="792088" cy="1152128"/>
+          </a:xfrm>
+          <a:prstGeom prst="line">
+            <a:avLst/>
+          </a:prstGeom>
+          <a:ln w="101600">
+            <a:solidFill>
+              <a:srgbClr val="FF0000"/>
+            </a:solidFill>
+          </a:ln>
+        </p:spPr>
+        <p:style>
+          <a:lnRef idx="1">
+            <a:schemeClr val="accent1"/>
+          </a:lnRef>
+          <a:fillRef idx="0">
+            <a:schemeClr val="accent1"/>
+          </a:fillRef>
+          <a:effectRef idx="0">
+            <a:schemeClr val="accent1"/>
+          </a:effectRef>
+          <a:fontRef idx="minor">
+            <a:schemeClr val="tx1"/>
+          </a:fontRef>
+        </p:style>
+      </p:cxnSp>
+      <p:sp>
+        <p:nvSpPr>
+          <p:cNvPr id="27" name="TextBox 26"/>
+          <p:cNvSpPr txBox="1"/>
+          <p:nvPr/>
+        </p:nvSpPr>
+        <p:spPr>
+          <a:xfrm>
+            <a:off x="183680" y="2636912"/>
+            <a:ext cx="1152128" cy="215444"/>
+          </a:xfrm>
+          <a:prstGeom prst="rect">
+            <a:avLst/>
+          </a:prstGeom>
+          <a:noFill/>
+        </p:spPr>
+        <p:txBody>
+          <a:bodyPr wrap="square" rtlCol="0">
+            <a:spAutoFit/>
+          </a:bodyPr>
+          <a:lstStyle/>
+          <a:p>
+            <a:r>
+              <a:rPr lang="de-DE" sz="800" b="1" dirty="0" smtClean="0"/>
+              <a:t>0) </a:t>
+            </a:r>
+            <a:r>
+              <a:rPr lang="de-DE" sz="800" b="1" dirty="0" err="1" smtClean="0"/>
+              <a:t>Inject</a:t>
+            </a:r>
+            <a:r>
+              <a:rPr lang="de-DE" sz="800" b="1" dirty="0" smtClean="0"/>
+              <a:t> </a:t>
+            </a:r>
+            <a:r>
+              <a:rPr lang="de-DE" sz="800" b="1" dirty="0" err="1" smtClean="0"/>
+              <a:t>testDouble</a:t>
+            </a:r>
+            <a:endParaRPr lang="en-GB" sz="800" b="1" dirty="0"/>
+          </a:p>
+        </p:txBody>
+      </p:sp>
+      <p:cxnSp>
+        <p:nvCxnSpPr>
+          <p:cNvPr id="28" name="Straight Arrow Connector 27"/>
+          <p:cNvCxnSpPr/>
+          <p:nvPr/>
+        </p:nvCxnSpPr>
+        <p:spPr>
+          <a:xfrm flipV="1">
+            <a:off x="2684699" y="2744634"/>
+            <a:ext cx="2144039" cy="4109"/>
           </a:xfrm>
           <a:prstGeom prst="straightConnector1">
             <a:avLst/>
@@ -4406,125 +4601,9 @@
           </a:fontRef>
         </p:style>
       </p:cxnSp>
-      <p:sp>
-        <p:nvSpPr>
-          <p:cNvPr id="22" name="TextBox 21"/>
-          <p:cNvSpPr txBox="1"/>
-          <p:nvPr/>
-        </p:nvSpPr>
-        <p:spPr>
-          <a:xfrm>
-            <a:off x="179512" y="3689867"/>
-            <a:ext cx="1152128" cy="215444"/>
-          </a:xfrm>
-          <a:prstGeom prst="rect">
-            <a:avLst/>
-          </a:prstGeom>
-          <a:noFill/>
-        </p:spPr>
-        <p:txBody>
-          <a:bodyPr wrap="square" rtlCol="0">
-            <a:spAutoFit/>
-          </a:bodyPr>
-          <a:lstStyle/>
-          <a:p>
-            <a:r>
-              <a:rPr lang="de-DE" sz="800" b="1" dirty="0" smtClean="0"/>
-              <a:t>4) Check on </a:t>
-            </a:r>
-            <a:r>
-              <a:rPr lang="de-DE" sz="800" b="1" dirty="0" err="1" smtClean="0"/>
-              <a:t>console</a:t>
-            </a:r>
-            <a:endParaRPr lang="en-GB" sz="800" b="1" dirty="0"/>
-          </a:p>
-        </p:txBody>
-      </p:sp>
-      <p:sp>
-        <p:nvSpPr>
-          <p:cNvPr id="24" name="TextBox 23"/>
-          <p:cNvSpPr txBox="1"/>
-          <p:nvPr/>
-        </p:nvSpPr>
-        <p:spPr>
-          <a:xfrm>
-            <a:off x="0" y="620688"/>
-            <a:ext cx="9144000" cy="584775"/>
-          </a:xfrm>
-          <a:prstGeom prst="rect">
-            <a:avLst/>
-          </a:prstGeom>
-          <a:noFill/>
-        </p:spPr>
-        <p:txBody>
-          <a:bodyPr wrap="square" rtlCol="0">
-            <a:spAutoFit/>
-          </a:bodyPr>
-          <a:lstStyle/>
-          <a:p>
-            <a:pPr algn="ctr"/>
-            <a:r>
-              <a:rPr lang="de-DE" sz="3200" b="1" dirty="0" smtClean="0"/>
-              <a:t>Standard </a:t>
-            </a:r>
-            <a:r>
-              <a:rPr lang="de-DE" sz="3200" b="1" dirty="0" err="1" smtClean="0"/>
-              <a:t>app</a:t>
-            </a:r>
-            <a:r>
-              <a:rPr lang="de-DE" sz="3200" b="1" dirty="0" smtClean="0"/>
-              <a:t> </a:t>
-            </a:r>
-            <a:r>
-              <a:rPr lang="de-DE" sz="3200" b="1" dirty="0" err="1" smtClean="0"/>
-              <a:t>workflow</a:t>
-            </a:r>
-            <a:endParaRPr lang="en-GB" sz="3200" b="1" dirty="0"/>
-          </a:p>
-        </p:txBody>
-      </p:sp>
-      <p:sp>
-        <p:nvSpPr>
-          <p:cNvPr id="1033" name="AutoShape 4" descr="Image result for stylized person"/>
-          <p:cNvSpPr>
-            <a:spLocks noChangeAspect="1" noChangeArrowheads="1"/>
-          </p:cNvSpPr>
-          <p:nvPr/>
-        </p:nvSpPr>
-        <p:spPr bwMode="auto">
-          <a:xfrm>
-            <a:off x="0" y="-144463"/>
-            <a:ext cx="304800" cy="304801"/>
-          </a:xfrm>
-          <a:prstGeom prst="rect">
-            <a:avLst/>
-          </a:prstGeom>
-          <a:noFill/>
-          <a:extLst>
-            <a:ext uri="{909E8E84-426E-40DD-AFC4-6F175D3DCCD1}">
-              <a14:hiddenFill xmlns:a14="http://schemas.microsoft.com/office/drawing/2010/main">
-                <a:solidFill>
-                  <a:srgbClr val="FFFFFF"/>
-                </a:solidFill>
-              </a14:hiddenFill>
-            </a:ext>
-          </a:extLst>
-        </p:spPr>
-        <p:txBody>
-          <a:bodyPr vert="horz" wrap="square" lIns="91440" tIns="45720" rIns="91440" bIns="45720" numCol="1" anchor="t" anchorCtr="0" compatLnSpc="1">
-            <a:prstTxWarp prst="textNoShape">
-              <a:avLst/>
-            </a:prstTxWarp>
-          </a:bodyPr>
-          <a:lstStyle/>
-          <a:p>
-            <a:endParaRPr lang="en-GB"/>
-          </a:p>
-        </p:txBody>
-      </p:sp>
       <p:pic>
         <p:nvPicPr>
-          <p:cNvPr id="1034" name="Picture 5"/>
+          <p:cNvPr id="2050" name="Picture 2"/>
           <p:cNvPicPr>
             <a:picLocks noChangeAspect="1" noChangeArrowheads="1"/>
           </p:cNvPicPr>
@@ -4545,8 +4624,8 @@
         </p:blipFill>
         <p:spPr bwMode="auto">
           <a:xfrm>
-            <a:off x="1327365" y="1289895"/>
-            <a:ext cx="309562" cy="842961"/>
+            <a:off x="2267744" y="1489012"/>
+            <a:ext cx="833909" cy="657908"/>
           </a:xfrm>
           <a:prstGeom prst="rect">
             <a:avLst/>
@@ -4576,10 +4655,165 @@
           </a:extLst>
         </p:spPr>
       </p:pic>
+      <p:cxnSp>
+        <p:nvCxnSpPr>
+          <p:cNvPr id="29" name="Straight Connector 28"/>
+          <p:cNvCxnSpPr/>
+          <p:nvPr/>
+        </p:nvCxnSpPr>
+        <p:spPr>
+          <a:xfrm flipH="1">
+            <a:off x="3555787" y="1256554"/>
+            <a:ext cx="792088" cy="1152128"/>
+          </a:xfrm>
+          <a:prstGeom prst="line">
+            <a:avLst/>
+          </a:prstGeom>
+          <a:ln w="101600">
+            <a:solidFill>
+              <a:srgbClr val="FF0000"/>
+            </a:solidFill>
+          </a:ln>
+        </p:spPr>
+        <p:style>
+          <a:lnRef idx="1">
+            <a:schemeClr val="accent1"/>
+          </a:lnRef>
+          <a:fillRef idx="0">
+            <a:schemeClr val="accent1"/>
+          </a:fillRef>
+          <a:effectRef idx="0">
+            <a:schemeClr val="accent1"/>
+          </a:effectRef>
+          <a:fontRef idx="minor">
+            <a:schemeClr val="tx1"/>
+          </a:fontRef>
+        </p:style>
+      </p:cxnSp>
+      <p:cxnSp>
+        <p:nvCxnSpPr>
+          <p:cNvPr id="30" name="Straight Connector 29"/>
+          <p:cNvCxnSpPr/>
+          <p:nvPr/>
+        </p:nvCxnSpPr>
+        <p:spPr>
+          <a:xfrm>
+            <a:off x="3555787" y="1256554"/>
+            <a:ext cx="792088" cy="1152128"/>
+          </a:xfrm>
+          <a:prstGeom prst="line">
+            <a:avLst/>
+          </a:prstGeom>
+          <a:ln w="101600">
+            <a:solidFill>
+              <a:srgbClr val="FF0000"/>
+            </a:solidFill>
+          </a:ln>
+        </p:spPr>
+        <p:style>
+          <a:lnRef idx="1">
+            <a:schemeClr val="accent1"/>
+          </a:lnRef>
+          <a:fillRef idx="0">
+            <a:schemeClr val="accent1"/>
+          </a:fillRef>
+          <a:effectRef idx="0">
+            <a:schemeClr val="accent1"/>
+          </a:effectRef>
+          <a:fontRef idx="minor">
+            <a:schemeClr val="tx1"/>
+          </a:fontRef>
+        </p:style>
+      </p:cxnSp>
+      <p:cxnSp>
+        <p:nvCxnSpPr>
+          <p:cNvPr id="26" name="Straight Connector 25"/>
+          <p:cNvCxnSpPr/>
+          <p:nvPr/>
+        </p:nvCxnSpPr>
+        <p:spPr>
+          <a:xfrm>
+            <a:off x="1475656" y="2204864"/>
+            <a:ext cx="0" cy="3024336"/>
+          </a:xfrm>
+          <a:prstGeom prst="line">
+            <a:avLst/>
+          </a:prstGeom>
+          <a:ln w="15875"/>
+        </p:spPr>
+        <p:style>
+          <a:lnRef idx="1">
+            <a:schemeClr val="accent1"/>
+          </a:lnRef>
+          <a:fillRef idx="0">
+            <a:schemeClr val="accent1"/>
+          </a:fillRef>
+          <a:effectRef idx="0">
+            <a:schemeClr val="accent1"/>
+          </a:effectRef>
+          <a:fontRef idx="minor">
+            <a:schemeClr val="tx1"/>
+          </a:fontRef>
+        </p:style>
+      </p:cxnSp>
+      <p:pic>
+        <p:nvPicPr>
+          <p:cNvPr id="31" name="Picture 5"/>
+          <p:cNvPicPr>
+            <a:picLocks noChangeAspect="1" noChangeArrowheads="1"/>
+          </p:cNvPicPr>
+          <p:nvPr/>
+        </p:nvPicPr>
+        <p:blipFill>
+          <a:blip r:embed="rId3">
+            <a:extLst>
+              <a:ext uri="{28A0092B-C50C-407E-A947-70E740481C1C}">
+                <a14:useLocalDpi xmlns:a14="http://schemas.microsoft.com/office/drawing/2010/main" val="0"/>
+              </a:ext>
+            </a:extLst>
+          </a:blip>
+          <a:srcRect/>
+          <a:stretch>
+            <a:fillRect/>
+          </a:stretch>
+        </p:blipFill>
+        <p:spPr bwMode="auto">
+          <a:xfrm>
+            <a:off x="1327365" y="1289895"/>
+            <a:ext cx="309562" cy="842961"/>
+          </a:xfrm>
+          <a:prstGeom prst="rect">
+            <a:avLst/>
+          </a:prstGeom>
+          <a:noFill/>
+          <a:ln>
+            <a:noFill/>
+          </a:ln>
+          <a:extLst>
+            <a:ext uri="{909E8E84-426E-40DD-AFC4-6F175D3DCCD1}">
+              <a14:hiddenFill xmlns:a14="http://schemas.microsoft.com/office/drawing/2010/main">
+                <a:solidFill>
+                  <a:schemeClr val="accent1"/>
+                </a:solidFill>
+              </a14:hiddenFill>
+            </a:ext>
+            <a:ext uri="{91240B29-F687-4F45-9708-019B960494DF}">
+              <a14:hiddenLine xmlns:a14="http://schemas.microsoft.com/office/drawing/2010/main" w="9525">
+                <a:solidFill>
+                  <a:schemeClr val="tx1"/>
+                </a:solidFill>
+                <a:miter lim="800000"/>
+                <a:headEnd/>
+                <a:tailEnd/>
+              </a14:hiddenLine>
+            </a:ext>
+          </a:extLst>
+        </p:spPr>
+      </p:pic>
     </p:spTree>
     <p:extLst>
       <p:ext uri="{BB962C8B-B14F-4D97-AF65-F5344CB8AC3E}">
-        <p14:creationId xmlns:p14="http://schemas.microsoft.com/office/powerpoint/2010/main" val="3893828713"/>
+        <p14:creationId xmlns:p14="http://schemas.microsoft.com/office/powerpoint/2010/main" val="1964220648"/>
       </p:ext>
     </p:extLst>
   </p:cSld>
@@ -4613,305 +4847,16 @@
           <a:chExt cx="0" cy="0"/>
         </a:xfrm>
       </p:grpSpPr>
-      <p:cxnSp>
-        <p:nvCxnSpPr>
-          <p:cNvPr id="5" name="Straight Connector 4"/>
-          <p:cNvCxnSpPr/>
-          <p:nvPr/>
-        </p:nvCxnSpPr>
-        <p:spPr>
-          <a:xfrm>
-            <a:off x="3728815" y="2204864"/>
-            <a:ext cx="0" cy="3024336"/>
-          </a:xfrm>
-          <a:prstGeom prst="line">
-            <a:avLst/>
-          </a:prstGeom>
-          <a:ln w="15875"/>
-        </p:spPr>
-        <p:style>
-          <a:lnRef idx="1">
-            <a:schemeClr val="accent1"/>
-          </a:lnRef>
-          <a:fillRef idx="0">
-            <a:schemeClr val="accent1"/>
-          </a:fillRef>
-          <a:effectRef idx="0">
-            <a:schemeClr val="accent1"/>
-          </a:effectRef>
-          <a:fontRef idx="minor">
-            <a:schemeClr val="tx1"/>
-          </a:fontRef>
-        </p:style>
-      </p:cxnSp>
-      <p:cxnSp>
-        <p:nvCxnSpPr>
-          <p:cNvPr id="6" name="Straight Connector 5"/>
-          <p:cNvCxnSpPr/>
-          <p:nvPr/>
-        </p:nvCxnSpPr>
-        <p:spPr>
-          <a:xfrm>
-            <a:off x="4880943" y="2204864"/>
-            <a:ext cx="0" cy="3024336"/>
-          </a:xfrm>
-          <a:prstGeom prst="line">
-            <a:avLst/>
-          </a:prstGeom>
-          <a:ln w="15875"/>
-        </p:spPr>
-        <p:style>
-          <a:lnRef idx="1">
-            <a:schemeClr val="accent1"/>
-          </a:lnRef>
-          <a:fillRef idx="0">
-            <a:schemeClr val="accent1"/>
-          </a:fillRef>
-          <a:effectRef idx="0">
-            <a:schemeClr val="accent1"/>
-          </a:effectRef>
-          <a:fontRef idx="minor">
-            <a:schemeClr val="tx1"/>
-          </a:fontRef>
-        </p:style>
-      </p:cxnSp>
-      <p:cxnSp>
-        <p:nvCxnSpPr>
-          <p:cNvPr id="7" name="Straight Connector 6"/>
-          <p:cNvCxnSpPr/>
-          <p:nvPr/>
-        </p:nvCxnSpPr>
-        <p:spPr>
-          <a:xfrm>
-            <a:off x="6033071" y="2204864"/>
-            <a:ext cx="0" cy="3024336"/>
-          </a:xfrm>
-          <a:prstGeom prst="line">
-            <a:avLst/>
-          </a:prstGeom>
-          <a:ln w="15875"/>
-        </p:spPr>
-        <p:style>
-          <a:lnRef idx="1">
-            <a:schemeClr val="accent1"/>
-          </a:lnRef>
-          <a:fillRef idx="0">
-            <a:schemeClr val="accent1"/>
-          </a:fillRef>
-          <a:effectRef idx="0">
-            <a:schemeClr val="accent1"/>
-          </a:effectRef>
-          <a:fontRef idx="minor">
-            <a:schemeClr val="tx1"/>
-          </a:fontRef>
-        </p:style>
-      </p:cxnSp>
-      <p:sp>
-        <p:nvSpPr>
-          <p:cNvPr id="8" name="Rounded Rectangle 7"/>
-          <p:cNvSpPr/>
-          <p:nvPr/>
-        </p:nvSpPr>
-        <p:spPr>
-          <a:xfrm>
-            <a:off x="3224759" y="1556792"/>
-            <a:ext cx="1008112" cy="574323"/>
-          </a:xfrm>
-          <a:prstGeom prst="roundRect">
-            <a:avLst/>
-          </a:prstGeom>
-        </p:spPr>
-        <p:style>
-          <a:lnRef idx="2">
-            <a:schemeClr val="accent1">
-              <a:shade val="50000"/>
-            </a:schemeClr>
-          </a:lnRef>
-          <a:fillRef idx="1">
-            <a:schemeClr val="accent1"/>
-          </a:fillRef>
-          <a:effectRef idx="0">
-            <a:schemeClr val="accent1"/>
-          </a:effectRef>
-          <a:fontRef idx="minor">
-            <a:schemeClr val="lt1"/>
-          </a:fontRef>
-        </p:style>
-        <p:txBody>
-          <a:bodyPr rtlCol="0" anchor="ctr"/>
-          <a:lstStyle/>
-          <a:p>
-            <a:pPr algn="ctr"/>
-            <a:r>
-              <a:rPr lang="de-DE" sz="1600" dirty="0" smtClean="0"/>
-              <a:t>Sender</a:t>
-            </a:r>
-            <a:endParaRPr lang="en-GB" sz="1600" dirty="0"/>
-          </a:p>
-        </p:txBody>
-      </p:sp>
-      <p:sp>
-        <p:nvSpPr>
-          <p:cNvPr id="10" name="Rounded Rectangle 9"/>
-          <p:cNvSpPr/>
-          <p:nvPr/>
-        </p:nvSpPr>
-        <p:spPr>
-          <a:xfrm>
-            <a:off x="4376887" y="1558533"/>
-            <a:ext cx="1008112" cy="574323"/>
-          </a:xfrm>
-          <a:prstGeom prst="roundRect">
-            <a:avLst/>
-          </a:prstGeom>
-        </p:spPr>
-        <p:style>
-          <a:lnRef idx="2">
-            <a:schemeClr val="accent1">
-              <a:shade val="50000"/>
-            </a:schemeClr>
-          </a:lnRef>
-          <a:fillRef idx="1">
-            <a:schemeClr val="accent1"/>
-          </a:fillRef>
-          <a:effectRef idx="0">
-            <a:schemeClr val="accent1"/>
-          </a:effectRef>
-          <a:fontRef idx="minor">
-            <a:schemeClr val="lt1"/>
-          </a:fontRef>
-        </p:style>
-        <p:txBody>
-          <a:bodyPr rtlCol="0" anchor="ctr"/>
-          <a:lstStyle/>
-          <a:p>
-            <a:pPr algn="ctr"/>
-            <a:r>
-              <a:rPr lang="de-DE" sz="1600" dirty="0" smtClean="0"/>
-              <a:t>Receiver</a:t>
-            </a:r>
-            <a:endParaRPr lang="en-GB" sz="1600" dirty="0"/>
-          </a:p>
-        </p:txBody>
-      </p:sp>
-      <p:sp>
-        <p:nvSpPr>
-          <p:cNvPr id="11" name="Rounded Rectangle 10"/>
-          <p:cNvSpPr/>
-          <p:nvPr/>
-        </p:nvSpPr>
-        <p:spPr>
-          <a:xfrm>
-            <a:off x="5529015" y="1558533"/>
-            <a:ext cx="1008112" cy="574323"/>
-          </a:xfrm>
-          <a:prstGeom prst="roundRect">
-            <a:avLst/>
-          </a:prstGeom>
-        </p:spPr>
-        <p:style>
-          <a:lnRef idx="2">
-            <a:schemeClr val="accent1">
-              <a:shade val="50000"/>
-            </a:schemeClr>
-          </a:lnRef>
-          <a:fillRef idx="1">
-            <a:schemeClr val="accent1"/>
-          </a:fillRef>
-          <a:effectRef idx="0">
-            <a:schemeClr val="accent1"/>
-          </a:effectRef>
-          <a:fontRef idx="minor">
-            <a:schemeClr val="lt1"/>
-          </a:fontRef>
-        </p:style>
-        <p:txBody>
-          <a:bodyPr rtlCol="0" anchor="ctr"/>
-          <a:lstStyle/>
-          <a:p>
-            <a:pPr algn="ctr"/>
-            <a:r>
-              <a:rPr lang="de-DE" sz="1600" dirty="0" smtClean="0"/>
-              <a:t>File System</a:t>
-            </a:r>
-            <a:endParaRPr lang="en-GB" sz="1600" dirty="0"/>
-          </a:p>
-        </p:txBody>
-      </p:sp>
-      <p:cxnSp>
-        <p:nvCxnSpPr>
-          <p:cNvPr id="12" name="Straight Connector 11"/>
-          <p:cNvCxnSpPr/>
-          <p:nvPr/>
-        </p:nvCxnSpPr>
-        <p:spPr>
-          <a:xfrm>
-            <a:off x="2576687" y="2204864"/>
-            <a:ext cx="0" cy="3024336"/>
-          </a:xfrm>
-          <a:prstGeom prst="line">
-            <a:avLst/>
-          </a:prstGeom>
-          <a:ln w="15875"/>
-        </p:spPr>
-        <p:style>
-          <a:lnRef idx="1">
-            <a:schemeClr val="accent1"/>
-          </a:lnRef>
-          <a:fillRef idx="0">
-            <a:schemeClr val="accent1"/>
-          </a:fillRef>
-          <a:effectRef idx="0">
-            <a:schemeClr val="accent1"/>
-          </a:effectRef>
-          <a:fontRef idx="minor">
-            <a:schemeClr val="tx1"/>
-          </a:fontRef>
-        </p:style>
-      </p:cxnSp>
-      <p:cxnSp>
-        <p:nvCxnSpPr>
-          <p:cNvPr id="17" name="Straight Arrow Connector 16"/>
-          <p:cNvCxnSpPr/>
-          <p:nvPr/>
-        </p:nvCxnSpPr>
-        <p:spPr>
-          <a:xfrm>
-            <a:off x="2684698" y="3645024"/>
-            <a:ext cx="2144040" cy="0"/>
-          </a:xfrm>
-          <a:prstGeom prst="straightConnector1">
-            <a:avLst/>
-          </a:prstGeom>
-          <a:ln>
-            <a:tailEnd type="arrow"/>
-          </a:ln>
-        </p:spPr>
-        <p:style>
-          <a:lnRef idx="1">
-            <a:schemeClr val="accent1"/>
-          </a:lnRef>
-          <a:fillRef idx="0">
-            <a:schemeClr val="accent1"/>
-          </a:fillRef>
-          <a:effectRef idx="0">
-            <a:schemeClr val="accent1"/>
-          </a:effectRef>
-          <a:fontRef idx="minor">
-            <a:schemeClr val="tx1"/>
-          </a:fontRef>
-        </p:style>
-      </p:cxnSp>
-      <p:sp>
-        <p:nvSpPr>
-          <p:cNvPr id="18" name="TextBox 17"/>
+      <p:sp>
+        <p:nvSpPr>
+          <p:cNvPr id="24" name="TextBox 23"/>
           <p:cNvSpPr txBox="1"/>
           <p:nvPr/>
         </p:nvSpPr>
         <p:spPr>
           <a:xfrm>
-            <a:off x="179512" y="3572436"/>
-            <a:ext cx="1152128" cy="215444"/>
+            <a:off x="12163" y="2996952"/>
+            <a:ext cx="9144000" cy="584775"/>
           </a:xfrm>
           <a:prstGeom prst="rect">
             <a:avLst/>
@@ -4924,565 +4869,19 @@
           </a:bodyPr>
           <a:lstStyle/>
           <a:p>
-            <a:r>
-              <a:rPr lang="de-DE" sz="800" b="1" dirty="0" smtClean="0"/>
-              <a:t>2) Send </a:t>
-            </a:r>
-            <a:r>
-              <a:rPr lang="de-DE" sz="800" b="1" dirty="0" err="1" smtClean="0"/>
-              <a:t>the</a:t>
-            </a:r>
-            <a:r>
-              <a:rPr lang="de-DE" sz="800" b="1" dirty="0" smtClean="0"/>
-              <a:t> </a:t>
-            </a:r>
-            <a:r>
-              <a:rPr lang="de-DE" sz="800" b="1" dirty="0" err="1" smtClean="0"/>
-              <a:t>message</a:t>
-            </a:r>
-            <a:endParaRPr lang="en-GB" sz="800" b="1" dirty="0"/>
-          </a:p>
-        </p:txBody>
-      </p:sp>
-      <p:cxnSp>
-        <p:nvCxnSpPr>
-          <p:cNvPr id="19" name="Straight Arrow Connector 18"/>
-          <p:cNvCxnSpPr/>
-          <p:nvPr/>
-        </p:nvCxnSpPr>
-        <p:spPr>
-          <a:xfrm>
-            <a:off x="4981138" y="4077072"/>
-            <a:ext cx="1008112" cy="0"/>
-          </a:xfrm>
-          <a:prstGeom prst="straightConnector1">
-            <a:avLst/>
-          </a:prstGeom>
-          <a:ln>
-            <a:tailEnd type="arrow"/>
-          </a:ln>
-        </p:spPr>
-        <p:style>
-          <a:lnRef idx="1">
-            <a:schemeClr val="accent1"/>
-          </a:lnRef>
-          <a:fillRef idx="0">
-            <a:schemeClr val="accent1"/>
-          </a:fillRef>
-          <a:effectRef idx="0">
-            <a:schemeClr val="accent1"/>
-          </a:effectRef>
-          <a:fontRef idx="minor">
-            <a:schemeClr val="tx1"/>
-          </a:fontRef>
-        </p:style>
-      </p:cxnSp>
-      <p:sp>
-        <p:nvSpPr>
-          <p:cNvPr id="20" name="TextBox 19"/>
-          <p:cNvSpPr txBox="1"/>
-          <p:nvPr/>
-        </p:nvSpPr>
-        <p:spPr>
-          <a:xfrm>
-            <a:off x="215339" y="3969350"/>
-            <a:ext cx="1152128" cy="215444"/>
-          </a:xfrm>
-          <a:prstGeom prst="rect">
-            <a:avLst/>
-          </a:prstGeom>
-          <a:noFill/>
-        </p:spPr>
-        <p:txBody>
-          <a:bodyPr wrap="square" rtlCol="0">
-            <a:spAutoFit/>
-          </a:bodyPr>
-          <a:lstStyle/>
-          <a:p>
-            <a:r>
-              <a:rPr lang="de-DE" sz="800" b="1" dirty="0" smtClean="0"/>
-              <a:t>3) Write on </a:t>
-            </a:r>
-            <a:r>
-              <a:rPr lang="de-DE" sz="800" b="1" dirty="0" err="1" smtClean="0"/>
-              <a:t>console</a:t>
-            </a:r>
-            <a:endParaRPr lang="en-GB" sz="800" b="1" dirty="0"/>
-          </a:p>
-        </p:txBody>
-      </p:sp>
-      <p:cxnSp>
-        <p:nvCxnSpPr>
-          <p:cNvPr id="21" name="Straight Arrow Connector 20"/>
-          <p:cNvCxnSpPr/>
-          <p:nvPr/>
-        </p:nvCxnSpPr>
-        <p:spPr>
-          <a:xfrm>
-            <a:off x="1482146" y="4545414"/>
-            <a:ext cx="4507104" cy="0"/>
-          </a:xfrm>
-          <a:prstGeom prst="straightConnector1">
-            <a:avLst/>
-          </a:prstGeom>
-          <a:ln>
-            <a:tailEnd type="arrow"/>
-          </a:ln>
-        </p:spPr>
-        <p:style>
-          <a:lnRef idx="1">
-            <a:schemeClr val="accent1"/>
-          </a:lnRef>
-          <a:fillRef idx="0">
-            <a:schemeClr val="accent1"/>
-          </a:fillRef>
-          <a:effectRef idx="0">
-            <a:schemeClr val="accent1"/>
-          </a:effectRef>
-          <a:fontRef idx="minor">
-            <a:schemeClr val="tx1"/>
-          </a:fontRef>
-        </p:style>
-      </p:cxnSp>
-      <p:sp>
-        <p:nvSpPr>
-          <p:cNvPr id="22" name="TextBox 21"/>
-          <p:cNvSpPr txBox="1"/>
-          <p:nvPr/>
-        </p:nvSpPr>
-        <p:spPr>
-          <a:xfrm>
-            <a:off x="179512" y="4409947"/>
-            <a:ext cx="1152128" cy="215444"/>
-          </a:xfrm>
-          <a:prstGeom prst="rect">
-            <a:avLst/>
-          </a:prstGeom>
-          <a:noFill/>
-        </p:spPr>
-        <p:txBody>
-          <a:bodyPr wrap="square" rtlCol="0">
-            <a:spAutoFit/>
-          </a:bodyPr>
-          <a:lstStyle/>
-          <a:p>
-            <a:r>
-              <a:rPr lang="de-DE" sz="800" b="1" dirty="0" smtClean="0"/>
-              <a:t>4) Check on </a:t>
-            </a:r>
-            <a:r>
-              <a:rPr lang="de-DE" sz="800" b="1" dirty="0" err="1" smtClean="0"/>
-              <a:t>console</a:t>
-            </a:r>
-            <a:endParaRPr lang="en-GB" sz="800" b="1" dirty="0"/>
-          </a:p>
-        </p:txBody>
-      </p:sp>
-      <p:sp>
-        <p:nvSpPr>
-          <p:cNvPr id="24" name="TextBox 23"/>
-          <p:cNvSpPr txBox="1"/>
-          <p:nvPr/>
-        </p:nvSpPr>
-        <p:spPr>
-          <a:xfrm>
-            <a:off x="0" y="620688"/>
-            <a:ext cx="9144000" cy="584775"/>
-          </a:xfrm>
-          <a:prstGeom prst="rect">
-            <a:avLst/>
-          </a:prstGeom>
-          <a:noFill/>
-        </p:spPr>
-        <p:txBody>
-          <a:bodyPr wrap="square" rtlCol="0">
-            <a:spAutoFit/>
-          </a:bodyPr>
-          <a:lstStyle/>
-          <a:p>
             <a:pPr algn="ctr"/>
             <a:r>
               <a:rPr lang="de-DE" sz="3200" b="1" dirty="0" smtClean="0"/>
-              <a:t>Receiver Integration </a:t>
-            </a:r>
-            <a:r>
-              <a:rPr lang="de-DE" sz="3200" b="1" dirty="0"/>
-              <a:t>T</a:t>
-            </a:r>
-            <a:r>
-              <a:rPr lang="de-DE" sz="3200" b="1" dirty="0" smtClean="0"/>
-              <a:t>est </a:t>
-            </a:r>
-            <a:r>
-              <a:rPr lang="de-DE" sz="3200" b="1" dirty="0"/>
-              <a:t>W</a:t>
-            </a:r>
-            <a:r>
-              <a:rPr lang="de-DE" sz="3200" b="1" dirty="0" smtClean="0"/>
-              <a:t>orkflow</a:t>
+              <a:t>DEMO</a:t>
             </a:r>
             <a:endParaRPr lang="en-GB" sz="3200" b="1" dirty="0"/>
           </a:p>
         </p:txBody>
       </p:sp>
-      <p:cxnSp>
-        <p:nvCxnSpPr>
-          <p:cNvPr id="23" name="Straight Connector 22"/>
-          <p:cNvCxnSpPr/>
-          <p:nvPr/>
-        </p:nvCxnSpPr>
-        <p:spPr>
-          <a:xfrm flipH="1">
-            <a:off x="5844232" y="1269630"/>
-            <a:ext cx="792088" cy="1152128"/>
-          </a:xfrm>
-          <a:prstGeom prst="line">
-            <a:avLst/>
-          </a:prstGeom>
-          <a:ln w="101600">
-            <a:solidFill>
-              <a:srgbClr val="FF0000"/>
-            </a:solidFill>
-          </a:ln>
-        </p:spPr>
-        <p:style>
-          <a:lnRef idx="1">
-            <a:schemeClr val="accent1"/>
-          </a:lnRef>
-          <a:fillRef idx="0">
-            <a:schemeClr val="accent1"/>
-          </a:fillRef>
-          <a:effectRef idx="0">
-            <a:schemeClr val="accent1"/>
-          </a:effectRef>
-          <a:fontRef idx="minor">
-            <a:schemeClr val="tx1"/>
-          </a:fontRef>
-        </p:style>
-      </p:cxnSp>
-      <p:cxnSp>
-        <p:nvCxnSpPr>
-          <p:cNvPr id="25" name="Straight Connector 24"/>
-          <p:cNvCxnSpPr/>
-          <p:nvPr/>
-        </p:nvCxnSpPr>
-        <p:spPr>
-          <a:xfrm>
-            <a:off x="5844232" y="1269630"/>
-            <a:ext cx="792088" cy="1152128"/>
-          </a:xfrm>
-          <a:prstGeom prst="line">
-            <a:avLst/>
-          </a:prstGeom>
-          <a:ln w="101600">
-            <a:solidFill>
-              <a:srgbClr val="FF0000"/>
-            </a:solidFill>
-          </a:ln>
-        </p:spPr>
-        <p:style>
-          <a:lnRef idx="1">
-            <a:schemeClr val="accent1"/>
-          </a:lnRef>
-          <a:fillRef idx="0">
-            <a:schemeClr val="accent1"/>
-          </a:fillRef>
-          <a:effectRef idx="0">
-            <a:schemeClr val="accent1"/>
-          </a:effectRef>
-          <a:fontRef idx="minor">
-            <a:schemeClr val="tx1"/>
-          </a:fontRef>
-        </p:style>
-      </p:cxnSp>
-      <p:sp>
-        <p:nvSpPr>
-          <p:cNvPr id="27" name="TextBox 26"/>
-          <p:cNvSpPr txBox="1"/>
-          <p:nvPr/>
-        </p:nvSpPr>
-        <p:spPr>
-          <a:xfrm>
-            <a:off x="183680" y="2636912"/>
-            <a:ext cx="1152128" cy="215444"/>
-          </a:xfrm>
-          <a:prstGeom prst="rect">
-            <a:avLst/>
-          </a:prstGeom>
-          <a:noFill/>
-        </p:spPr>
-        <p:txBody>
-          <a:bodyPr wrap="square" rtlCol="0">
-            <a:spAutoFit/>
-          </a:bodyPr>
-          <a:lstStyle/>
-          <a:p>
-            <a:r>
-              <a:rPr lang="de-DE" sz="800" b="1" dirty="0" smtClean="0"/>
-              <a:t>0) </a:t>
-            </a:r>
-            <a:r>
-              <a:rPr lang="de-DE" sz="800" b="1" dirty="0" err="1" smtClean="0"/>
-              <a:t>Inject</a:t>
-            </a:r>
-            <a:r>
-              <a:rPr lang="de-DE" sz="800" b="1" dirty="0" smtClean="0"/>
-              <a:t> </a:t>
-            </a:r>
-            <a:r>
-              <a:rPr lang="de-DE" sz="800" b="1" dirty="0" err="1" smtClean="0"/>
-              <a:t>testDouble</a:t>
-            </a:r>
-            <a:endParaRPr lang="en-GB" sz="800" b="1" dirty="0"/>
-          </a:p>
-        </p:txBody>
-      </p:sp>
-      <p:cxnSp>
-        <p:nvCxnSpPr>
-          <p:cNvPr id="28" name="Straight Arrow Connector 27"/>
-          <p:cNvCxnSpPr/>
-          <p:nvPr/>
-        </p:nvCxnSpPr>
-        <p:spPr>
-          <a:xfrm flipV="1">
-            <a:off x="2684699" y="2744634"/>
-            <a:ext cx="2144039" cy="4109"/>
-          </a:xfrm>
-          <a:prstGeom prst="straightConnector1">
-            <a:avLst/>
-          </a:prstGeom>
-          <a:ln>
-            <a:tailEnd type="arrow"/>
-          </a:ln>
-        </p:spPr>
-        <p:style>
-          <a:lnRef idx="1">
-            <a:schemeClr val="accent1"/>
-          </a:lnRef>
-          <a:fillRef idx="0">
-            <a:schemeClr val="accent1"/>
-          </a:fillRef>
-          <a:effectRef idx="0">
-            <a:schemeClr val="accent1"/>
-          </a:effectRef>
-          <a:fontRef idx="minor">
-            <a:schemeClr val="tx1"/>
-          </a:fontRef>
-        </p:style>
-      </p:cxnSp>
-      <p:pic>
-        <p:nvPicPr>
-          <p:cNvPr id="2050" name="Picture 2"/>
-          <p:cNvPicPr>
-            <a:picLocks noChangeAspect="1" noChangeArrowheads="1"/>
-          </p:cNvPicPr>
-          <p:nvPr/>
-        </p:nvPicPr>
-        <p:blipFill>
-          <a:blip r:embed="rId2">
-            <a:extLst>
-              <a:ext uri="{28A0092B-C50C-407E-A947-70E740481C1C}">
-                <a14:useLocalDpi xmlns:a14="http://schemas.microsoft.com/office/drawing/2010/main" val="0"/>
-              </a:ext>
-            </a:extLst>
-          </a:blip>
-          <a:srcRect/>
-          <a:stretch>
-            <a:fillRect/>
-          </a:stretch>
-        </p:blipFill>
-        <p:spPr bwMode="auto">
-          <a:xfrm>
-            <a:off x="2267744" y="1489012"/>
-            <a:ext cx="833909" cy="657908"/>
-          </a:xfrm>
-          <a:prstGeom prst="rect">
-            <a:avLst/>
-          </a:prstGeom>
-          <a:noFill/>
-          <a:ln>
-            <a:noFill/>
-          </a:ln>
-          <a:extLst>
-            <a:ext uri="{909E8E84-426E-40DD-AFC4-6F175D3DCCD1}">
-              <a14:hiddenFill xmlns:a14="http://schemas.microsoft.com/office/drawing/2010/main">
-                <a:solidFill>
-                  <a:schemeClr val="accent1"/>
-                </a:solidFill>
-              </a14:hiddenFill>
-            </a:ext>
-            <a:ext uri="{91240B29-F687-4F45-9708-019B960494DF}">
-              <a14:hiddenLine xmlns:a14="http://schemas.microsoft.com/office/drawing/2010/main" w="9525">
-                <a:solidFill>
-                  <a:schemeClr val="tx1"/>
-                </a:solidFill>
-                <a:miter lim="800000"/>
-                <a:headEnd/>
-                <a:tailEnd/>
-              </a14:hiddenLine>
-            </a:ext>
-          </a:extLst>
-        </p:spPr>
-      </p:pic>
-      <p:cxnSp>
-        <p:nvCxnSpPr>
-          <p:cNvPr id="29" name="Straight Connector 28"/>
-          <p:cNvCxnSpPr/>
-          <p:nvPr/>
-        </p:nvCxnSpPr>
-        <p:spPr>
-          <a:xfrm flipH="1">
-            <a:off x="3555787" y="1256554"/>
-            <a:ext cx="792088" cy="1152128"/>
-          </a:xfrm>
-          <a:prstGeom prst="line">
-            <a:avLst/>
-          </a:prstGeom>
-          <a:ln w="101600">
-            <a:solidFill>
-              <a:srgbClr val="FF0000"/>
-            </a:solidFill>
-          </a:ln>
-        </p:spPr>
-        <p:style>
-          <a:lnRef idx="1">
-            <a:schemeClr val="accent1"/>
-          </a:lnRef>
-          <a:fillRef idx="0">
-            <a:schemeClr val="accent1"/>
-          </a:fillRef>
-          <a:effectRef idx="0">
-            <a:schemeClr val="accent1"/>
-          </a:effectRef>
-          <a:fontRef idx="minor">
-            <a:schemeClr val="tx1"/>
-          </a:fontRef>
-        </p:style>
-      </p:cxnSp>
-      <p:cxnSp>
-        <p:nvCxnSpPr>
-          <p:cNvPr id="30" name="Straight Connector 29"/>
-          <p:cNvCxnSpPr/>
-          <p:nvPr/>
-        </p:nvCxnSpPr>
-        <p:spPr>
-          <a:xfrm>
-            <a:off x="3555787" y="1256554"/>
-            <a:ext cx="792088" cy="1152128"/>
-          </a:xfrm>
-          <a:prstGeom prst="line">
-            <a:avLst/>
-          </a:prstGeom>
-          <a:ln w="101600">
-            <a:solidFill>
-              <a:srgbClr val="FF0000"/>
-            </a:solidFill>
-          </a:ln>
-        </p:spPr>
-        <p:style>
-          <a:lnRef idx="1">
-            <a:schemeClr val="accent1"/>
-          </a:lnRef>
-          <a:fillRef idx="0">
-            <a:schemeClr val="accent1"/>
-          </a:fillRef>
-          <a:effectRef idx="0">
-            <a:schemeClr val="accent1"/>
-          </a:effectRef>
-          <a:fontRef idx="minor">
-            <a:schemeClr val="tx1"/>
-          </a:fontRef>
-        </p:style>
-      </p:cxnSp>
-      <p:cxnSp>
-        <p:nvCxnSpPr>
-          <p:cNvPr id="26" name="Straight Connector 25"/>
-          <p:cNvCxnSpPr/>
-          <p:nvPr/>
-        </p:nvCxnSpPr>
-        <p:spPr>
-          <a:xfrm>
-            <a:off x="1475656" y="2204864"/>
-            <a:ext cx="0" cy="3024336"/>
-          </a:xfrm>
-          <a:prstGeom prst="line">
-            <a:avLst/>
-          </a:prstGeom>
-          <a:ln w="15875"/>
-        </p:spPr>
-        <p:style>
-          <a:lnRef idx="1">
-            <a:schemeClr val="accent1"/>
-          </a:lnRef>
-          <a:fillRef idx="0">
-            <a:schemeClr val="accent1"/>
-          </a:fillRef>
-          <a:effectRef idx="0">
-            <a:schemeClr val="accent1"/>
-          </a:effectRef>
-          <a:fontRef idx="minor">
-            <a:schemeClr val="tx1"/>
-          </a:fontRef>
-        </p:style>
-      </p:cxnSp>
-      <p:pic>
-        <p:nvPicPr>
-          <p:cNvPr id="31" name="Picture 5"/>
-          <p:cNvPicPr>
-            <a:picLocks noChangeAspect="1" noChangeArrowheads="1"/>
-          </p:cNvPicPr>
-          <p:nvPr/>
-        </p:nvPicPr>
-        <p:blipFill>
-          <a:blip r:embed="rId3">
-            <a:extLst>
-              <a:ext uri="{28A0092B-C50C-407E-A947-70E740481C1C}">
-                <a14:useLocalDpi xmlns:a14="http://schemas.microsoft.com/office/drawing/2010/main" val="0"/>
-              </a:ext>
-            </a:extLst>
-          </a:blip>
-          <a:srcRect/>
-          <a:stretch>
-            <a:fillRect/>
-          </a:stretch>
-        </p:blipFill>
-        <p:spPr bwMode="auto">
-          <a:xfrm>
-            <a:off x="1327365" y="1289895"/>
-            <a:ext cx="309562" cy="842961"/>
-          </a:xfrm>
-          <a:prstGeom prst="rect">
-            <a:avLst/>
-          </a:prstGeom>
-          <a:noFill/>
-          <a:ln>
-            <a:noFill/>
-          </a:ln>
-          <a:extLst>
-            <a:ext uri="{909E8E84-426E-40DD-AFC4-6F175D3DCCD1}">
-              <a14:hiddenFill xmlns:a14="http://schemas.microsoft.com/office/drawing/2010/main">
-                <a:solidFill>
-                  <a:schemeClr val="accent1"/>
-                </a:solidFill>
-              </a14:hiddenFill>
-            </a:ext>
-            <a:ext uri="{91240B29-F687-4F45-9708-019B960494DF}">
-              <a14:hiddenLine xmlns:a14="http://schemas.microsoft.com/office/drawing/2010/main" w="9525">
-                <a:solidFill>
-                  <a:schemeClr val="tx1"/>
-                </a:solidFill>
-                <a:miter lim="800000"/>
-                <a:headEnd/>
-                <a:tailEnd/>
-              </a14:hiddenLine>
-            </a:ext>
-          </a:extLst>
-        </p:spPr>
-      </p:pic>
     </p:spTree>
     <p:extLst>
       <p:ext uri="{BB962C8B-B14F-4D97-AF65-F5344CB8AC3E}">
-        <p14:creationId xmlns:p14="http://schemas.microsoft.com/office/powerpoint/2010/main" val="1964220648"/>
+        <p14:creationId xmlns:p14="http://schemas.microsoft.com/office/powerpoint/2010/main" val="628531893"/>
       </p:ext>
     </p:extLst>
   </p:cSld>

--- a/Doc/AppInfo.pptx
+++ b/Doc/AppInfo.pptx
@@ -4963,7 +4963,7 @@
         <p:spPr>
           <a:xfrm>
             <a:off x="1115616" y="1052736"/>
-            <a:ext cx="6696744" cy="2031325"/>
+            <a:ext cx="6696744" cy="2308324"/>
           </a:xfrm>
           <a:prstGeom prst="rect">
             <a:avLst/>
@@ -5005,20 +5005,12 @@
               <a:buChar char="•"/>
             </a:pPr>
             <a:r>
-              <a:rPr lang="en-US" smtClean="0">
-                <a:solidFill>
-                  <a:srgbClr val="00B050"/>
-                </a:solidFill>
-              </a:rPr>
-              <a:t>implementing a default mechanism for </a:t>
-            </a:r>
-            <a:r>
               <a:rPr lang="en-US" dirty="0" smtClean="0">
                 <a:solidFill>
                   <a:srgbClr val="00B050"/>
                 </a:solidFill>
               </a:rPr>
-              <a:t>production that inject via code</a:t>
+              <a:t>implementing a default mechanism for production that inject via code</a:t>
             </a:r>
           </a:p>
           <a:p>
@@ -5048,7 +5040,15 @@
                   <a:srgbClr val="00B050"/>
                 </a:solidFill>
               </a:rPr>
-              <a:t> with a more performant framework</a:t>
+              <a:t> with a more performant </a:t>
+            </a:r>
+            <a:r>
+              <a:rPr lang="en-US" dirty="0" smtClean="0">
+                <a:solidFill>
+                  <a:srgbClr val="00B050"/>
+                </a:solidFill>
+              </a:rPr>
+              <a:t>framework (Ninject has been classified as one of the slowest)</a:t>
             </a:r>
             <a:endParaRPr lang="en-US" dirty="0">
               <a:solidFill>
@@ -5058,60 +5058,6 @@
           </a:p>
         </p:txBody>
       </p:sp>
-      <p:pic>
-        <p:nvPicPr>
-          <p:cNvPr id="1026" name="Picture 2"/>
-          <p:cNvPicPr>
-            <a:picLocks noChangeAspect="1" noChangeArrowheads="1"/>
-          </p:cNvPicPr>
-          <p:nvPr/>
-        </p:nvPicPr>
-        <p:blipFill>
-          <a:blip r:embed="rId2">
-            <a:extLst>
-              <a:ext uri="{28A0092B-C50C-407E-A947-70E740481C1C}">
-                <a14:useLocalDpi xmlns:a14="http://schemas.microsoft.com/office/drawing/2010/main" val="0"/>
-              </a:ext>
-            </a:extLst>
-          </a:blip>
-          <a:srcRect/>
-          <a:stretch>
-            <a:fillRect/>
-          </a:stretch>
-        </p:blipFill>
-        <p:spPr bwMode="auto">
-          <a:xfrm>
-            <a:off x="1547664" y="3080530"/>
-            <a:ext cx="5991225" cy="3581400"/>
-          </a:xfrm>
-          <a:prstGeom prst="rect">
-            <a:avLst/>
-          </a:prstGeom>
-          <a:noFill/>
-          <a:ln>
-            <a:noFill/>
-          </a:ln>
-          <a:extLst>
-            <a:ext uri="{909E8E84-426E-40DD-AFC4-6F175D3DCCD1}">
-              <a14:hiddenFill xmlns:a14="http://schemas.microsoft.com/office/drawing/2010/main">
-                <a:solidFill>
-                  <a:schemeClr val="accent1"/>
-                </a:solidFill>
-              </a14:hiddenFill>
-            </a:ext>
-            <a:ext uri="{91240B29-F687-4F45-9708-019B960494DF}">
-              <a14:hiddenLine xmlns:a14="http://schemas.microsoft.com/office/drawing/2010/main" w="9525">
-                <a:solidFill>
-                  <a:schemeClr val="tx1"/>
-                </a:solidFill>
-                <a:miter lim="800000"/>
-                <a:headEnd/>
-                <a:tailEnd/>
-              </a14:hiddenLine>
-            </a:ext>
-          </a:extLst>
-        </p:spPr>
-      </p:pic>
     </p:spTree>
     <p:extLst>
       <p:ext uri="{BB962C8B-B14F-4D97-AF65-F5344CB8AC3E}">

--- a/Doc/AppInfo.pptx
+++ b/Doc/AppInfo.pptx
@@ -10,6 +10,7 @@
     <p:sldId id="260" r:id="rId4"/>
     <p:sldId id="263" r:id="rId5"/>
     <p:sldId id="262" r:id="rId6"/>
+    <p:sldId id="264" r:id="rId7"/>
   </p:sldIdLst>
   <p:sldSz cx="9144000" cy="6858000" type="screen4x3"/>
   <p:notesSz cx="6858000" cy="9144000"/>
@@ -292,7 +293,7 @@
           <a:p>
             <a:fld id="{882B4400-920F-4BBC-B8AE-CD8E61F190EB}" type="datetimeFigureOut">
               <a:rPr lang="en-GB" smtClean="0"/>
-              <a:t>21/03/2017</a:t>
+              <a:t>22/03/2017</a:t>
             </a:fld>
             <a:endParaRPr lang="en-GB"/>
           </a:p>
@@ -462,7 +463,7 @@
           <a:p>
             <a:fld id="{882B4400-920F-4BBC-B8AE-CD8E61F190EB}" type="datetimeFigureOut">
               <a:rPr lang="en-GB" smtClean="0"/>
-              <a:t>21/03/2017</a:t>
+              <a:t>22/03/2017</a:t>
             </a:fld>
             <a:endParaRPr lang="en-GB"/>
           </a:p>
@@ -642,7 +643,7 @@
           <a:p>
             <a:fld id="{882B4400-920F-4BBC-B8AE-CD8E61F190EB}" type="datetimeFigureOut">
               <a:rPr lang="en-GB" smtClean="0"/>
-              <a:t>21/03/2017</a:t>
+              <a:t>22/03/2017</a:t>
             </a:fld>
             <a:endParaRPr lang="en-GB"/>
           </a:p>
@@ -812,7 +813,7 @@
           <a:p>
             <a:fld id="{882B4400-920F-4BBC-B8AE-CD8E61F190EB}" type="datetimeFigureOut">
               <a:rPr lang="en-GB" smtClean="0"/>
-              <a:t>21/03/2017</a:t>
+              <a:t>22/03/2017</a:t>
             </a:fld>
             <a:endParaRPr lang="en-GB"/>
           </a:p>
@@ -1058,7 +1059,7 @@
           <a:p>
             <a:fld id="{882B4400-920F-4BBC-B8AE-CD8E61F190EB}" type="datetimeFigureOut">
               <a:rPr lang="en-GB" smtClean="0"/>
-              <a:t>21/03/2017</a:t>
+              <a:t>22/03/2017</a:t>
             </a:fld>
             <a:endParaRPr lang="en-GB"/>
           </a:p>
@@ -1346,7 +1347,7 @@
           <a:p>
             <a:fld id="{882B4400-920F-4BBC-B8AE-CD8E61F190EB}" type="datetimeFigureOut">
               <a:rPr lang="en-GB" smtClean="0"/>
-              <a:t>21/03/2017</a:t>
+              <a:t>22/03/2017</a:t>
             </a:fld>
             <a:endParaRPr lang="en-GB"/>
           </a:p>
@@ -1768,7 +1769,7 @@
           <a:p>
             <a:fld id="{882B4400-920F-4BBC-B8AE-CD8E61F190EB}" type="datetimeFigureOut">
               <a:rPr lang="en-GB" smtClean="0"/>
-              <a:t>21/03/2017</a:t>
+              <a:t>22/03/2017</a:t>
             </a:fld>
             <a:endParaRPr lang="en-GB"/>
           </a:p>
@@ -1886,7 +1887,7 @@
           <a:p>
             <a:fld id="{882B4400-920F-4BBC-B8AE-CD8E61F190EB}" type="datetimeFigureOut">
               <a:rPr lang="en-GB" smtClean="0"/>
-              <a:t>21/03/2017</a:t>
+              <a:t>22/03/2017</a:t>
             </a:fld>
             <a:endParaRPr lang="en-GB"/>
           </a:p>
@@ -1981,7 +1982,7 @@
           <a:p>
             <a:fld id="{882B4400-920F-4BBC-B8AE-CD8E61F190EB}" type="datetimeFigureOut">
               <a:rPr lang="en-GB" smtClean="0"/>
-              <a:t>21/03/2017</a:t>
+              <a:t>22/03/2017</a:t>
             </a:fld>
             <a:endParaRPr lang="en-GB"/>
           </a:p>
@@ -2258,7 +2259,7 @@
           <a:p>
             <a:fld id="{882B4400-920F-4BBC-B8AE-CD8E61F190EB}" type="datetimeFigureOut">
               <a:rPr lang="en-GB" smtClean="0"/>
-              <a:t>21/03/2017</a:t>
+              <a:t>22/03/2017</a:t>
             </a:fld>
             <a:endParaRPr lang="en-GB"/>
           </a:p>
@@ -2511,7 +2512,7 @@
           <a:p>
             <a:fld id="{882B4400-920F-4BBC-B8AE-CD8E61F190EB}" type="datetimeFigureOut">
               <a:rPr lang="en-GB" smtClean="0"/>
-              <a:t>21/03/2017</a:t>
+              <a:t>22/03/2017</a:t>
             </a:fld>
             <a:endParaRPr lang="en-GB"/>
           </a:p>
@@ -2724,7 +2725,7 @@
           <a:p>
             <a:fld id="{882B4400-920F-4BBC-B8AE-CD8E61F190EB}" type="datetimeFigureOut">
               <a:rPr lang="en-GB" smtClean="0"/>
-              <a:t>21/03/2017</a:t>
+              <a:t>22/03/2017</a:t>
             </a:fld>
             <a:endParaRPr lang="en-GB"/>
           </a:p>
@@ -5040,15 +5041,7 @@
                   <a:srgbClr val="00B050"/>
                 </a:solidFill>
               </a:rPr>
-              <a:t> with a more performant </a:t>
-            </a:r>
-            <a:r>
-              <a:rPr lang="en-US" dirty="0" smtClean="0">
-                <a:solidFill>
-                  <a:srgbClr val="00B050"/>
-                </a:solidFill>
-              </a:rPr>
-              <a:t>framework (Ninject has been classified as one of the slowest)</a:t>
+              <a:t> with a more performant framework (Ninject has been classified as one of the slowest)</a:t>
             </a:r>
             <a:endParaRPr lang="en-US" dirty="0">
               <a:solidFill>
@@ -5075,6 +5068,489 @@
       </p:par>
     </p:tnLst>
   </p:timing>
+</p:sld>
+</file>
+
+<file path=ppt/slides/slide6.xml><?xml version="1.0" encoding="utf-8"?>
+<p:sld xmlns:a="http://schemas.openxmlformats.org/drawingml/2006/main" xmlns:r="http://schemas.openxmlformats.org/officeDocument/2006/relationships" xmlns:p="http://schemas.openxmlformats.org/presentationml/2006/main">
+  <p:cSld>
+    <p:spTree>
+      <p:nvGrpSpPr>
+        <p:cNvPr id="1" name=""/>
+        <p:cNvGrpSpPr/>
+        <p:nvPr/>
+      </p:nvGrpSpPr>
+      <p:grpSpPr>
+        <a:xfrm>
+          <a:off x="0" y="0"/>
+          <a:ext cx="0" cy="0"/>
+          <a:chOff x="0" y="0"/>
+          <a:chExt cx="0" cy="0"/>
+        </a:xfrm>
+      </p:grpSpPr>
+      <p:sp>
+        <p:nvSpPr>
+          <p:cNvPr id="4" name="Rectangle 3"/>
+          <p:cNvSpPr/>
+          <p:nvPr/>
+        </p:nvSpPr>
+        <p:spPr>
+          <a:xfrm>
+            <a:off x="1187624" y="2492896"/>
+            <a:ext cx="6048672" cy="648072"/>
+          </a:xfrm>
+          <a:prstGeom prst="rect">
+            <a:avLst/>
+          </a:prstGeom>
+        </p:spPr>
+        <p:style>
+          <a:lnRef idx="2">
+            <a:schemeClr val="accent1">
+              <a:shade val="50000"/>
+            </a:schemeClr>
+          </a:lnRef>
+          <a:fillRef idx="1">
+            <a:schemeClr val="accent1"/>
+          </a:fillRef>
+          <a:effectRef idx="0">
+            <a:schemeClr val="accent1"/>
+          </a:effectRef>
+          <a:fontRef idx="minor">
+            <a:schemeClr val="lt1"/>
+          </a:fontRef>
+        </p:style>
+        <p:txBody>
+          <a:bodyPr rtlCol="0" anchor="ctr"/>
+          <a:lstStyle/>
+          <a:p>
+            <a:pPr algn="ctr"/>
+            <a:endParaRPr lang="en-GB"/>
+          </a:p>
+        </p:txBody>
+      </p:sp>
+      <p:sp>
+        <p:nvSpPr>
+          <p:cNvPr id="13" name="Rectangle 12"/>
+          <p:cNvSpPr/>
+          <p:nvPr/>
+        </p:nvSpPr>
+        <p:spPr>
+          <a:xfrm>
+            <a:off x="1691680" y="2564904"/>
+            <a:ext cx="1512168" cy="576064"/>
+          </a:xfrm>
+          <a:prstGeom prst="rect">
+            <a:avLst/>
+          </a:prstGeom>
+        </p:spPr>
+        <p:style>
+          <a:lnRef idx="2">
+            <a:schemeClr val="accent1">
+              <a:shade val="50000"/>
+            </a:schemeClr>
+          </a:lnRef>
+          <a:fillRef idx="1">
+            <a:schemeClr val="accent1"/>
+          </a:fillRef>
+          <a:effectRef idx="0">
+            <a:schemeClr val="accent1"/>
+          </a:effectRef>
+          <a:fontRef idx="minor">
+            <a:schemeClr val="lt1"/>
+          </a:fontRef>
+        </p:style>
+        <p:txBody>
+          <a:bodyPr rtlCol="0" anchor="ctr"/>
+          <a:lstStyle/>
+          <a:p>
+            <a:pPr algn="ctr"/>
+            <a:endParaRPr lang="en-GB"/>
+          </a:p>
+        </p:txBody>
+      </p:sp>
+      <p:sp>
+        <p:nvSpPr>
+          <p:cNvPr id="2" name="Title 1"/>
+          <p:cNvSpPr>
+            <a:spLocks noGrp="1"/>
+          </p:cNvSpPr>
+          <p:nvPr>
+            <p:ph type="title"/>
+          </p:nvPr>
+        </p:nvSpPr>
+        <p:spPr/>
+        <p:txBody>
+          <a:bodyPr/>
+          <a:lstStyle/>
+          <a:p>
+            <a:endParaRPr lang="en-GB"/>
+          </a:p>
+        </p:txBody>
+      </p:sp>
+      <p:sp>
+        <p:nvSpPr>
+          <p:cNvPr id="5" name="Down Arrow 4"/>
+          <p:cNvSpPr/>
+          <p:nvPr/>
+        </p:nvSpPr>
+        <p:spPr>
+          <a:xfrm>
+            <a:off x="2195736" y="1844824"/>
+            <a:ext cx="504056" cy="648072"/>
+          </a:xfrm>
+          <a:prstGeom prst="downArrow">
+            <a:avLst/>
+          </a:prstGeom>
+        </p:spPr>
+        <p:style>
+          <a:lnRef idx="2">
+            <a:schemeClr val="accent1">
+              <a:shade val="50000"/>
+            </a:schemeClr>
+          </a:lnRef>
+          <a:fillRef idx="1">
+            <a:schemeClr val="accent1"/>
+          </a:fillRef>
+          <a:effectRef idx="0">
+            <a:schemeClr val="accent1"/>
+          </a:effectRef>
+          <a:fontRef idx="minor">
+            <a:schemeClr val="lt1"/>
+          </a:fontRef>
+        </p:style>
+        <p:txBody>
+          <a:bodyPr rtlCol="0" anchor="ctr"/>
+          <a:lstStyle/>
+          <a:p>
+            <a:pPr algn="ctr"/>
+            <a:endParaRPr lang="en-GB"/>
+          </a:p>
+        </p:txBody>
+      </p:sp>
+      <p:sp>
+        <p:nvSpPr>
+          <p:cNvPr id="6" name="Down Arrow 5"/>
+          <p:cNvSpPr/>
+          <p:nvPr/>
+        </p:nvSpPr>
+        <p:spPr>
+          <a:xfrm>
+            <a:off x="4788024" y="1844824"/>
+            <a:ext cx="360040" cy="648072"/>
+          </a:xfrm>
+          <a:prstGeom prst="downArrow">
+            <a:avLst/>
+          </a:prstGeom>
+        </p:spPr>
+        <p:style>
+          <a:lnRef idx="2">
+            <a:schemeClr val="accent1">
+              <a:shade val="50000"/>
+            </a:schemeClr>
+          </a:lnRef>
+          <a:fillRef idx="1">
+            <a:schemeClr val="accent1"/>
+          </a:fillRef>
+          <a:effectRef idx="0">
+            <a:schemeClr val="accent1"/>
+          </a:effectRef>
+          <a:fontRef idx="minor">
+            <a:schemeClr val="lt1"/>
+          </a:fontRef>
+        </p:style>
+        <p:txBody>
+          <a:bodyPr rtlCol="0" anchor="ctr"/>
+          <a:lstStyle/>
+          <a:p>
+            <a:pPr algn="ctr"/>
+            <a:endParaRPr lang="en-GB"/>
+          </a:p>
+        </p:txBody>
+      </p:sp>
+      <p:sp>
+        <p:nvSpPr>
+          <p:cNvPr id="7" name="Rectangle 6"/>
+          <p:cNvSpPr/>
+          <p:nvPr/>
+        </p:nvSpPr>
+        <p:spPr>
+          <a:xfrm>
+            <a:off x="2776228" y="4553694"/>
+            <a:ext cx="1152128" cy="432048"/>
+          </a:xfrm>
+          <a:prstGeom prst="rect">
+            <a:avLst/>
+          </a:prstGeom>
+          <a:solidFill>
+            <a:srgbClr val="FF0000"/>
+          </a:solidFill>
+        </p:spPr>
+        <p:style>
+          <a:lnRef idx="2">
+            <a:schemeClr val="accent1">
+              <a:shade val="50000"/>
+            </a:schemeClr>
+          </a:lnRef>
+          <a:fillRef idx="1">
+            <a:schemeClr val="accent1"/>
+          </a:fillRef>
+          <a:effectRef idx="0">
+            <a:schemeClr val="accent1"/>
+          </a:effectRef>
+          <a:fontRef idx="minor">
+            <a:schemeClr val="lt1"/>
+          </a:fontRef>
+        </p:style>
+        <p:txBody>
+          <a:bodyPr rtlCol="0" anchor="ctr"/>
+          <a:lstStyle/>
+          <a:p>
+            <a:pPr algn="ctr"/>
+            <a:r>
+              <a:rPr lang="de-DE" dirty="0" err="1" smtClean="0"/>
+              <a:t>Plugin</a:t>
+            </a:r>
+            <a:endParaRPr lang="en-GB" dirty="0"/>
+          </a:p>
+        </p:txBody>
+      </p:sp>
+      <p:sp>
+        <p:nvSpPr>
+          <p:cNvPr id="8" name="Rectangle 7"/>
+          <p:cNvSpPr/>
+          <p:nvPr/>
+        </p:nvSpPr>
+        <p:spPr>
+          <a:xfrm>
+            <a:off x="4772819" y="4581128"/>
+            <a:ext cx="1152128" cy="432048"/>
+          </a:xfrm>
+          <a:prstGeom prst="rect">
+            <a:avLst/>
+          </a:prstGeom>
+          <a:solidFill>
+            <a:srgbClr val="FF0000"/>
+          </a:solidFill>
+        </p:spPr>
+        <p:style>
+          <a:lnRef idx="2">
+            <a:schemeClr val="accent1">
+              <a:shade val="50000"/>
+            </a:schemeClr>
+          </a:lnRef>
+          <a:fillRef idx="1">
+            <a:schemeClr val="accent1"/>
+          </a:fillRef>
+          <a:effectRef idx="0">
+            <a:schemeClr val="accent1"/>
+          </a:effectRef>
+          <a:fontRef idx="minor">
+            <a:schemeClr val="lt1"/>
+          </a:fontRef>
+        </p:style>
+        <p:txBody>
+          <a:bodyPr rtlCol="0" anchor="ctr"/>
+          <a:lstStyle/>
+          <a:p>
+            <a:pPr algn="ctr"/>
+            <a:r>
+              <a:rPr lang="de-DE" dirty="0" err="1" smtClean="0"/>
+              <a:t>StubDb</a:t>
+            </a:r>
+            <a:endParaRPr lang="en-GB" dirty="0"/>
+          </a:p>
+        </p:txBody>
+      </p:sp>
+      <p:sp>
+        <p:nvSpPr>
+          <p:cNvPr id="11" name="Flowchart: Magnetic Disk 10"/>
+          <p:cNvSpPr/>
+          <p:nvPr/>
+        </p:nvSpPr>
+        <p:spPr>
+          <a:xfrm>
+            <a:off x="1907704" y="3573016"/>
+            <a:ext cx="936104" cy="504056"/>
+          </a:xfrm>
+          <a:prstGeom prst="flowChartMagneticDisk">
+            <a:avLst/>
+          </a:prstGeom>
+        </p:spPr>
+        <p:style>
+          <a:lnRef idx="2">
+            <a:schemeClr val="accent1">
+              <a:shade val="50000"/>
+            </a:schemeClr>
+          </a:lnRef>
+          <a:fillRef idx="1">
+            <a:schemeClr val="accent1"/>
+          </a:fillRef>
+          <a:effectRef idx="0">
+            <a:schemeClr val="accent1"/>
+          </a:effectRef>
+          <a:fontRef idx="minor">
+            <a:schemeClr val="lt1"/>
+          </a:fontRef>
+        </p:style>
+        <p:txBody>
+          <a:bodyPr rtlCol="0" anchor="ctr"/>
+          <a:lstStyle/>
+          <a:p>
+            <a:pPr algn="ctr"/>
+            <a:endParaRPr lang="en-GB"/>
+          </a:p>
+        </p:txBody>
+      </p:sp>
+      <p:sp>
+        <p:nvSpPr>
+          <p:cNvPr id="12" name="Rectangle 11"/>
+          <p:cNvSpPr/>
+          <p:nvPr/>
+        </p:nvSpPr>
+        <p:spPr>
+          <a:xfrm>
+            <a:off x="3347864" y="3501008"/>
+            <a:ext cx="1224136" cy="576064"/>
+          </a:xfrm>
+          <a:prstGeom prst="rect">
+            <a:avLst/>
+          </a:prstGeom>
+        </p:spPr>
+        <p:style>
+          <a:lnRef idx="2">
+            <a:schemeClr val="accent1">
+              <a:shade val="50000"/>
+            </a:schemeClr>
+          </a:lnRef>
+          <a:fillRef idx="1">
+            <a:schemeClr val="accent1"/>
+          </a:fillRef>
+          <a:effectRef idx="0">
+            <a:schemeClr val="accent1"/>
+          </a:effectRef>
+          <a:fontRef idx="minor">
+            <a:schemeClr val="lt1"/>
+          </a:fontRef>
+        </p:style>
+        <p:txBody>
+          <a:bodyPr rtlCol="0" anchor="ctr"/>
+          <a:lstStyle/>
+          <a:p>
+            <a:pPr algn="ctr"/>
+            <a:r>
+              <a:rPr lang="de-DE" dirty="0" smtClean="0"/>
+              <a:t>Config File</a:t>
+            </a:r>
+            <a:endParaRPr lang="en-GB" dirty="0"/>
+          </a:p>
+        </p:txBody>
+      </p:sp>
+      <p:cxnSp>
+        <p:nvCxnSpPr>
+          <p:cNvPr id="15" name="Straight Connector 14"/>
+          <p:cNvCxnSpPr/>
+          <p:nvPr/>
+        </p:nvCxnSpPr>
+        <p:spPr>
+          <a:xfrm>
+            <a:off x="3023828" y="2996952"/>
+            <a:ext cx="540060" cy="504056"/>
+          </a:xfrm>
+          <a:prstGeom prst="line">
+            <a:avLst/>
+          </a:prstGeom>
+        </p:spPr>
+        <p:style>
+          <a:lnRef idx="1">
+            <a:schemeClr val="accent1"/>
+          </a:lnRef>
+          <a:fillRef idx="0">
+            <a:schemeClr val="accent1"/>
+          </a:fillRef>
+          <a:effectRef idx="0">
+            <a:schemeClr val="accent1"/>
+          </a:effectRef>
+          <a:fontRef idx="minor">
+            <a:schemeClr val="tx1"/>
+          </a:fontRef>
+        </p:style>
+      </p:cxnSp>
+      <p:cxnSp>
+        <p:nvCxnSpPr>
+          <p:cNvPr id="17" name="Straight Connector 16"/>
+          <p:cNvCxnSpPr>
+            <a:stCxn id="12" idx="2"/>
+            <a:endCxn id="7" idx="0"/>
+          </p:cNvCxnSpPr>
+          <p:nvPr/>
+        </p:nvCxnSpPr>
+        <p:spPr>
+          <a:xfrm flipH="1">
+            <a:off x="3352292" y="4077072"/>
+            <a:ext cx="607640" cy="476622"/>
+          </a:xfrm>
+          <a:prstGeom prst="line">
+            <a:avLst/>
+          </a:prstGeom>
+        </p:spPr>
+        <p:style>
+          <a:lnRef idx="1">
+            <a:schemeClr val="accent1"/>
+          </a:lnRef>
+          <a:fillRef idx="0">
+            <a:schemeClr val="accent1"/>
+          </a:fillRef>
+          <a:effectRef idx="0">
+            <a:schemeClr val="accent1"/>
+          </a:effectRef>
+          <a:fontRef idx="minor">
+            <a:schemeClr val="tx1"/>
+          </a:fontRef>
+        </p:style>
+      </p:cxnSp>
+      <p:cxnSp>
+        <p:nvCxnSpPr>
+          <p:cNvPr id="19" name="Straight Connector 18"/>
+          <p:cNvCxnSpPr>
+            <a:stCxn id="12" idx="2"/>
+            <a:endCxn id="8" idx="0"/>
+          </p:cNvCxnSpPr>
+          <p:nvPr/>
+        </p:nvCxnSpPr>
+        <p:spPr>
+          <a:xfrm>
+            <a:off x="3959932" y="4077072"/>
+            <a:ext cx="1388951" cy="504056"/>
+          </a:xfrm>
+          <a:prstGeom prst="line">
+            <a:avLst/>
+          </a:prstGeom>
+        </p:spPr>
+        <p:style>
+          <a:lnRef idx="1">
+            <a:schemeClr val="accent1"/>
+          </a:lnRef>
+          <a:fillRef idx="0">
+            <a:schemeClr val="accent1"/>
+          </a:fillRef>
+          <a:effectRef idx="0">
+            <a:schemeClr val="accent1"/>
+          </a:effectRef>
+          <a:fontRef idx="minor">
+            <a:schemeClr val="tx1"/>
+          </a:fontRef>
+        </p:style>
+      </p:cxnSp>
+    </p:spTree>
+    <p:extLst>
+      <p:ext uri="{BB962C8B-B14F-4D97-AF65-F5344CB8AC3E}">
+        <p14:creationId xmlns:p14="http://schemas.microsoft.com/office/powerpoint/2010/main" val="1412206344"/>
+      </p:ext>
+    </p:extLst>
+  </p:cSld>
+  <p:clrMapOvr>
+    <a:masterClrMapping/>
+  </p:clrMapOvr>
 </p:sld>
 </file>
 
